--- a/example/simple_ppt/master.pptx
+++ b/example/simple_ppt/master.pptx
@@ -2,11 +2,19 @@
 <file path=ppt/presentation.xml><?xml version="1.0" encoding="utf-8"?>
 <p:presentation xmlns:a="http://schemas.openxmlformats.org/drawingml/2006/main" xmlns:r="http://schemas.openxmlformats.org/officeDocument/2006/relationships" xmlns:p="http://schemas.openxmlformats.org/presentationml/2006/main" autoCompressPictures="0">
   <p:sldMasterIdLst>
-    <p:sldMasterId id="2147483736" r:id="rId1"/>
+    <p:sldMasterId id="2147483743" r:id="rId1"/>
   </p:sldMasterIdLst>
   <p:notesMasterIdLst>
-    <p:notesMasterId r:id="rId2"/>
+    <p:notesMasterId r:id="rId8"/>
   </p:notesMasterIdLst>
+  <p:sldIdLst>
+    <p:sldId id="256" r:id="rId2"/>
+    <p:sldId id="257" r:id="rId3"/>
+    <p:sldId id="258" r:id="rId4"/>
+    <p:sldId id="259" r:id="rId5"/>
+    <p:sldId id="260" r:id="rId6"/>
+    <p:sldId id="261" r:id="rId7"/>
+  </p:sldIdLst>
   <p:sldSz cx="9906000" cy="6858000" type="A4"/>
   <p:notesSz cx="6858000" cy="9144000"/>
   <p:defaultTextStyle>
@@ -143,15 +151,15 @@
         <a:lstStyle/>
         <a:p>
           <a:pPr>
-            <a:defRPr sz="2128" b="1" i="0" u="none" strike="noStrike" kern="1200" cap="none" spc="0" normalizeH="0" baseline="0">
+            <a:defRPr sz="1600" b="1" i="0" u="none" strike="noStrike" kern="1200" cap="none" spc="0" normalizeH="0" baseline="0">
               <a:solidFill>
                 <a:schemeClr val="dk1">
                   <a:lumMod val="50000"/>
                   <a:lumOff val="50000"/>
                 </a:schemeClr>
               </a:solidFill>
-              <a:latin typeface="+mj-lt"/>
-              <a:ea typeface="+mj-ea"/>
+              <a:latin typeface="Malgun Gothic" panose="020B0503020000020004" pitchFamily="34" charset="-127"/>
+              <a:ea typeface="Malgun Gothic" panose="020B0503020000020004" pitchFamily="34" charset="-127"/>
               <a:cs typeface="+mj-cs"/>
             </a:defRPr>
           </a:pPr>
@@ -165,7 +173,7 @@
       <c:barChart>
         <c:barDir val="col"/>
         <c:grouping val="clustered"/>
-        <c:varyColors val="0"/>
+        <c:varyColors val="1"/>
         <c:ser>
           <c:idx val="0"/>
           <c:order val="0"/>
@@ -180,74 +188,63 @@
               </c:strCache>
             </c:strRef>
           </c:tx>
-          <c:spPr>
-            <a:solidFill>
-              <a:schemeClr val="accent1"/>
-            </a:solidFill>
-            <a:ln>
-              <a:noFill/>
-            </a:ln>
-            <a:effectLst/>
-          </c:spPr>
           <c:invertIfNegative val="0"/>
-          <c:dLbls>
+          <c:dPt>
+            <c:idx val="0"/>
+            <c:invertIfNegative val="0"/>
+            <c:bubble3D val="0"/>
             <c:spPr>
-              <a:noFill/>
+              <a:solidFill>
+                <a:schemeClr val="accent1"/>
+              </a:solidFill>
               <a:ln>
                 <a:noFill/>
               </a:ln>
               <a:effectLst/>
             </c:spPr>
-            <c:txPr>
-              <a:bodyPr rot="0" spcFirstLastPara="1" vertOverflow="ellipsis" vert="horz" wrap="square" lIns="38100" tIns="19050" rIns="38100" bIns="19050" anchor="ctr" anchorCtr="1">
-                <a:spAutoFit/>
-              </a:bodyPr>
-              <a:lstStyle/>
-              <a:p>
-                <a:pPr>
-                  <a:defRPr sz="1197" b="0" i="0" u="none" strike="noStrike" kern="1200" baseline="0">
-                    <a:solidFill>
-                      <a:schemeClr val="dk1">
-                        <a:lumMod val="75000"/>
-                        <a:lumOff val="25000"/>
-                      </a:schemeClr>
-                    </a:solidFill>
-                    <a:latin typeface="+mn-lt"/>
-                    <a:ea typeface="+mn-ea"/>
-                    <a:cs typeface="+mn-cs"/>
-                  </a:defRPr>
-                </a:pPr>
-                <a:endParaRPr lang="ko-KR"/>
-              </a:p>
-            </c:txPr>
-            <c:dLblPos val="inEnd"/>
-            <c:showLegendKey val="0"/>
-            <c:showVal val="1"/>
-            <c:showCatName val="0"/>
-            <c:showSerName val="0"/>
-            <c:showPercent val="0"/>
-            <c:showBubbleSize val="0"/>
-            <c:showLeaderLines val="0"/>
-            <c:extLst>
-              <c:ext xmlns:c15="http://schemas.microsoft.com/office/drawing/2012/chart" uri="{CE6537A1-D6FC-4f65-9D91-7224C49458BB}">
-                <c15:showLeaderLines val="1"/>
-                <c15:leaderLines>
-                  <c:spPr>
-                    <a:ln w="9525" cap="flat" cmpd="sng" algn="ctr">
-                      <a:solidFill>
-                        <a:schemeClr val="dk1">
-                          <a:lumMod val="35000"/>
-                          <a:lumOff val="65000"/>
-                        </a:schemeClr>
-                      </a:solidFill>
-                      <a:round/>
-                    </a:ln>
-                    <a:effectLst/>
-                  </c:spPr>
-                </c15:leaderLines>
-              </c:ext>
-            </c:extLst>
-          </c:dLbls>
+          </c:dPt>
+          <c:dPt>
+            <c:idx val="1"/>
+            <c:invertIfNegative val="0"/>
+            <c:bubble3D val="0"/>
+            <c:spPr>
+              <a:solidFill>
+                <a:schemeClr val="accent2"/>
+              </a:solidFill>
+              <a:ln>
+                <a:noFill/>
+              </a:ln>
+              <a:effectLst/>
+            </c:spPr>
+          </c:dPt>
+          <c:dPt>
+            <c:idx val="2"/>
+            <c:invertIfNegative val="0"/>
+            <c:bubble3D val="0"/>
+            <c:spPr>
+              <a:solidFill>
+                <a:schemeClr val="accent3"/>
+              </a:solidFill>
+              <a:ln>
+                <a:noFill/>
+              </a:ln>
+              <a:effectLst/>
+            </c:spPr>
+          </c:dPt>
+          <c:dPt>
+            <c:idx val="3"/>
+            <c:invertIfNegative val="0"/>
+            <c:bubble3D val="0"/>
+            <c:spPr>
+              <a:solidFill>
+                <a:schemeClr val="accent4"/>
+              </a:solidFill>
+              <a:ln>
+                <a:noFill/>
+              </a:ln>
+              <a:effectLst/>
+            </c:spPr>
+          </c:dPt>
           <c:cat>
             <c:strRef>
               <c:f>Sheet1!$A$2:$A$5</c:f>
@@ -291,283 +288,7 @@
           </c:val>
           <c:extLst>
             <c:ext xmlns:c16="http://schemas.microsoft.com/office/drawing/2014/chart" uri="{C3380CC4-5D6E-409C-BE32-E72D297353CC}">
-              <c16:uniqueId val="{00000000-E8D4-2B42-AF01-13B812F69FC1}"/>
-            </c:ext>
-          </c:extLst>
-        </c:ser>
-        <c:ser>
-          <c:idx val="1"/>
-          <c:order val="1"/>
-          <c:tx>
-            <c:strRef>
-              <c:f>Sheet1!$C$1</c:f>
-              <c:strCache>
-                <c:ptCount val="1"/>
-                <c:pt idx="0">
-                  <c:v>계열 2</c:v>
-                </c:pt>
-              </c:strCache>
-            </c:strRef>
-          </c:tx>
-          <c:spPr>
-            <a:solidFill>
-              <a:schemeClr val="accent2"/>
-            </a:solidFill>
-            <a:ln>
-              <a:noFill/>
-            </a:ln>
-            <a:effectLst/>
-          </c:spPr>
-          <c:invertIfNegative val="0"/>
-          <c:dLbls>
-            <c:spPr>
-              <a:noFill/>
-              <a:ln>
-                <a:noFill/>
-              </a:ln>
-              <a:effectLst/>
-            </c:spPr>
-            <c:txPr>
-              <a:bodyPr rot="0" spcFirstLastPara="1" vertOverflow="ellipsis" vert="horz" wrap="square" lIns="38100" tIns="19050" rIns="38100" bIns="19050" anchor="ctr" anchorCtr="1">
-                <a:spAutoFit/>
-              </a:bodyPr>
-              <a:lstStyle/>
-              <a:p>
-                <a:pPr>
-                  <a:defRPr sz="1197" b="0" i="0" u="none" strike="noStrike" kern="1200" baseline="0">
-                    <a:solidFill>
-                      <a:schemeClr val="dk1">
-                        <a:lumMod val="75000"/>
-                        <a:lumOff val="25000"/>
-                      </a:schemeClr>
-                    </a:solidFill>
-                    <a:latin typeface="+mn-lt"/>
-                    <a:ea typeface="+mn-ea"/>
-                    <a:cs typeface="+mn-cs"/>
-                  </a:defRPr>
-                </a:pPr>
-                <a:endParaRPr lang="ko-KR"/>
-              </a:p>
-            </c:txPr>
-            <c:dLblPos val="inEnd"/>
-            <c:showLegendKey val="0"/>
-            <c:showVal val="1"/>
-            <c:showCatName val="0"/>
-            <c:showSerName val="0"/>
-            <c:showPercent val="0"/>
-            <c:showBubbleSize val="0"/>
-            <c:showLeaderLines val="0"/>
-            <c:extLst>
-              <c:ext xmlns:c15="http://schemas.microsoft.com/office/drawing/2012/chart" uri="{CE6537A1-D6FC-4f65-9D91-7224C49458BB}">
-                <c15:showLeaderLines val="1"/>
-                <c15:leaderLines>
-                  <c:spPr>
-                    <a:ln w="9525" cap="flat" cmpd="sng" algn="ctr">
-                      <a:solidFill>
-                        <a:schemeClr val="dk1">
-                          <a:lumMod val="35000"/>
-                          <a:lumOff val="65000"/>
-                        </a:schemeClr>
-                      </a:solidFill>
-                      <a:round/>
-                    </a:ln>
-                    <a:effectLst/>
-                  </c:spPr>
-                </c15:leaderLines>
-              </c:ext>
-            </c:extLst>
-          </c:dLbls>
-          <c:cat>
-            <c:strRef>
-              <c:f>Sheet1!$A$2:$A$5</c:f>
-              <c:strCache>
-                <c:ptCount val="4"/>
-                <c:pt idx="0">
-                  <c:v>항목 1</c:v>
-                </c:pt>
-                <c:pt idx="1">
-                  <c:v>항목 2</c:v>
-                </c:pt>
-                <c:pt idx="2">
-                  <c:v>항목 3</c:v>
-                </c:pt>
-                <c:pt idx="3">
-                  <c:v>항목 4</c:v>
-                </c:pt>
-              </c:strCache>
-            </c:strRef>
-          </c:cat>
-          <c:val>
-            <c:numRef>
-              <c:f>Sheet1!$C$2:$C$5</c:f>
-              <c:numCache>
-                <c:formatCode>General</c:formatCode>
-                <c:ptCount val="4"/>
-                <c:pt idx="0">
-                  <c:v>2.4</c:v>
-                </c:pt>
-                <c:pt idx="1">
-                  <c:v>4.4000000000000004</c:v>
-                </c:pt>
-                <c:pt idx="2">
-                  <c:v>1.8</c:v>
-                </c:pt>
-                <c:pt idx="3">
-                  <c:v>2.8</c:v>
-                </c:pt>
-              </c:numCache>
-            </c:numRef>
-          </c:val>
-          <c:extLst>
-            <c:ext xmlns:c16="http://schemas.microsoft.com/office/drawing/2014/chart" uri="{C3380CC4-5D6E-409C-BE32-E72D297353CC}">
-              <c16:uniqueId val="{00000001-E8D4-2B42-AF01-13B812F69FC1}"/>
-            </c:ext>
-          </c:extLst>
-        </c:ser>
-        <c:dLbls>
-          <c:dLblPos val="inEnd"/>
-          <c:showLegendKey val="0"/>
-          <c:showVal val="1"/>
-          <c:showCatName val="0"/>
-          <c:showSerName val="0"/>
-          <c:showPercent val="0"/>
-          <c:showBubbleSize val="0"/>
-        </c:dLbls>
-        <c:gapWidth val="267"/>
-        <c:axId val="1067833264"/>
-        <c:axId val="1120030144"/>
-      </c:barChart>
-      <c:lineChart>
-        <c:grouping val="standard"/>
-        <c:varyColors val="0"/>
-        <c:ser>
-          <c:idx val="2"/>
-          <c:order val="2"/>
-          <c:tx>
-            <c:strRef>
-              <c:f>Sheet1!$D$1</c:f>
-              <c:strCache>
-                <c:ptCount val="1"/>
-                <c:pt idx="0">
-                  <c:v>계열 3</c:v>
-                </c:pt>
-              </c:strCache>
-            </c:strRef>
-          </c:tx>
-          <c:spPr>
-            <a:ln w="22225" cap="rnd">
-              <a:solidFill>
-                <a:schemeClr val="accent3"/>
-              </a:solidFill>
-              <a:round/>
-            </a:ln>
-            <a:effectLst/>
-          </c:spPr>
-          <c:marker>
-            <c:symbol val="none"/>
-          </c:marker>
-          <c:dLbls>
-            <c:spPr>
-              <a:noFill/>
-              <a:ln>
-                <a:noFill/>
-              </a:ln>
-              <a:effectLst/>
-            </c:spPr>
-            <c:txPr>
-              <a:bodyPr rot="0" spcFirstLastPara="1" vertOverflow="ellipsis" vert="horz" wrap="square" lIns="38100" tIns="19050" rIns="38100" bIns="19050" anchor="ctr" anchorCtr="1">
-                <a:spAutoFit/>
-              </a:bodyPr>
-              <a:lstStyle/>
-              <a:p>
-                <a:pPr>
-                  <a:defRPr sz="1197" b="0" i="0" u="none" strike="noStrike" kern="1200" baseline="0">
-                    <a:solidFill>
-                      <a:schemeClr val="dk1">
-                        <a:lumMod val="75000"/>
-                        <a:lumOff val="25000"/>
-                      </a:schemeClr>
-                    </a:solidFill>
-                    <a:latin typeface="+mn-lt"/>
-                    <a:ea typeface="+mn-ea"/>
-                    <a:cs typeface="+mn-cs"/>
-                  </a:defRPr>
-                </a:pPr>
-                <a:endParaRPr lang="ko-KR"/>
-              </a:p>
-            </c:txPr>
-            <c:showLegendKey val="0"/>
-            <c:showVal val="1"/>
-            <c:showCatName val="0"/>
-            <c:showSerName val="0"/>
-            <c:showPercent val="0"/>
-            <c:showBubbleSize val="0"/>
-            <c:showLeaderLines val="0"/>
-            <c:extLst>
-              <c:ext xmlns:c15="http://schemas.microsoft.com/office/drawing/2012/chart" uri="{CE6537A1-D6FC-4f65-9D91-7224C49458BB}">
-                <c15:showLeaderLines val="1"/>
-                <c15:leaderLines>
-                  <c:spPr>
-                    <a:ln w="9525" cap="flat" cmpd="sng" algn="ctr">
-                      <a:solidFill>
-                        <a:schemeClr val="dk1">
-                          <a:lumMod val="35000"/>
-                          <a:lumOff val="65000"/>
-                        </a:schemeClr>
-                      </a:solidFill>
-                      <a:round/>
-                    </a:ln>
-                    <a:effectLst/>
-                  </c:spPr>
-                </c15:leaderLines>
-              </c:ext>
-            </c:extLst>
-          </c:dLbls>
-          <c:cat>
-            <c:strRef>
-              <c:f>Sheet1!$A$2:$A$5</c:f>
-              <c:strCache>
-                <c:ptCount val="4"/>
-                <c:pt idx="0">
-                  <c:v>항목 1</c:v>
-                </c:pt>
-                <c:pt idx="1">
-                  <c:v>항목 2</c:v>
-                </c:pt>
-                <c:pt idx="2">
-                  <c:v>항목 3</c:v>
-                </c:pt>
-                <c:pt idx="3">
-                  <c:v>항목 4</c:v>
-                </c:pt>
-              </c:strCache>
-            </c:strRef>
-          </c:cat>
-          <c:val>
-            <c:numRef>
-              <c:f>Sheet1!$D$2:$D$5</c:f>
-              <c:numCache>
-                <c:formatCode>General</c:formatCode>
-                <c:ptCount val="4"/>
-                <c:pt idx="0">
-                  <c:v>2</c:v>
-                </c:pt>
-                <c:pt idx="1">
-                  <c:v>2</c:v>
-                </c:pt>
-                <c:pt idx="2">
-                  <c:v>3</c:v>
-                </c:pt>
-                <c:pt idx="3">
-                  <c:v>5</c:v>
-                </c:pt>
-              </c:numCache>
-            </c:numRef>
-          </c:val>
-          <c:smooth val="0"/>
-          <c:extLst>
-            <c:ext xmlns:c16="http://schemas.microsoft.com/office/drawing/2014/chart" uri="{C3380CC4-5D6E-409C-BE32-E72D297353CC}">
-              <c16:uniqueId val="{00000002-E8D4-2B42-AF01-13B812F69FC1}"/>
+              <c16:uniqueId val="{00000000-4880-2A47-B72A-0A00D7FED8FD}"/>
             </c:ext>
           </c:extLst>
         </c:ser>
@@ -579,13 +300,13 @@
           <c:showPercent val="0"/>
           <c:showBubbleSize val="0"/>
         </c:dLbls>
-        <c:marker val="1"/>
-        <c:smooth val="0"/>
-        <c:axId val="1067833264"/>
-        <c:axId val="1120030144"/>
-      </c:lineChart>
+        <c:gapWidth val="267"/>
+        <c:overlap val="-43"/>
+        <c:axId val="1502659680"/>
+        <c:axId val="1502661360"/>
+      </c:barChart>
       <c:catAx>
-        <c:axId val="1067833264"/>
+        <c:axId val="1502659680"/>
         <c:scaling>
           <c:orientation val="minMax"/>
         </c:scaling>
@@ -642,7 +363,7 @@
             <a:endParaRPr lang="ko-KR"/>
           </a:p>
         </c:txPr>
-        <c:crossAx val="1120030144"/>
+        <c:crossAx val="1502661360"/>
         <c:crosses val="autoZero"/>
         <c:auto val="1"/>
         <c:lblAlgn val="ctr"/>
@@ -650,7 +371,7 @@
         <c:noMultiLvlLbl val="0"/>
       </c:catAx>
       <c:valAx>
-        <c:axId val="1120030144"/>
+        <c:axId val="1502661360"/>
         <c:scaling>
           <c:orientation val="minMax"/>
         </c:scaling>
@@ -701,7 +422,338 @@
             <a:endParaRPr lang="ko-KR"/>
           </a:p>
         </c:txPr>
-        <c:crossAx val="1067833264"/>
+        <c:crossAx val="1502659680"/>
+        <c:crosses val="autoZero"/>
+        <c:crossBetween val="between"/>
+      </c:valAx>
+      <c:spPr>
+        <a:pattFill prst="ltDnDiag">
+          <a:fgClr>
+            <a:schemeClr val="dk1">
+              <a:lumMod val="15000"/>
+              <a:lumOff val="85000"/>
+            </a:schemeClr>
+          </a:fgClr>
+          <a:bgClr>
+            <a:schemeClr val="lt1"/>
+          </a:bgClr>
+        </a:pattFill>
+        <a:ln>
+          <a:noFill/>
+        </a:ln>
+        <a:effectLst/>
+      </c:spPr>
+    </c:plotArea>
+    <c:legend>
+      <c:legendPos val="b"/>
+      <c:overlay val="0"/>
+      <c:spPr>
+        <a:noFill/>
+        <a:ln>
+          <a:noFill/>
+        </a:ln>
+        <a:effectLst/>
+      </c:spPr>
+      <c:txPr>
+        <a:bodyPr rot="0" spcFirstLastPara="1" vertOverflow="ellipsis" vert="horz" wrap="square" anchor="ctr" anchorCtr="1"/>
+        <a:lstStyle/>
+        <a:p>
+          <a:pPr>
+            <a:defRPr sz="1197" b="0" i="0" u="none" strike="noStrike" kern="1200" baseline="0">
+              <a:solidFill>
+                <a:schemeClr val="dk1">
+                  <a:lumMod val="65000"/>
+                  <a:lumOff val="35000"/>
+                </a:schemeClr>
+              </a:solidFill>
+              <a:latin typeface="+mn-lt"/>
+              <a:ea typeface="+mn-ea"/>
+              <a:cs typeface="+mn-cs"/>
+            </a:defRPr>
+          </a:pPr>
+          <a:endParaRPr lang="ko-KR"/>
+        </a:p>
+      </c:txPr>
+    </c:legend>
+    <c:plotVisOnly val="1"/>
+    <c:dispBlanksAs val="gap"/>
+    <c:extLst>
+      <c:ext xmlns:c16r3="http://schemas.microsoft.com/office/drawing/2017/03/chart" uri="{56B9EC1D-385E-4148-901F-78D8002777C0}">
+        <c16r3:dataDisplayOptions16>
+          <c16r3:dispNaAsBlank val="1"/>
+        </c16r3:dataDisplayOptions16>
+      </c:ext>
+    </c:extLst>
+    <c:showDLblsOverMax val="0"/>
+  </c:chart>
+  <c:spPr>
+    <a:solidFill>
+      <a:schemeClr val="lt1"/>
+    </a:solidFill>
+    <a:ln w="9525" cap="flat" cmpd="sng" algn="ctr">
+      <a:solidFill>
+        <a:schemeClr val="dk1">
+          <a:lumMod val="15000"/>
+          <a:lumOff val="85000"/>
+        </a:schemeClr>
+      </a:solidFill>
+      <a:round/>
+    </a:ln>
+    <a:effectLst/>
+  </c:spPr>
+  <c:txPr>
+    <a:bodyPr/>
+    <a:lstStyle/>
+    <a:p>
+      <a:pPr>
+        <a:defRPr/>
+      </a:pPr>
+      <a:endParaRPr lang="ko-KR"/>
+    </a:p>
+  </c:txPr>
+  <c:externalData r:id="rId3">
+    <c:autoUpdate val="0"/>
+  </c:externalData>
+</c:chartSpace>
+</file>
+
+<file path=ppt/charts/chart2.xml><?xml version="1.0" encoding="utf-8"?>
+<c:chartSpace xmlns:c="http://schemas.openxmlformats.org/drawingml/2006/chart" xmlns:a="http://schemas.openxmlformats.org/drawingml/2006/main" xmlns:r="http://schemas.openxmlformats.org/officeDocument/2006/relationships" xmlns:c16r2="http://schemas.microsoft.com/office/drawing/2015/06/chart">
+  <c:date1904 val="0"/>
+  <c:lang val="ko-KR"/>
+  <c:roundedCorners val="0"/>
+  <mc:AlternateContent xmlns:mc="http://schemas.openxmlformats.org/markup-compatibility/2006">
+    <mc:Choice xmlns:c14="http://schemas.microsoft.com/office/drawing/2007/8/2/chart" Requires="c14">
+      <c14:style val="102"/>
+    </mc:Choice>
+    <mc:Fallback>
+      <c:style val="2"/>
+    </mc:Fallback>
+  </mc:AlternateContent>
+  <c:chart>
+    <c:autoTitleDeleted val="1"/>
+    <c:plotArea>
+      <c:layout/>
+      <c:barChart>
+        <c:barDir val="col"/>
+        <c:grouping val="clustered"/>
+        <c:varyColors val="1"/>
+        <c:ser>
+          <c:idx val="0"/>
+          <c:order val="0"/>
+          <c:tx>
+            <c:strRef>
+              <c:f>Sheet1!$B$1</c:f>
+              <c:strCache>
+                <c:ptCount val="1"/>
+                <c:pt idx="0">
+                  <c:v>계열 1</c:v>
+                </c:pt>
+              </c:strCache>
+            </c:strRef>
+          </c:tx>
+          <c:invertIfNegative val="0"/>
+          <c:dPt>
+            <c:idx val="0"/>
+            <c:invertIfNegative val="0"/>
+            <c:bubble3D val="0"/>
+            <c:spPr>
+              <a:solidFill>
+                <a:schemeClr val="accent1"/>
+              </a:solidFill>
+              <a:ln>
+                <a:noFill/>
+              </a:ln>
+              <a:effectLst/>
+            </c:spPr>
+          </c:dPt>
+          <c:dPt>
+            <c:idx val="1"/>
+            <c:invertIfNegative val="0"/>
+            <c:bubble3D val="0"/>
+            <c:spPr>
+              <a:solidFill>
+                <a:schemeClr val="accent2"/>
+              </a:solidFill>
+              <a:ln>
+                <a:noFill/>
+              </a:ln>
+              <a:effectLst/>
+            </c:spPr>
+          </c:dPt>
+          <c:dPt>
+            <c:idx val="2"/>
+            <c:invertIfNegative val="0"/>
+            <c:bubble3D val="0"/>
+            <c:spPr>
+              <a:solidFill>
+                <a:schemeClr val="accent3"/>
+              </a:solidFill>
+              <a:ln>
+                <a:noFill/>
+              </a:ln>
+              <a:effectLst/>
+            </c:spPr>
+          </c:dPt>
+          <c:dPt>
+            <c:idx val="3"/>
+            <c:invertIfNegative val="0"/>
+            <c:bubble3D val="0"/>
+            <c:spPr>
+              <a:solidFill>
+                <a:schemeClr val="accent4"/>
+              </a:solidFill>
+              <a:ln>
+                <a:noFill/>
+              </a:ln>
+              <a:effectLst/>
+            </c:spPr>
+          </c:dPt>
+          <c:cat>
+            <c:strRef>
+              <c:f>Sheet1!$A$2:$A$5</c:f>
+              <c:strCache>
+                <c:ptCount val="4"/>
+                <c:pt idx="0">
+                  <c:v>항목 1</c:v>
+                </c:pt>
+                <c:pt idx="1">
+                  <c:v>항목 2</c:v>
+                </c:pt>
+                <c:pt idx="2">
+                  <c:v>항목 3</c:v>
+                </c:pt>
+                <c:pt idx="3">
+                  <c:v>항목 4</c:v>
+                </c:pt>
+              </c:strCache>
+            </c:strRef>
+          </c:cat>
+          <c:val>
+            <c:numRef>
+              <c:f>Sheet1!$B$2:$B$5</c:f>
+              <c:numCache>
+                <c:formatCode>General</c:formatCode>
+                <c:ptCount val="4"/>
+                <c:pt idx="0">
+                  <c:v>4.3</c:v>
+                </c:pt>
+                <c:pt idx="1">
+                  <c:v>2.5</c:v>
+                </c:pt>
+                <c:pt idx="2">
+                  <c:v>3.5</c:v>
+                </c:pt>
+                <c:pt idx="3">
+                  <c:v>4.5</c:v>
+                </c:pt>
+              </c:numCache>
+            </c:numRef>
+          </c:val>
+          <c:extLst>
+            <c:ext xmlns:c16="http://schemas.microsoft.com/office/drawing/2014/chart" uri="{C3380CC4-5D6E-409C-BE32-E72D297353CC}">
+              <c16:uniqueId val="{00000000-4880-2A47-B72A-0A00D7FED8FD}"/>
+            </c:ext>
+          </c:extLst>
+        </c:ser>
+        <c:dLbls>
+          <c:showLegendKey val="0"/>
+          <c:showVal val="0"/>
+          <c:showCatName val="0"/>
+          <c:showSerName val="0"/>
+          <c:showPercent val="0"/>
+          <c:showBubbleSize val="0"/>
+        </c:dLbls>
+        <c:gapWidth val="267"/>
+        <c:overlap val="-43"/>
+        <c:axId val="1502659680"/>
+        <c:axId val="1502661360"/>
+      </c:barChart>
+      <c:catAx>
+        <c:axId val="1502659680"/>
+        <c:scaling>
+          <c:orientation val="minMax"/>
+        </c:scaling>
+        <c:delete val="1"/>
+        <c:axPos val="b"/>
+        <c:majorGridlines>
+          <c:spPr>
+            <a:ln w="9525" cap="flat" cmpd="sng" algn="ctr">
+              <a:solidFill>
+                <a:schemeClr val="dk1">
+                  <a:lumMod val="15000"/>
+                  <a:lumOff val="85000"/>
+                </a:schemeClr>
+              </a:solidFill>
+              <a:round/>
+            </a:ln>
+            <a:effectLst/>
+          </c:spPr>
+        </c:majorGridlines>
+        <c:numFmt formatCode="General" sourceLinked="1"/>
+        <c:majorTickMark val="none"/>
+        <c:minorTickMark val="none"/>
+        <c:tickLblPos val="nextTo"/>
+        <c:crossAx val="1502661360"/>
+        <c:crosses val="autoZero"/>
+        <c:auto val="1"/>
+        <c:lblAlgn val="ctr"/>
+        <c:lblOffset val="100"/>
+        <c:noMultiLvlLbl val="0"/>
+      </c:catAx>
+      <c:valAx>
+        <c:axId val="1502661360"/>
+        <c:scaling>
+          <c:orientation val="minMax"/>
+        </c:scaling>
+        <c:delete val="0"/>
+        <c:axPos val="l"/>
+        <c:majorGridlines>
+          <c:spPr>
+            <a:ln w="9525" cap="flat" cmpd="sng" algn="ctr">
+              <a:solidFill>
+                <a:schemeClr val="dk1">
+                  <a:lumMod val="15000"/>
+                  <a:lumOff val="85000"/>
+                </a:schemeClr>
+              </a:solidFill>
+              <a:round/>
+            </a:ln>
+            <a:effectLst/>
+          </c:spPr>
+        </c:majorGridlines>
+        <c:numFmt formatCode="General" sourceLinked="1"/>
+        <c:majorTickMark val="none"/>
+        <c:minorTickMark val="none"/>
+        <c:tickLblPos val="nextTo"/>
+        <c:spPr>
+          <a:noFill/>
+          <a:ln>
+            <a:noFill/>
+          </a:ln>
+          <a:effectLst/>
+        </c:spPr>
+        <c:txPr>
+          <a:bodyPr rot="-60000000" spcFirstLastPara="1" vertOverflow="ellipsis" vert="horz" wrap="square" anchor="ctr" anchorCtr="1"/>
+          <a:lstStyle/>
+          <a:p>
+            <a:pPr>
+              <a:defRPr sz="1197" b="0" i="0" u="none" strike="noStrike" kern="1200" baseline="0">
+                <a:solidFill>
+                  <a:schemeClr val="dk1">
+                    <a:lumMod val="65000"/>
+                    <a:lumOff val="35000"/>
+                  </a:schemeClr>
+                </a:solidFill>
+                <a:latin typeface="+mn-lt"/>
+                <a:ea typeface="+mn-ea"/>
+                <a:cs typeface="+mn-cs"/>
+              </a:defRPr>
+            </a:pPr>
+            <a:endParaRPr lang="ko-KR"/>
+          </a:p>
+        </c:txPr>
+        <c:crossAx val="1502659680"/>
         <c:crosses val="autoZero"/>
         <c:crossBetween val="between"/>
       </c:valAx>
@@ -797,6 +849,46 @@
 </file>
 
 <file path=ppt/charts/colors1.xml><?xml version="1.0" encoding="utf-8"?>
+<cs:colorStyle xmlns:cs="http://schemas.microsoft.com/office/drawing/2012/chartStyle" xmlns:a="http://schemas.openxmlformats.org/drawingml/2006/main" meth="cycle" id="10">
+  <a:schemeClr val="accent1"/>
+  <a:schemeClr val="accent2"/>
+  <a:schemeClr val="accent3"/>
+  <a:schemeClr val="accent4"/>
+  <a:schemeClr val="accent5"/>
+  <a:schemeClr val="accent6"/>
+  <cs:variation/>
+  <cs:variation>
+    <a:lumMod val="60000"/>
+  </cs:variation>
+  <cs:variation>
+    <a:lumMod val="80000"/>
+    <a:lumOff val="20000"/>
+  </cs:variation>
+  <cs:variation>
+    <a:lumMod val="80000"/>
+  </cs:variation>
+  <cs:variation>
+    <a:lumMod val="60000"/>
+    <a:lumOff val="40000"/>
+  </cs:variation>
+  <cs:variation>
+    <a:lumMod val="50000"/>
+  </cs:variation>
+  <cs:variation>
+    <a:lumMod val="70000"/>
+    <a:lumOff val="30000"/>
+  </cs:variation>
+  <cs:variation>
+    <a:lumMod val="70000"/>
+  </cs:variation>
+  <cs:variation>
+    <a:lumMod val="50000"/>
+    <a:lumOff val="50000"/>
+  </cs:variation>
+</cs:colorStyle>
+</file>
+
+<file path=ppt/charts/colors2.xml><?xml version="1.0" encoding="utf-8"?>
 <cs:colorStyle xmlns:cs="http://schemas.microsoft.com/office/drawing/2012/chartStyle" xmlns:a="http://schemas.openxmlformats.org/drawingml/2006/main" meth="cycle" id="10">
   <a:schemeClr val="accent1"/>
   <a:schemeClr val="accent2"/>
@@ -1385,6 +1477,555 @@
 </cs:chartStyle>
 </file>
 
+<file path=ppt/charts/style2.xml><?xml version="1.0" encoding="utf-8"?>
+<cs:chartStyle xmlns:cs="http://schemas.microsoft.com/office/drawing/2012/chartStyle" xmlns:a="http://schemas.openxmlformats.org/drawingml/2006/main" id="208">
+  <cs:axisTitle>
+    <cs:lnRef idx="0"/>
+    <cs:fillRef idx="0"/>
+    <cs:effectRef idx="0"/>
+    <cs:fontRef idx="minor">
+      <a:schemeClr val="dk1">
+        <a:lumMod val="65000"/>
+        <a:lumOff val="35000"/>
+      </a:schemeClr>
+    </cs:fontRef>
+    <cs:defRPr sz="1197" b="1" kern="1200"/>
+  </cs:axisTitle>
+  <cs:categoryAxis>
+    <cs:lnRef idx="0"/>
+    <cs:fillRef idx="0"/>
+    <cs:effectRef idx="0"/>
+    <cs:fontRef idx="minor">
+      <a:schemeClr val="dk1">
+        <a:lumMod val="65000"/>
+        <a:lumOff val="35000"/>
+      </a:schemeClr>
+    </cs:fontRef>
+    <cs:spPr>
+      <a:ln w="9525" cap="flat" cmpd="sng" algn="ctr">
+        <a:solidFill>
+          <a:schemeClr val="dk1">
+            <a:lumMod val="15000"/>
+            <a:lumOff val="85000"/>
+          </a:schemeClr>
+        </a:solidFill>
+        <a:round/>
+      </a:ln>
+    </cs:spPr>
+    <cs:defRPr sz="1197" kern="1200" cap="none" spc="0" normalizeH="0" baseline="0"/>
+  </cs:categoryAxis>
+  <cs:chartArea>
+    <cs:lnRef idx="0"/>
+    <cs:fillRef idx="0"/>
+    <cs:effectRef idx="0"/>
+    <cs:fontRef idx="minor">
+      <a:schemeClr val="dk1"/>
+    </cs:fontRef>
+    <cs:spPr>
+      <a:solidFill>
+        <a:schemeClr val="lt1"/>
+      </a:solidFill>
+      <a:ln w="9525" cap="flat" cmpd="sng" algn="ctr">
+        <a:solidFill>
+          <a:schemeClr val="dk1">
+            <a:lumMod val="15000"/>
+            <a:lumOff val="85000"/>
+          </a:schemeClr>
+        </a:solidFill>
+        <a:round/>
+      </a:ln>
+    </cs:spPr>
+    <cs:defRPr sz="1197" kern="1200"/>
+  </cs:chartArea>
+  <cs:dataLabel>
+    <cs:lnRef idx="0"/>
+    <cs:fillRef idx="0"/>
+    <cs:effectRef idx="0"/>
+    <cs:fontRef idx="minor">
+      <a:schemeClr val="dk1">
+        <a:lumMod val="75000"/>
+        <a:lumOff val="25000"/>
+      </a:schemeClr>
+    </cs:fontRef>
+    <cs:defRPr sz="1197" kern="1200"/>
+  </cs:dataLabel>
+  <cs:dataLabelCallout>
+    <cs:lnRef idx="0"/>
+    <cs:fillRef idx="0"/>
+    <cs:effectRef idx="0"/>
+    <cs:fontRef idx="minor">
+      <a:schemeClr val="dk1">
+        <a:lumMod val="65000"/>
+        <a:lumOff val="35000"/>
+      </a:schemeClr>
+    </cs:fontRef>
+    <cs:spPr>
+      <a:solidFill>
+        <a:schemeClr val="lt1"/>
+      </a:solidFill>
+      <a:ln>
+        <a:solidFill>
+          <a:schemeClr val="dk1">
+            <a:lumMod val="25000"/>
+            <a:lumOff val="75000"/>
+          </a:schemeClr>
+        </a:solidFill>
+      </a:ln>
+    </cs:spPr>
+    <cs:defRPr sz="1197" kern="1200"/>
+    <cs:bodyPr rot="0" spcFirstLastPara="1" vertOverflow="clip" horzOverflow="clip" vert="horz" wrap="square" lIns="36576" tIns="18288" rIns="36576" bIns="18288" anchor="ctr" anchorCtr="1">
+      <a:spAutoFit/>
+    </cs:bodyPr>
+  </cs:dataLabelCallout>
+  <cs:dataPoint>
+    <cs:lnRef idx="0"/>
+    <cs:fillRef idx="0">
+      <cs:styleClr val="auto"/>
+    </cs:fillRef>
+    <cs:effectRef idx="0"/>
+    <cs:fontRef idx="minor">
+      <a:schemeClr val="dk1"/>
+    </cs:fontRef>
+    <cs:spPr>
+      <a:solidFill>
+        <a:schemeClr val="phClr"/>
+      </a:solidFill>
+    </cs:spPr>
+  </cs:dataPoint>
+  <cs:dataPoint3D>
+    <cs:lnRef idx="0"/>
+    <cs:fillRef idx="0">
+      <cs:styleClr val="auto"/>
+    </cs:fillRef>
+    <cs:effectRef idx="0"/>
+    <cs:fontRef idx="minor">
+      <a:schemeClr val="dk1"/>
+    </cs:fontRef>
+    <cs:spPr>
+      <a:solidFill>
+        <a:schemeClr val="phClr"/>
+      </a:solidFill>
+    </cs:spPr>
+  </cs:dataPoint3D>
+  <cs:dataPointLine>
+    <cs:lnRef idx="0">
+      <cs:styleClr val="auto"/>
+    </cs:lnRef>
+    <cs:fillRef idx="0"/>
+    <cs:effectRef idx="0"/>
+    <cs:fontRef idx="minor">
+      <a:schemeClr val="dk1"/>
+    </cs:fontRef>
+    <cs:spPr>
+      <a:ln w="22225" cap="rnd">
+        <a:solidFill>
+          <a:schemeClr val="phClr"/>
+        </a:solidFill>
+        <a:round/>
+      </a:ln>
+    </cs:spPr>
+  </cs:dataPointLine>
+  <cs:dataPointMarker>
+    <cs:lnRef idx="0">
+      <cs:styleClr val="auto"/>
+    </cs:lnRef>
+    <cs:fillRef idx="0">
+      <cs:styleClr val="auto"/>
+    </cs:fillRef>
+    <cs:effectRef idx="0"/>
+    <cs:fontRef idx="minor">
+      <a:schemeClr val="dk1"/>
+    </cs:fontRef>
+    <cs:spPr>
+      <a:solidFill>
+        <a:schemeClr val="lt1"/>
+      </a:solidFill>
+      <a:ln w="15875">
+        <a:solidFill>
+          <a:schemeClr val="phClr"/>
+        </a:solidFill>
+        <a:round/>
+      </a:ln>
+    </cs:spPr>
+  </cs:dataPointMarker>
+  <cs:dataPointMarkerLayout symbol="circle" size="6"/>
+  <cs:dataPointWireframe>
+    <cs:lnRef idx="0">
+      <cs:styleClr val="auto"/>
+    </cs:lnRef>
+    <cs:fillRef idx="0"/>
+    <cs:effectRef idx="0"/>
+    <cs:fontRef idx="minor">
+      <a:schemeClr val="dk1"/>
+    </cs:fontRef>
+    <cs:spPr>
+      <a:ln w="9525" cap="rnd">
+        <a:solidFill>
+          <a:schemeClr val="phClr"/>
+        </a:solidFill>
+        <a:round/>
+      </a:ln>
+    </cs:spPr>
+  </cs:dataPointWireframe>
+  <cs:dataTable>
+    <cs:lnRef idx="0"/>
+    <cs:fillRef idx="0"/>
+    <cs:effectRef idx="0"/>
+    <cs:fontRef idx="minor">
+      <a:schemeClr val="dk1">
+        <a:lumMod val="65000"/>
+        <a:lumOff val="35000"/>
+      </a:schemeClr>
+    </cs:fontRef>
+    <cs:spPr>
+      <a:ln w="9525" cap="flat" cmpd="sng" algn="ctr">
+        <a:solidFill>
+          <a:schemeClr val="dk1">
+            <a:lumMod val="15000"/>
+            <a:lumOff val="85000"/>
+          </a:schemeClr>
+        </a:solidFill>
+        <a:round/>
+      </a:ln>
+    </cs:spPr>
+    <cs:defRPr sz="1064" kern="1200"/>
+  </cs:dataTable>
+  <cs:downBar>
+    <cs:lnRef idx="0"/>
+    <cs:fillRef idx="0"/>
+    <cs:effectRef idx="0"/>
+    <cs:fontRef idx="minor">
+      <a:schemeClr val="dk1"/>
+    </cs:fontRef>
+    <cs:spPr>
+      <a:solidFill>
+        <a:schemeClr val="dk1">
+          <a:lumMod val="75000"/>
+          <a:lumOff val="25000"/>
+        </a:schemeClr>
+      </a:solidFill>
+      <a:ln w="9525" cap="flat" cmpd="sng" algn="ctr">
+        <a:solidFill>
+          <a:schemeClr val="dk1">
+            <a:lumMod val="50000"/>
+            <a:lumOff val="50000"/>
+          </a:schemeClr>
+        </a:solidFill>
+        <a:round/>
+      </a:ln>
+    </cs:spPr>
+  </cs:downBar>
+  <cs:dropLine>
+    <cs:lnRef idx="0"/>
+    <cs:fillRef idx="0"/>
+    <cs:effectRef idx="0"/>
+    <cs:fontRef idx="minor">
+      <a:schemeClr val="dk1"/>
+    </cs:fontRef>
+    <cs:spPr>
+      <a:ln w="9525" cap="flat" cmpd="sng" algn="ctr">
+        <a:solidFill>
+          <a:schemeClr val="dk1">
+            <a:lumMod val="35000"/>
+            <a:lumOff val="65000"/>
+          </a:schemeClr>
+        </a:solidFill>
+        <a:round/>
+      </a:ln>
+    </cs:spPr>
+  </cs:dropLine>
+  <cs:errorBar>
+    <cs:lnRef idx="0"/>
+    <cs:fillRef idx="0"/>
+    <cs:effectRef idx="0"/>
+    <cs:fontRef idx="minor">
+      <a:schemeClr val="dk1"/>
+    </cs:fontRef>
+    <cs:spPr>
+      <a:ln w="9525" cap="flat" cmpd="sng" algn="ctr">
+        <a:solidFill>
+          <a:schemeClr val="dk1">
+            <a:lumMod val="50000"/>
+            <a:lumOff val="50000"/>
+          </a:schemeClr>
+        </a:solidFill>
+        <a:round/>
+      </a:ln>
+    </cs:spPr>
+  </cs:errorBar>
+  <cs:floor>
+    <cs:lnRef idx="0"/>
+    <cs:fillRef idx="0"/>
+    <cs:effectRef idx="0"/>
+    <cs:fontRef idx="minor">
+      <a:schemeClr val="dk1"/>
+    </cs:fontRef>
+    <cs:spPr>
+      <a:pattFill prst="ltDnDiag">
+        <a:fgClr>
+          <a:schemeClr val="dk1">
+            <a:lumMod val="15000"/>
+            <a:lumOff val="85000"/>
+          </a:schemeClr>
+        </a:fgClr>
+        <a:bgClr>
+          <a:schemeClr val="lt1"/>
+        </a:bgClr>
+      </a:pattFill>
+    </cs:spPr>
+  </cs:floor>
+  <cs:gridlineMajor>
+    <cs:lnRef idx="0"/>
+    <cs:fillRef idx="0"/>
+    <cs:effectRef idx="0"/>
+    <cs:fontRef idx="minor">
+      <a:schemeClr val="dk1"/>
+    </cs:fontRef>
+    <cs:spPr>
+      <a:ln w="9525" cap="flat" cmpd="sng" algn="ctr">
+        <a:solidFill>
+          <a:schemeClr val="dk1">
+            <a:lumMod val="15000"/>
+            <a:lumOff val="85000"/>
+          </a:schemeClr>
+        </a:solidFill>
+        <a:round/>
+      </a:ln>
+    </cs:spPr>
+  </cs:gridlineMajor>
+  <cs:gridlineMinor>
+    <cs:lnRef idx="0"/>
+    <cs:fillRef idx="0"/>
+    <cs:effectRef idx="0"/>
+    <cs:fontRef idx="minor">
+      <a:schemeClr val="dk1"/>
+    </cs:fontRef>
+    <cs:spPr>
+      <a:ln w="9525" cap="flat" cmpd="sng" algn="ctr">
+        <a:solidFill>
+          <a:schemeClr val="dk1">
+            <a:lumMod val="5000"/>
+            <a:lumOff val="95000"/>
+          </a:schemeClr>
+        </a:solidFill>
+        <a:round/>
+      </a:ln>
+    </cs:spPr>
+  </cs:gridlineMinor>
+  <cs:hiLoLine>
+    <cs:lnRef idx="0"/>
+    <cs:fillRef idx="0"/>
+    <cs:effectRef idx="0"/>
+    <cs:fontRef idx="minor">
+      <a:schemeClr val="dk1"/>
+    </cs:fontRef>
+    <cs:spPr>
+      <a:ln w="9525" cap="flat" cmpd="sng" algn="ctr">
+        <a:solidFill>
+          <a:schemeClr val="dk1">
+            <a:lumMod val="35000"/>
+            <a:lumOff val="65000"/>
+          </a:schemeClr>
+        </a:solidFill>
+        <a:round/>
+      </a:ln>
+    </cs:spPr>
+  </cs:hiLoLine>
+  <cs:leaderLine>
+    <cs:lnRef idx="0"/>
+    <cs:fillRef idx="0"/>
+    <cs:effectRef idx="0"/>
+    <cs:fontRef idx="minor">
+      <a:schemeClr val="dk1"/>
+    </cs:fontRef>
+    <cs:spPr>
+      <a:ln w="9525" cap="flat" cmpd="sng" algn="ctr">
+        <a:solidFill>
+          <a:schemeClr val="dk1">
+            <a:lumMod val="35000"/>
+            <a:lumOff val="65000"/>
+          </a:schemeClr>
+        </a:solidFill>
+        <a:round/>
+      </a:ln>
+    </cs:spPr>
+  </cs:leaderLine>
+  <cs:legend>
+    <cs:lnRef idx="0"/>
+    <cs:fillRef idx="0"/>
+    <cs:effectRef idx="0"/>
+    <cs:fontRef idx="minor">
+      <a:schemeClr val="dk1">
+        <a:lumMod val="65000"/>
+        <a:lumOff val="35000"/>
+      </a:schemeClr>
+    </cs:fontRef>
+    <cs:defRPr sz="1197" kern="1200"/>
+  </cs:legend>
+  <cs:plotArea>
+    <cs:lnRef idx="0"/>
+    <cs:fillRef idx="0"/>
+    <cs:effectRef idx="0"/>
+    <cs:fontRef idx="minor">
+      <a:schemeClr val="dk1"/>
+    </cs:fontRef>
+    <cs:spPr>
+      <a:pattFill prst="ltDnDiag">
+        <a:fgClr>
+          <a:schemeClr val="dk1">
+            <a:lumMod val="15000"/>
+            <a:lumOff val="85000"/>
+          </a:schemeClr>
+        </a:fgClr>
+        <a:bgClr>
+          <a:schemeClr val="lt1"/>
+        </a:bgClr>
+      </a:pattFill>
+    </cs:spPr>
+  </cs:plotArea>
+  <cs:plotArea3D>
+    <cs:lnRef idx="0"/>
+    <cs:fillRef idx="0"/>
+    <cs:effectRef idx="0"/>
+    <cs:fontRef idx="minor">
+      <a:schemeClr val="dk1"/>
+    </cs:fontRef>
+    <cs:spPr>
+      <a:solidFill>
+        <a:schemeClr val="lt1"/>
+      </a:solidFill>
+    </cs:spPr>
+  </cs:plotArea3D>
+  <cs:seriesAxis>
+    <cs:lnRef idx="0"/>
+    <cs:fillRef idx="0"/>
+    <cs:effectRef idx="0"/>
+    <cs:fontRef idx="minor">
+      <a:schemeClr val="dk1">
+        <a:lumMod val="65000"/>
+        <a:lumOff val="35000"/>
+      </a:schemeClr>
+    </cs:fontRef>
+    <cs:defRPr sz="1197" kern="1200"/>
+  </cs:seriesAxis>
+  <cs:seriesLine>
+    <cs:lnRef idx="0"/>
+    <cs:fillRef idx="0"/>
+    <cs:effectRef idx="0"/>
+    <cs:fontRef idx="minor">
+      <a:schemeClr val="dk1"/>
+    </cs:fontRef>
+    <cs:spPr>
+      <a:ln w="9525" cap="flat" cmpd="sng" algn="ctr">
+        <a:solidFill>
+          <a:schemeClr val="dk1">
+            <a:lumMod val="35000"/>
+            <a:lumOff val="65000"/>
+          </a:schemeClr>
+        </a:solidFill>
+        <a:round/>
+      </a:ln>
+    </cs:spPr>
+  </cs:seriesLine>
+  <cs:title>
+    <cs:lnRef idx="0"/>
+    <cs:fillRef idx="0"/>
+    <cs:effectRef idx="0"/>
+    <cs:fontRef idx="major">
+      <a:schemeClr val="dk1">
+        <a:lumMod val="50000"/>
+        <a:lumOff val="50000"/>
+      </a:schemeClr>
+    </cs:fontRef>
+    <cs:defRPr sz="2128" b="1" kern="1200" cap="none" spc="0" normalizeH="0" baseline="0"/>
+  </cs:title>
+  <cs:trendline>
+    <cs:lnRef idx="0">
+      <cs:styleClr val="auto"/>
+    </cs:lnRef>
+    <cs:fillRef idx="0"/>
+    <cs:effectRef idx="0"/>
+    <cs:fontRef idx="minor">
+      <a:schemeClr val="dk1"/>
+    </cs:fontRef>
+    <cs:spPr>
+      <a:ln w="19050" cap="rnd">
+        <a:solidFill>
+          <a:schemeClr val="phClr"/>
+        </a:solidFill>
+      </a:ln>
+    </cs:spPr>
+  </cs:trendline>
+  <cs:trendlineLabel>
+    <cs:lnRef idx="0"/>
+    <cs:fillRef idx="0"/>
+    <cs:effectRef idx="0"/>
+    <cs:fontRef idx="minor">
+      <a:schemeClr val="dk1">
+        <a:lumMod val="65000"/>
+        <a:lumOff val="35000"/>
+      </a:schemeClr>
+    </cs:fontRef>
+    <cs:defRPr sz="1197" kern="1200"/>
+  </cs:trendlineLabel>
+  <cs:upBar>
+    <cs:lnRef idx="0"/>
+    <cs:fillRef idx="0"/>
+    <cs:effectRef idx="0"/>
+    <cs:fontRef idx="minor">
+      <a:schemeClr val="dk1"/>
+    </cs:fontRef>
+    <cs:spPr>
+      <a:solidFill>
+        <a:schemeClr val="lt1"/>
+      </a:solidFill>
+      <a:ln w="9525" cap="flat" cmpd="sng" algn="ctr">
+        <a:solidFill>
+          <a:schemeClr val="dk1">
+            <a:lumMod val="50000"/>
+            <a:lumOff val="50000"/>
+          </a:schemeClr>
+        </a:solidFill>
+        <a:round/>
+      </a:ln>
+    </cs:spPr>
+  </cs:upBar>
+  <cs:valueAxis>
+    <cs:lnRef idx="0"/>
+    <cs:fillRef idx="0"/>
+    <cs:effectRef idx="0"/>
+    <cs:fontRef idx="minor">
+      <a:schemeClr val="dk1">
+        <a:lumMod val="65000"/>
+        <a:lumOff val="35000"/>
+      </a:schemeClr>
+    </cs:fontRef>
+    <cs:defRPr sz="1197" kern="1200"/>
+  </cs:valueAxis>
+  <cs:wall>
+    <cs:lnRef idx="0"/>
+    <cs:fillRef idx="0"/>
+    <cs:effectRef idx="0"/>
+    <cs:fontRef idx="minor">
+      <a:schemeClr val="dk1"/>
+    </cs:fontRef>
+    <cs:spPr>
+      <a:pattFill prst="ltDnDiag">
+        <a:fgClr>
+          <a:schemeClr val="dk1">
+            <a:lumMod val="15000"/>
+            <a:lumOff val="85000"/>
+          </a:schemeClr>
+        </a:fgClr>
+        <a:bgClr>
+          <a:schemeClr val="lt1"/>
+        </a:bgClr>
+      </a:pattFill>
+    </cs:spPr>
+  </cs:wall>
+</cs:chartStyle>
+</file>
+
 <file path=ppt/notesMasters/notesMaster1.xml><?xml version="1.0" encoding="utf-8"?>
 <p:notesMaster xmlns:a="http://schemas.openxmlformats.org/drawingml/2006/main" xmlns:r="http://schemas.openxmlformats.org/officeDocument/2006/relationships" xmlns:p="http://schemas.openxmlformats.org/presentationml/2006/main">
   <p:cSld>
@@ -1467,7 +2108,7 @@
           <a:p>
             <a:fld id="{8F09B21A-053B-A443-B8DC-52B76749C64A}" type="datetimeFigureOut">
               <a:rPr kumimoji="1" lang="ko-KR" altLang="en-US" smtClean="0"/>
-              <a:t>2020. 7. 3.</a:t>
+              <a:t>2020. 7. 9.</a:t>
             </a:fld>
             <a:endParaRPr kumimoji="1" lang="ko-KR" altLang="en-US" dirty="0"/>
           </a:p>
@@ -1711,7 +2352,7 @@
 
 <file path=ppt/slideLayouts/slideLayout1.xml><?xml version="1.0" encoding="utf-8"?>
 <p:sldLayout xmlns:a="http://schemas.openxmlformats.org/drawingml/2006/main" xmlns:r="http://schemas.openxmlformats.org/officeDocument/2006/relationships" xmlns:p="http://schemas.openxmlformats.org/presentationml/2006/main" type="title" preserve="1">
-  <p:cSld name="title_slide">
+  <p:cSld name="제목 슬라이드">
     <p:spTree>
       <p:nvGrpSpPr>
         <p:cNvPr id="1" name=""/>
@@ -1726,192 +2367,122 @@
           <a:chExt cx="0" cy="0"/>
         </a:xfrm>
       </p:grpSpPr>
-      <p:pic>
-        <p:nvPicPr>
-          <p:cNvPr id="11" name="background" descr="Celestia-R1---OverlayTitleSD.png"/>
-          <p:cNvPicPr>
-            <a:picLocks noChangeAspect="1"/>
-          </p:cNvPicPr>
-          <p:nvPr/>
-        </p:nvPicPr>
-        <p:blipFill>
-          <a:blip r:embed="rId2">
-            <a:extLst>
-              <a:ext uri="{28A0092B-C50C-407E-A947-70E740481C1C}">
-                <a14:useLocalDpi xmlns:a14="http://schemas.microsoft.com/office/drawing/2010/main" val="0"/>
-              </a:ext>
-            </a:extLst>
-          </a:blip>
-          <a:stretch>
-            <a:fillRect/>
-          </a:stretch>
-        </p:blipFill>
+      <p:sp>
+        <p:nvSpPr>
+          <p:cNvPr id="2" name="제목 1">
+            <a:extLst>
+              <a:ext uri="{FF2B5EF4-FFF2-40B4-BE49-F238E27FC236}">
+                <a16:creationId xmlns:a16="http://schemas.microsoft.com/office/drawing/2014/main" id="{E4844450-E478-5B45-B210-48468CF871DA}"/>
+              </a:ext>
+            </a:extLst>
+          </p:cNvPr>
+          <p:cNvSpPr>
+            <a:spLocks noGrp="1"/>
+          </p:cNvSpPr>
+          <p:nvPr>
+            <p:ph type="ctrTitle"/>
+          </p:nvPr>
+        </p:nvSpPr>
         <p:spPr>
           <a:xfrm>
-            <a:off x="0" y="0"/>
-            <a:ext cx="8014229" cy="6858000"/>
+            <a:off x="1238250" y="1122363"/>
+            <a:ext cx="7429500" cy="2387600"/>
           </a:xfrm>
-          <a:prstGeom prst="rect">
-            <a:avLst/>
-          </a:prstGeom>
         </p:spPr>
-      </p:pic>
-      <p:sp>
-        <p:nvSpPr>
-          <p:cNvPr id="2" name="title"/>
-          <p:cNvSpPr>
-            <a:spLocks noGrp="1"/>
-          </p:cNvSpPr>
-          <p:nvPr>
-            <p:ph type="ctrTitle" hasCustomPrompt="1"/>
+        <p:txBody>
+          <a:bodyPr anchor="b"/>
+          <a:lstStyle>
+            <a:lvl1pPr algn="ctr">
+              <a:defRPr sz="6000"/>
+            </a:lvl1pPr>
+          </a:lstStyle>
+          <a:p>
+            <a:r>
+              <a:rPr kumimoji="1" lang="ko-KR" altLang="en-US"/>
+              <a:t>마스터 제목 스타일 편집</a:t>
+            </a:r>
+          </a:p>
+        </p:txBody>
+      </p:sp>
+      <p:sp>
+        <p:nvSpPr>
+          <p:cNvPr id="3" name="부제목 2">
+            <a:extLst>
+              <a:ext uri="{FF2B5EF4-FFF2-40B4-BE49-F238E27FC236}">
+                <a16:creationId xmlns:a16="http://schemas.microsoft.com/office/drawing/2014/main" id="{F4E11C23-E382-564D-BD80-A86F6D48B233}"/>
+              </a:ext>
+            </a:extLst>
+          </p:cNvPr>
+          <p:cNvSpPr>
+            <a:spLocks noGrp="1"/>
+          </p:cNvSpPr>
+          <p:nvPr>
+            <p:ph type="subTitle" idx="1"/>
           </p:nvPr>
         </p:nvSpPr>
         <p:spPr>
           <a:xfrm>
-            <a:off x="2972637" y="1964267"/>
-            <a:ext cx="6190414" cy="2421464"/>
+            <a:off x="1238250" y="3602038"/>
+            <a:ext cx="7429500" cy="1655762"/>
           </a:xfrm>
         </p:spPr>
         <p:txBody>
-          <a:bodyPr anchor="b">
-            <a:normAutofit/>
-          </a:bodyPr>
+          <a:bodyPr/>
           <a:lstStyle>
-            <a:lvl1pPr algn="r">
-              <a:defRPr sz="4400">
-                <a:effectLst/>
-              </a:defRPr>
-            </a:lvl1pPr>
-          </a:lstStyle>
-          <a:p>
-            <a:r>
-              <a:rPr lang="en-US" dirty="0"/>
-              <a:t>Title Text</a:t>
-            </a:r>
-          </a:p>
-        </p:txBody>
-      </p:sp>
-      <p:sp>
-        <p:nvSpPr>
-          <p:cNvPr id="3" name="subtitle"/>
-          <p:cNvSpPr>
-            <a:spLocks noGrp="1"/>
-          </p:cNvSpPr>
-          <p:nvPr>
-            <p:ph type="subTitle" idx="1" hasCustomPrompt="1"/>
-          </p:nvPr>
-        </p:nvSpPr>
-        <p:spPr>
-          <a:xfrm>
-            <a:off x="2972637" y="4385734"/>
-            <a:ext cx="6190414" cy="1405467"/>
-          </a:xfrm>
-        </p:spPr>
-        <p:txBody>
-          <a:bodyPr anchor="t">
-            <a:normAutofit/>
-          </a:bodyPr>
-          <a:lstStyle>
-            <a:lvl1pPr marL="0" indent="0" algn="r">
+            <a:lvl1pPr marL="0" indent="0" algn="ctr">
               <a:buNone/>
-              <a:defRPr sz="1800" cap="all">
-                <a:solidFill>
-                  <a:schemeClr val="tx1"/>
-                </a:solidFill>
-              </a:defRPr>
+              <a:defRPr sz="2400"/>
             </a:lvl1pPr>
             <a:lvl2pPr marL="457200" indent="0" algn="ctr">
               <a:buNone/>
-              <a:defRPr>
-                <a:solidFill>
-                  <a:schemeClr val="tx1">
-                    <a:tint val="75000"/>
-                  </a:schemeClr>
-                </a:solidFill>
-              </a:defRPr>
+              <a:defRPr sz="2000"/>
             </a:lvl2pPr>
             <a:lvl3pPr marL="914400" indent="0" algn="ctr">
               <a:buNone/>
-              <a:defRPr>
-                <a:solidFill>
-                  <a:schemeClr val="tx1">
-                    <a:tint val="75000"/>
-                  </a:schemeClr>
-                </a:solidFill>
-              </a:defRPr>
+              <a:defRPr sz="1800"/>
             </a:lvl3pPr>
             <a:lvl4pPr marL="1371600" indent="0" algn="ctr">
               <a:buNone/>
-              <a:defRPr>
-                <a:solidFill>
-                  <a:schemeClr val="tx1">
-                    <a:tint val="75000"/>
-                  </a:schemeClr>
-                </a:solidFill>
-              </a:defRPr>
+              <a:defRPr sz="1600"/>
             </a:lvl4pPr>
             <a:lvl5pPr marL="1828800" indent="0" algn="ctr">
               <a:buNone/>
-              <a:defRPr>
-                <a:solidFill>
-                  <a:schemeClr val="tx1">
-                    <a:tint val="75000"/>
-                  </a:schemeClr>
-                </a:solidFill>
-              </a:defRPr>
+              <a:defRPr sz="1600"/>
             </a:lvl5pPr>
             <a:lvl6pPr marL="2286000" indent="0" algn="ctr">
               <a:buNone/>
-              <a:defRPr>
-                <a:solidFill>
-                  <a:schemeClr val="tx1">
-                    <a:tint val="75000"/>
-                  </a:schemeClr>
-                </a:solidFill>
-              </a:defRPr>
+              <a:defRPr sz="1600"/>
             </a:lvl6pPr>
             <a:lvl7pPr marL="2743200" indent="0" algn="ctr">
               <a:buNone/>
-              <a:defRPr>
-                <a:solidFill>
-                  <a:schemeClr val="tx1">
-                    <a:tint val="75000"/>
-                  </a:schemeClr>
-                </a:solidFill>
-              </a:defRPr>
+              <a:defRPr sz="1600"/>
             </a:lvl7pPr>
             <a:lvl8pPr marL="3200400" indent="0" algn="ctr">
               <a:buNone/>
-              <a:defRPr>
-                <a:solidFill>
-                  <a:schemeClr val="tx1">
-                    <a:tint val="75000"/>
-                  </a:schemeClr>
-                </a:solidFill>
-              </a:defRPr>
+              <a:defRPr sz="1600"/>
             </a:lvl8pPr>
             <a:lvl9pPr marL="3657600" indent="0" algn="ctr">
               <a:buNone/>
-              <a:defRPr>
-                <a:solidFill>
-                  <a:schemeClr val="tx1">
-                    <a:tint val="75000"/>
-                  </a:schemeClr>
-                </a:solidFill>
-              </a:defRPr>
+              <a:defRPr sz="1600"/>
             </a:lvl9pPr>
           </a:lstStyle>
           <a:p>
             <a:r>
-              <a:rPr lang="en-US" dirty="0"/>
-              <a:t>subtitle</a:t>
+              <a:rPr kumimoji="1" lang="ko-KR" altLang="en-US"/>
+              <a:t>클릭하여 마스터 부제목 스타일 편집</a:t>
             </a:r>
           </a:p>
         </p:txBody>
       </p:sp>
       <p:sp>
         <p:nvSpPr>
-          <p:cNvPr id="4" name="date"/>
+          <p:cNvPr id="4" name="날짜 개체 틀 3">
+            <a:extLst>
+              <a:ext uri="{FF2B5EF4-FFF2-40B4-BE49-F238E27FC236}">
+                <a16:creationId xmlns:a16="http://schemas.microsoft.com/office/drawing/2014/main" id="{47CC810F-D588-6943-9513-008FDACA9FE3}"/>
+              </a:ext>
+            </a:extLst>
+          </p:cNvPr>
           <p:cNvSpPr>
             <a:spLocks noGrp="1"/>
           </p:cNvSpPr>
@@ -1919,29 +2490,77 @@
             <p:ph type="dt" sz="half" idx="10"/>
           </p:nvPr>
         </p:nvSpPr>
-        <p:spPr>
-          <a:xfrm>
-            <a:off x="7849864" y="5878392"/>
-            <a:ext cx="1313187" cy="377825"/>
-          </a:xfrm>
-        </p:spPr>
+        <p:spPr/>
         <p:txBody>
           <a:bodyPr/>
           <a:lstStyle/>
           <a:p>
-            <a:fld id="{B61BEF0D-F0BB-DE4B-95CE-6DB70DBA9567}" type="datetimeFigureOut">
-              <a:rPr lang="en-US" smtClean="0"/>
-              <a:pPr/>
-              <a:t>7/3/20</a:t>
+            <a:fld id="{CCF36190-AAB0-734A-9385-5A64374CB79C}" type="datetimeFigureOut">
+              <a:rPr kumimoji="1" lang="ko-KR" altLang="en-US" smtClean="0"/>
+              <a:t>2020. 7. 9.</a:t>
             </a:fld>
-            <a:endParaRPr lang="en-US" dirty="0"/>
+            <a:endParaRPr kumimoji="1" lang="ko-KR" altLang="en-US"/>
+          </a:p>
+        </p:txBody>
+      </p:sp>
+      <p:sp>
+        <p:nvSpPr>
+          <p:cNvPr id="5" name="바닥글 개체 틀 4">
+            <a:extLst>
+              <a:ext uri="{FF2B5EF4-FFF2-40B4-BE49-F238E27FC236}">
+                <a16:creationId xmlns:a16="http://schemas.microsoft.com/office/drawing/2014/main" id="{9C25BD60-EA48-854A-BD6A-441B66C73A75}"/>
+              </a:ext>
+            </a:extLst>
+          </p:cNvPr>
+          <p:cNvSpPr>
+            <a:spLocks noGrp="1"/>
+          </p:cNvSpPr>
+          <p:nvPr>
+            <p:ph type="ftr" sz="quarter" idx="11"/>
+          </p:nvPr>
+        </p:nvSpPr>
+        <p:spPr/>
+        <p:txBody>
+          <a:bodyPr/>
+          <a:lstStyle/>
+          <a:p>
+            <a:endParaRPr kumimoji="1" lang="ko-KR" altLang="en-US"/>
+          </a:p>
+        </p:txBody>
+      </p:sp>
+      <p:sp>
+        <p:nvSpPr>
+          <p:cNvPr id="6" name="슬라이드 번호 개체 틀 5">
+            <a:extLst>
+              <a:ext uri="{FF2B5EF4-FFF2-40B4-BE49-F238E27FC236}">
+                <a16:creationId xmlns:a16="http://schemas.microsoft.com/office/drawing/2014/main" id="{1A60F841-964F-A841-9A39-CE5D33DE0229}"/>
+              </a:ext>
+            </a:extLst>
+          </p:cNvPr>
+          <p:cNvSpPr>
+            <a:spLocks noGrp="1"/>
+          </p:cNvSpPr>
+          <p:nvPr>
+            <p:ph type="sldNum" sz="quarter" idx="12"/>
+          </p:nvPr>
+        </p:nvSpPr>
+        <p:spPr/>
+        <p:txBody>
+          <a:bodyPr/>
+          <a:lstStyle/>
+          <a:p>
+            <a:fld id="{D70BE8CF-5D5D-7E4E-87A2-997A60C5F7DB}" type="slidenum">
+              <a:rPr kumimoji="1" lang="ko-KR" altLang="en-US" smtClean="0"/>
+              <a:t>‹#›</a:t>
+            </a:fld>
+            <a:endParaRPr kumimoji="1" lang="ko-KR" altLang="en-US"/>
           </a:p>
         </p:txBody>
       </p:sp>
     </p:spTree>
     <p:extLst>
       <p:ext uri="{BB962C8B-B14F-4D97-AF65-F5344CB8AC3E}">
-        <p14:creationId xmlns:p14="http://schemas.microsoft.com/office/powerpoint/2010/main" val="1891436820"/>
+        <p14:creationId xmlns:p14="http://schemas.microsoft.com/office/powerpoint/2010/main" val="2204850997"/>
       </p:ext>
     </p:extLst>
   </p:cSld>
@@ -1951,9 +2570,9 @@
 </p:sldLayout>
 </file>
 
-<file path=ppt/slideLayouts/slideLayout2.xml><?xml version="1.0" encoding="utf-8"?>
-<p:sldLayout xmlns:a="http://schemas.openxmlformats.org/drawingml/2006/main" xmlns:r="http://schemas.openxmlformats.org/officeDocument/2006/relationships" xmlns:p="http://schemas.openxmlformats.org/presentationml/2006/main" preserve="1" userDrawn="1">
-  <p:cSld name="table_slide">
+<file path=ppt/slideLayouts/slideLayout10.xml><?xml version="1.0" encoding="utf-8"?>
+<p:sldLayout xmlns:a="http://schemas.openxmlformats.org/drawingml/2006/main" xmlns:r="http://schemas.openxmlformats.org/officeDocument/2006/relationships" xmlns:p="http://schemas.openxmlformats.org/presentationml/2006/main" type="vertTx" preserve="1">
+  <p:cSld name="제목 및 세로 텍스트">
     <p:spTree>
       <p:nvGrpSpPr>
         <p:cNvPr id="1" name=""/>
@@ -1970,18 +2589,18 @@
       </p:grpSpPr>
       <p:sp>
         <p:nvSpPr>
-          <p:cNvPr id="2" name="title">
-            <a:extLst>
-              <a:ext uri="{FF2B5EF4-FFF2-40B4-BE49-F238E27FC236}">
-                <a16:creationId xmlns:a16="http://schemas.microsoft.com/office/drawing/2014/main" id="{71C84DE3-1A25-7342-8742-D6FFFED8545C}"/>
-              </a:ext>
-            </a:extLst>
-          </p:cNvPr>
-          <p:cNvSpPr>
-            <a:spLocks noGrp="1"/>
-          </p:cNvSpPr>
-          <p:nvPr>
-            <p:ph type="title" hasCustomPrompt="1"/>
+          <p:cNvPr id="2" name="제목 1">
+            <a:extLst>
+              <a:ext uri="{FF2B5EF4-FFF2-40B4-BE49-F238E27FC236}">
+                <a16:creationId xmlns:a16="http://schemas.microsoft.com/office/drawing/2014/main" id="{BCF4ACA2-40F3-054A-9DF4-5B7194CE8242}"/>
+              </a:ext>
+            </a:extLst>
+          </p:cNvPr>
+          <p:cNvSpPr>
+            <a:spLocks noGrp="1"/>
+          </p:cNvSpPr>
+          <p:nvPr>
+            <p:ph type="title"/>
           </p:nvPr>
         </p:nvSpPr>
         <p:spPr/>
@@ -1990,19 +2609,50 @@
           <a:lstStyle/>
           <a:p>
             <a:r>
-              <a:rPr kumimoji="1" lang="en-US" altLang="ko-KR" dirty="0"/>
-              <a:t>title</a:t>
+              <a:rPr kumimoji="1" lang="ko-KR" altLang="en-US"/>
+              <a:t>마스터 제목 스타일 편집</a:t>
             </a:r>
-            <a:endParaRPr kumimoji="1" lang="ko-KR" altLang="en-US" dirty="0"/>
-          </a:p>
-        </p:txBody>
-      </p:sp>
-      <p:sp>
-        <p:nvSpPr>
-          <p:cNvPr id="3" name="date">
-            <a:extLst>
-              <a:ext uri="{FF2B5EF4-FFF2-40B4-BE49-F238E27FC236}">
-                <a16:creationId xmlns:a16="http://schemas.microsoft.com/office/drawing/2014/main" id="{1F3B95DB-18BA-9E40-B7F6-8C5AD17DEDAA}"/>
+          </a:p>
+        </p:txBody>
+      </p:sp>
+      <p:sp>
+        <p:nvSpPr>
+          <p:cNvPr id="3" name="세로 텍스트 개체 틀 2">
+            <a:extLst>
+              <a:ext uri="{FF2B5EF4-FFF2-40B4-BE49-F238E27FC236}">
+                <a16:creationId xmlns:a16="http://schemas.microsoft.com/office/drawing/2014/main" id="{D4C1BD1F-CEDB-764B-8927-5B1CCC6DC801}"/>
+              </a:ext>
+            </a:extLst>
+          </p:cNvPr>
+          <p:cNvSpPr>
+            <a:spLocks noGrp="1"/>
+          </p:cNvSpPr>
+          <p:nvPr>
+            <p:ph type="body" orient="vert" idx="1"/>
+          </p:nvPr>
+        </p:nvSpPr>
+        <p:spPr/>
+        <p:txBody>
+          <a:bodyPr vert="eaVert"/>
+          <a:lstStyle/>
+          <a:p>
+            <a:r>
+              <a:rPr kumimoji="1" lang="ko-KR" altLang="en-US"/>
+              <a:t>마스터 텍스트 스타일 편집
+둘째 수준
+셋째 수준
+넷째 수준
+다섯째 수준</a:t>
+            </a:r>
+          </a:p>
+        </p:txBody>
+      </p:sp>
+      <p:sp>
+        <p:nvSpPr>
+          <p:cNvPr id="4" name="날짜 개체 틀 3">
+            <a:extLst>
+              <a:ext uri="{FF2B5EF4-FFF2-40B4-BE49-F238E27FC236}">
+                <a16:creationId xmlns:a16="http://schemas.microsoft.com/office/drawing/2014/main" id="{8EF37A0F-97A0-2C49-837D-D25CD0EF7B8B}"/>
               </a:ext>
             </a:extLst>
           </p:cNvPr>
@@ -2018,21 +2668,20 @@
           <a:bodyPr/>
           <a:lstStyle/>
           <a:p>
-            <a:fld id="{B61BEF0D-F0BB-DE4B-95CE-6DB70DBA9567}" type="datetimeFigureOut">
-              <a:rPr lang="en-US" smtClean="0"/>
-              <a:pPr/>
-              <a:t>7/3/20</a:t>
+            <a:fld id="{CCF36190-AAB0-734A-9385-5A64374CB79C}" type="datetimeFigureOut">
+              <a:rPr kumimoji="1" lang="ko-KR" altLang="en-US" smtClean="0"/>
+              <a:t>2020. 7. 9.</a:t>
             </a:fld>
-            <a:endParaRPr lang="en-US" dirty="0"/>
-          </a:p>
-        </p:txBody>
-      </p:sp>
-      <p:sp>
-        <p:nvSpPr>
-          <p:cNvPr id="4" name="footer">
-            <a:extLst>
-              <a:ext uri="{FF2B5EF4-FFF2-40B4-BE49-F238E27FC236}">
-                <a16:creationId xmlns:a16="http://schemas.microsoft.com/office/drawing/2014/main" id="{D12B0525-176C-8644-A6BF-87EA169FBBAC}"/>
+            <a:endParaRPr kumimoji="1" lang="ko-KR" altLang="en-US"/>
+          </a:p>
+        </p:txBody>
+      </p:sp>
+      <p:sp>
+        <p:nvSpPr>
+          <p:cNvPr id="5" name="바닥글 개체 틀 4">
+            <a:extLst>
+              <a:ext uri="{FF2B5EF4-FFF2-40B4-BE49-F238E27FC236}">
+                <a16:creationId xmlns:a16="http://schemas.microsoft.com/office/drawing/2014/main" id="{2877E338-B15D-5E48-88FF-20534C038F41}"/>
               </a:ext>
             </a:extLst>
           </p:cNvPr>
@@ -2048,16 +2697,16 @@
           <a:bodyPr/>
           <a:lstStyle/>
           <a:p>
-            <a:endParaRPr kumimoji="1" lang="ko-KR" altLang="en-US" dirty="0"/>
-          </a:p>
-        </p:txBody>
-      </p:sp>
-      <p:sp>
-        <p:nvSpPr>
-          <p:cNvPr id="5" name="page_number">
-            <a:extLst>
-              <a:ext uri="{FF2B5EF4-FFF2-40B4-BE49-F238E27FC236}">
-                <a16:creationId xmlns:a16="http://schemas.microsoft.com/office/drawing/2014/main" id="{6061EDEE-E50F-F54A-A2B0-DB72075DED4A}"/>
+            <a:endParaRPr kumimoji="1" lang="ko-KR" altLang="en-US"/>
+          </a:p>
+        </p:txBody>
+      </p:sp>
+      <p:sp>
+        <p:nvSpPr>
+          <p:cNvPr id="6" name="슬라이드 번호 개체 틀 5">
+            <a:extLst>
+              <a:ext uri="{FF2B5EF4-FFF2-40B4-BE49-F238E27FC236}">
+                <a16:creationId xmlns:a16="http://schemas.microsoft.com/office/drawing/2014/main" id="{486E2F2B-DCD0-624C-839C-5B49F2FA9A9C}"/>
               </a:ext>
             </a:extLst>
           </p:cNvPr>
@@ -2073,356 +2722,18 @@
           <a:bodyPr/>
           <a:lstStyle/>
           <a:p>
-            <a:fld id="{D57F1E4F-1CFF-5643-939E-217C01CDF565}" type="slidenum">
-              <a:rPr lang="en-US" smtClean="0"/>
-              <a:pPr/>
+            <a:fld id="{D70BE8CF-5D5D-7E4E-87A2-997A60C5F7DB}" type="slidenum">
+              <a:rPr kumimoji="1" lang="ko-KR" altLang="en-US" smtClean="0"/>
               <a:t>‹#›</a:t>
             </a:fld>
-            <a:endParaRPr lang="en-US" dirty="0"/>
-          </a:p>
-        </p:txBody>
-      </p:sp>
-      <p:graphicFrame>
-        <p:nvGraphicFramePr>
-          <p:cNvPr id="8" name="table">
-            <a:extLst>
-              <a:ext uri="{FF2B5EF4-FFF2-40B4-BE49-F238E27FC236}">
-                <a16:creationId xmlns:a16="http://schemas.microsoft.com/office/drawing/2014/main" id="{7A08C36A-E921-7A40-A777-6AE9F7BE0A15}"/>
-              </a:ext>
-            </a:extLst>
-          </p:cNvPr>
-          <p:cNvGraphicFramePr>
-            <a:graphicFrameLocks noGrp="1"/>
-          </p:cNvGraphicFramePr>
-          <p:nvPr userDrawn="1">
-            <p:extLst>
-              <p:ext uri="{D42A27DB-BD31-4B8C-83A1-F6EECF244321}">
-                <p14:modId xmlns:p14="http://schemas.microsoft.com/office/powerpoint/2010/main" val="2236279954"/>
-              </p:ext>
-            </p:extLst>
-          </p:nvPr>
-        </p:nvGraphicFramePr>
-        <p:xfrm>
-          <a:off x="495300" y="2299440"/>
-          <a:ext cx="8420097" cy="1261907"/>
-        </p:xfrm>
-        <a:graphic>
-          <a:graphicData uri="http://schemas.openxmlformats.org/drawingml/2006/table">
-            <a:tbl>
-              <a:tblPr firstRow="1" bandRow="1">
-                <a:tableStyleId>{F5AB1C69-6EDB-4FF4-983F-18BD219EF322}</a:tableStyleId>
-              </a:tblPr>
-              <a:tblGrid>
-                <a:gridCol w="1202871">
-                  <a:extLst>
-                    <a:ext uri="{9D8B030D-6E8A-4147-A177-3AD203B41FA5}">
-                      <a16:colId xmlns:a16="http://schemas.microsoft.com/office/drawing/2014/main" val="4203326836"/>
-                    </a:ext>
-                  </a:extLst>
-                </a:gridCol>
-                <a:gridCol w="1202871">
-                  <a:extLst>
-                    <a:ext uri="{9D8B030D-6E8A-4147-A177-3AD203B41FA5}">
-                      <a16:colId xmlns:a16="http://schemas.microsoft.com/office/drawing/2014/main" val="3381495929"/>
-                    </a:ext>
-                  </a:extLst>
-                </a:gridCol>
-                <a:gridCol w="1202871">
-                  <a:extLst>
-                    <a:ext uri="{9D8B030D-6E8A-4147-A177-3AD203B41FA5}">
-                      <a16:colId xmlns:a16="http://schemas.microsoft.com/office/drawing/2014/main" val="925207623"/>
-                    </a:ext>
-                  </a:extLst>
-                </a:gridCol>
-                <a:gridCol w="1202871">
-                  <a:extLst>
-                    <a:ext uri="{9D8B030D-6E8A-4147-A177-3AD203B41FA5}">
-                      <a16:colId xmlns:a16="http://schemas.microsoft.com/office/drawing/2014/main" val="2102103113"/>
-                    </a:ext>
-                  </a:extLst>
-                </a:gridCol>
-                <a:gridCol w="1202871">
-                  <a:extLst>
-                    <a:ext uri="{9D8B030D-6E8A-4147-A177-3AD203B41FA5}">
-                      <a16:colId xmlns:a16="http://schemas.microsoft.com/office/drawing/2014/main" val="1950555633"/>
-                    </a:ext>
-                  </a:extLst>
-                </a:gridCol>
-                <a:gridCol w="1202871">
-                  <a:extLst>
-                    <a:ext uri="{9D8B030D-6E8A-4147-A177-3AD203B41FA5}">
-                      <a16:colId xmlns:a16="http://schemas.microsoft.com/office/drawing/2014/main" val="1908453462"/>
-                    </a:ext>
-                  </a:extLst>
-                </a:gridCol>
-                <a:gridCol w="1202871">
-                  <a:extLst>
-                    <a:ext uri="{9D8B030D-6E8A-4147-A177-3AD203B41FA5}">
-                      <a16:colId xmlns:a16="http://schemas.microsoft.com/office/drawing/2014/main" val="2215043702"/>
-                    </a:ext>
-                  </a:extLst>
-                </a:gridCol>
-              </a:tblGrid>
-              <a:tr h="432000">
-                <a:tc>
-                  <a:txBody>
-                    <a:bodyPr/>
-                    <a:lstStyle/>
-                    <a:p>
-                      <a:pPr latinLnBrk="1"/>
-                      <a:endParaRPr lang="ko-KR" altLang="en-US" dirty="0"/>
-                    </a:p>
-                  </a:txBody>
-                  <a:tcPr/>
-                </a:tc>
-                <a:tc>
-                  <a:txBody>
-                    <a:bodyPr/>
-                    <a:lstStyle/>
-                    <a:p>
-                      <a:pPr latinLnBrk="1"/>
-                      <a:endParaRPr lang="ko-KR" altLang="en-US"/>
-                    </a:p>
-                  </a:txBody>
-                  <a:tcPr/>
-                </a:tc>
-                <a:tc>
-                  <a:txBody>
-                    <a:bodyPr/>
-                    <a:lstStyle/>
-                    <a:p>
-                      <a:pPr latinLnBrk="1"/>
-                      <a:endParaRPr lang="ko-KR" altLang="en-US" dirty="0"/>
-                    </a:p>
-                  </a:txBody>
-                  <a:tcPr/>
-                </a:tc>
-                <a:tc>
-                  <a:txBody>
-                    <a:bodyPr/>
-                    <a:lstStyle/>
-                    <a:p>
-                      <a:pPr latinLnBrk="1"/>
-                      <a:endParaRPr lang="ko-KR" altLang="en-US"/>
-                    </a:p>
-                  </a:txBody>
-                  <a:tcPr/>
-                </a:tc>
-                <a:tc>
-                  <a:txBody>
-                    <a:bodyPr/>
-                    <a:lstStyle/>
-                    <a:p>
-                      <a:pPr latinLnBrk="1"/>
-                      <a:endParaRPr lang="ko-KR" altLang="en-US"/>
-                    </a:p>
-                  </a:txBody>
-                  <a:tcPr/>
-                </a:tc>
-                <a:tc>
-                  <a:txBody>
-                    <a:bodyPr/>
-                    <a:lstStyle/>
-                    <a:p>
-                      <a:pPr latinLnBrk="1"/>
-                      <a:endParaRPr lang="ko-KR" altLang="en-US" dirty="0"/>
-                    </a:p>
-                  </a:txBody>
-                  <a:tcPr/>
-                </a:tc>
-                <a:tc>
-                  <a:txBody>
-                    <a:bodyPr/>
-                    <a:lstStyle/>
-                    <a:p>
-                      <a:pPr latinLnBrk="1"/>
-                      <a:endParaRPr lang="ko-KR" altLang="en-US"/>
-                    </a:p>
-                  </a:txBody>
-                  <a:tcPr/>
-                </a:tc>
-                <a:extLst>
-                  <a:ext uri="{0D108BD9-81ED-4DB2-BD59-A6C34878D82A}">
-                    <a16:rowId xmlns:a16="http://schemas.microsoft.com/office/drawing/2014/main" val="3785753134"/>
-                  </a:ext>
-                </a:extLst>
-              </a:tr>
-              <a:tr h="464147">
-                <a:tc>
-                  <a:txBody>
-                    <a:bodyPr/>
-                    <a:lstStyle/>
-                    <a:p>
-                      <a:pPr latinLnBrk="1"/>
-                      <a:endParaRPr lang="ko-KR" altLang="en-US" dirty="0"/>
-                    </a:p>
-                  </a:txBody>
-                  <a:tcPr/>
-                </a:tc>
-                <a:tc>
-                  <a:txBody>
-                    <a:bodyPr/>
-                    <a:lstStyle/>
-                    <a:p>
-                      <a:pPr latinLnBrk="1"/>
-                      <a:endParaRPr lang="ko-KR" altLang="en-US" dirty="0"/>
-                    </a:p>
-                  </a:txBody>
-                  <a:tcPr/>
-                </a:tc>
-                <a:tc>
-                  <a:txBody>
-                    <a:bodyPr/>
-                    <a:lstStyle/>
-                    <a:p>
-                      <a:pPr latinLnBrk="1"/>
-                      <a:endParaRPr lang="ko-KR" altLang="en-US" dirty="0"/>
-                    </a:p>
-                  </a:txBody>
-                  <a:tcPr/>
-                </a:tc>
-                <a:tc>
-                  <a:txBody>
-                    <a:bodyPr/>
-                    <a:lstStyle/>
-                    <a:p>
-                      <a:pPr latinLnBrk="1"/>
-                      <a:endParaRPr lang="ko-KR" altLang="en-US" dirty="0"/>
-                    </a:p>
-                  </a:txBody>
-                  <a:tcPr/>
-                </a:tc>
-                <a:tc>
-                  <a:txBody>
-                    <a:bodyPr/>
-                    <a:lstStyle/>
-                    <a:p>
-                      <a:pPr latinLnBrk="1"/>
-                      <a:endParaRPr lang="ko-KR" altLang="en-US"/>
-                    </a:p>
-                  </a:txBody>
-                  <a:tcPr/>
-                </a:tc>
-                <a:tc>
-                  <a:txBody>
-                    <a:bodyPr/>
-                    <a:lstStyle/>
-                    <a:p>
-                      <a:pPr latinLnBrk="1"/>
-                      <a:endParaRPr lang="ko-KR" altLang="en-US"/>
-                    </a:p>
-                  </a:txBody>
-                  <a:tcPr/>
-                </a:tc>
-                <a:tc>
-                  <a:txBody>
-                    <a:bodyPr/>
-                    <a:lstStyle/>
-                    <a:p>
-                      <a:pPr latinLnBrk="1"/>
-                      <a:endParaRPr lang="ko-KR" altLang="en-US"/>
-                    </a:p>
-                  </a:txBody>
-                  <a:tcPr/>
-                </a:tc>
-                <a:extLst>
-                  <a:ext uri="{0D108BD9-81ED-4DB2-BD59-A6C34878D82A}">
-                    <a16:rowId xmlns:a16="http://schemas.microsoft.com/office/drawing/2014/main" val="317393520"/>
-                  </a:ext>
-                </a:extLst>
-              </a:tr>
-              <a:tr h="0">
-                <a:tc>
-                  <a:txBody>
-                    <a:bodyPr/>
-                    <a:lstStyle/>
-                    <a:p>
-                      <a:pPr latinLnBrk="1"/>
-                      <a:endParaRPr lang="ko-KR" altLang="en-US"/>
-                    </a:p>
-                  </a:txBody>
-                  <a:tcPr/>
-                </a:tc>
-                <a:tc>
-                  <a:txBody>
-                    <a:bodyPr/>
-                    <a:lstStyle/>
-                    <a:p>
-                      <a:pPr latinLnBrk="1"/>
-                      <a:endParaRPr lang="ko-KR" altLang="en-US"/>
-                    </a:p>
-                  </a:txBody>
-                  <a:tcPr/>
-                </a:tc>
-                <a:tc>
-                  <a:txBody>
-                    <a:bodyPr/>
-                    <a:lstStyle/>
-                    <a:p>
-                      <a:pPr latinLnBrk="1"/>
-                      <a:endParaRPr lang="ko-KR" altLang="en-US"/>
-                    </a:p>
-                  </a:txBody>
-                  <a:tcPr/>
-                </a:tc>
-                <a:tc>
-                  <a:txBody>
-                    <a:bodyPr/>
-                    <a:lstStyle/>
-                    <a:p>
-                      <a:pPr latinLnBrk="1"/>
-                      <a:endParaRPr lang="ko-KR" altLang="en-US"/>
-                    </a:p>
-                  </a:txBody>
-                  <a:tcPr/>
-                </a:tc>
-                <a:tc>
-                  <a:txBody>
-                    <a:bodyPr/>
-                    <a:lstStyle/>
-                    <a:p>
-                      <a:pPr latinLnBrk="1"/>
-                      <a:endParaRPr lang="ko-KR" altLang="en-US"/>
-                    </a:p>
-                  </a:txBody>
-                  <a:tcPr/>
-                </a:tc>
-                <a:tc>
-                  <a:txBody>
-                    <a:bodyPr/>
-                    <a:lstStyle/>
-                    <a:p>
-                      <a:pPr latinLnBrk="1"/>
-                      <a:endParaRPr lang="ko-KR" altLang="en-US" dirty="0"/>
-                    </a:p>
-                  </a:txBody>
-                  <a:tcPr/>
-                </a:tc>
-                <a:tc>
-                  <a:txBody>
-                    <a:bodyPr/>
-                    <a:lstStyle/>
-                    <a:p>
-                      <a:pPr latinLnBrk="1"/>
-                      <a:endParaRPr lang="ko-KR" altLang="en-US" dirty="0"/>
-                    </a:p>
-                  </a:txBody>
-                  <a:tcPr/>
-                </a:tc>
-                <a:extLst>
-                  <a:ext uri="{0D108BD9-81ED-4DB2-BD59-A6C34878D82A}">
-                    <a16:rowId xmlns:a16="http://schemas.microsoft.com/office/drawing/2014/main" val="1682180419"/>
-                  </a:ext>
-                </a:extLst>
-              </a:tr>
-            </a:tbl>
-          </a:graphicData>
-        </a:graphic>
-      </p:graphicFrame>
+            <a:endParaRPr kumimoji="1" lang="ko-KR" altLang="en-US"/>
+          </a:p>
+        </p:txBody>
+      </p:sp>
     </p:spTree>
     <p:extLst>
       <p:ext uri="{BB962C8B-B14F-4D97-AF65-F5344CB8AC3E}">
-        <p14:creationId xmlns:p14="http://schemas.microsoft.com/office/powerpoint/2010/main" val="448436325"/>
+        <p14:creationId xmlns:p14="http://schemas.microsoft.com/office/powerpoint/2010/main" val="1778364695"/>
       </p:ext>
     </p:extLst>
   </p:cSld>
@@ -2432,9 +2743,9 @@
 </p:sldLayout>
 </file>
 
-<file path=ppt/slideLayouts/slideLayout3.xml><?xml version="1.0" encoding="utf-8"?>
-<p:sldLayout xmlns:a="http://schemas.openxmlformats.org/drawingml/2006/main" xmlns:r="http://schemas.openxmlformats.org/officeDocument/2006/relationships" xmlns:p="http://schemas.openxmlformats.org/presentationml/2006/main" preserve="1" userDrawn="1">
-  <p:cSld name="chart_slide">
+<file path=ppt/slideLayouts/slideLayout11.xml><?xml version="1.0" encoding="utf-8"?>
+<p:sldLayout xmlns:a="http://schemas.openxmlformats.org/drawingml/2006/main" xmlns:r="http://schemas.openxmlformats.org/officeDocument/2006/relationships" xmlns:p="http://schemas.openxmlformats.org/presentationml/2006/main" type="vertTitleAndTx" preserve="1">
+  <p:cSld name="세로 제목 및 텍스트">
     <p:spTree>
       <p:nvGrpSpPr>
         <p:cNvPr id="1" name=""/>
@@ -2449,44 +2760,90 @@
           <a:chExt cx="0" cy="0"/>
         </a:xfrm>
       </p:grpSpPr>
-      <p:pic>
-        <p:nvPicPr>
-          <p:cNvPr id="8" name="background" descr="Celestia-R1---OverlayContentSD.png"/>
-          <p:cNvPicPr>
-            <a:picLocks noChangeAspect="1"/>
-          </p:cNvPicPr>
-          <p:nvPr/>
-        </p:nvPicPr>
-        <p:blipFill>
-          <a:blip r:embed="rId2">
-            <a:extLst>
-              <a:ext uri="{28A0092B-C50C-407E-A947-70E740481C1C}">
-                <a14:useLocalDpi xmlns:a14="http://schemas.microsoft.com/office/drawing/2010/main" val="0"/>
-              </a:ext>
-            </a:extLst>
-          </a:blip>
-          <a:stretch>
-            <a:fillRect/>
-          </a:stretch>
-        </p:blipFill>
+      <p:sp>
+        <p:nvSpPr>
+          <p:cNvPr id="2" name="세로 제목 1">
+            <a:extLst>
+              <a:ext uri="{FF2B5EF4-FFF2-40B4-BE49-F238E27FC236}">
+                <a16:creationId xmlns:a16="http://schemas.microsoft.com/office/drawing/2014/main" id="{9F9EBB50-C451-C745-B9A5-073BFBC39289}"/>
+              </a:ext>
+            </a:extLst>
+          </p:cNvPr>
+          <p:cNvSpPr>
+            <a:spLocks noGrp="1"/>
+          </p:cNvSpPr>
+          <p:nvPr>
+            <p:ph type="title" orient="vert"/>
+          </p:nvPr>
+        </p:nvSpPr>
         <p:spPr>
           <a:xfrm>
-            <a:off x="0" y="0"/>
-            <a:ext cx="9878483" cy="6858000"/>
+            <a:off x="7089775" y="365125"/>
+            <a:ext cx="2135188" cy="5811838"/>
           </a:xfrm>
-          <a:prstGeom prst="rect">
-            <a:avLst/>
-          </a:prstGeom>
         </p:spPr>
-      </p:pic>
-      <p:sp>
-        <p:nvSpPr>
-          <p:cNvPr id="6" name="page-number"/>
-          <p:cNvSpPr>
-            <a:spLocks noGrp="1"/>
-          </p:cNvSpPr>
-          <p:nvPr>
-            <p:ph type="sldNum" sz="quarter" idx="12"/>
+        <p:txBody>
+          <a:bodyPr vert="eaVert"/>
+          <a:lstStyle/>
+          <a:p>
+            <a:r>
+              <a:rPr kumimoji="1" lang="ko-KR" altLang="en-US"/>
+              <a:t>마스터 제목 스타일 편집</a:t>
+            </a:r>
+          </a:p>
+        </p:txBody>
+      </p:sp>
+      <p:sp>
+        <p:nvSpPr>
+          <p:cNvPr id="3" name="세로 텍스트 개체 틀 2">
+            <a:extLst>
+              <a:ext uri="{FF2B5EF4-FFF2-40B4-BE49-F238E27FC236}">
+                <a16:creationId xmlns:a16="http://schemas.microsoft.com/office/drawing/2014/main" id="{1359C497-8313-FC4E-BB71-27866D7A4CB8}"/>
+              </a:ext>
+            </a:extLst>
+          </p:cNvPr>
+          <p:cNvSpPr>
+            <a:spLocks noGrp="1"/>
+          </p:cNvSpPr>
+          <p:nvPr>
+            <p:ph type="body" orient="vert" idx="1"/>
+          </p:nvPr>
+        </p:nvSpPr>
+        <p:spPr>
+          <a:xfrm>
+            <a:off x="681038" y="365125"/>
+            <a:ext cx="6256337" cy="5811838"/>
+          </a:xfrm>
+        </p:spPr>
+        <p:txBody>
+          <a:bodyPr vert="eaVert"/>
+          <a:lstStyle/>
+          <a:p>
+            <a:r>
+              <a:rPr kumimoji="1" lang="ko-KR" altLang="en-US"/>
+              <a:t>마스터 텍스트 스타일 편집
+둘째 수준
+셋째 수준
+넷째 수준
+다섯째 수준</a:t>
+            </a:r>
+          </a:p>
+        </p:txBody>
+      </p:sp>
+      <p:sp>
+        <p:nvSpPr>
+          <p:cNvPr id="4" name="날짜 개체 틀 3">
+            <a:extLst>
+              <a:ext uri="{FF2B5EF4-FFF2-40B4-BE49-F238E27FC236}">
+                <a16:creationId xmlns:a16="http://schemas.microsoft.com/office/drawing/2014/main" id="{66E136C8-8338-CA48-95C0-07AF7EFC0331}"/>
+              </a:ext>
+            </a:extLst>
+          </p:cNvPr>
+          <p:cNvSpPr>
+            <a:spLocks noGrp="1"/>
+          </p:cNvSpPr>
+          <p:nvPr>
+            <p:ph type="dt" sz="half" idx="10"/>
           </p:nvPr>
         </p:nvSpPr>
         <p:spPr/>
@@ -2494,92 +2851,328 @@
           <a:bodyPr/>
           <a:lstStyle/>
           <a:p>
-            <a:fld id="{D57F1E4F-1CFF-5643-939E-217C01CDF565}" type="slidenum">
-              <a:rPr lang="en-US" smtClean="0"/>
-              <a:pPr/>
+            <a:fld id="{CCF36190-AAB0-734A-9385-5A64374CB79C}" type="datetimeFigureOut">
+              <a:rPr kumimoji="1" lang="ko-KR" altLang="en-US" smtClean="0"/>
+              <a:t>2020. 7. 9.</a:t>
+            </a:fld>
+            <a:endParaRPr kumimoji="1" lang="ko-KR" altLang="en-US"/>
+          </a:p>
+        </p:txBody>
+      </p:sp>
+      <p:sp>
+        <p:nvSpPr>
+          <p:cNvPr id="5" name="바닥글 개체 틀 4">
+            <a:extLst>
+              <a:ext uri="{FF2B5EF4-FFF2-40B4-BE49-F238E27FC236}">
+                <a16:creationId xmlns:a16="http://schemas.microsoft.com/office/drawing/2014/main" id="{5FF9BC15-1E54-F14C-96E5-1A3B7DBEADE2}"/>
+              </a:ext>
+            </a:extLst>
+          </p:cNvPr>
+          <p:cNvSpPr>
+            <a:spLocks noGrp="1"/>
+          </p:cNvSpPr>
+          <p:nvPr>
+            <p:ph type="ftr" sz="quarter" idx="11"/>
+          </p:nvPr>
+        </p:nvSpPr>
+        <p:spPr/>
+        <p:txBody>
+          <a:bodyPr/>
+          <a:lstStyle/>
+          <a:p>
+            <a:endParaRPr kumimoji="1" lang="ko-KR" altLang="en-US"/>
+          </a:p>
+        </p:txBody>
+      </p:sp>
+      <p:sp>
+        <p:nvSpPr>
+          <p:cNvPr id="6" name="슬라이드 번호 개체 틀 5">
+            <a:extLst>
+              <a:ext uri="{FF2B5EF4-FFF2-40B4-BE49-F238E27FC236}">
+                <a16:creationId xmlns:a16="http://schemas.microsoft.com/office/drawing/2014/main" id="{6108624A-6C6F-364B-B736-5A75EF88BA56}"/>
+              </a:ext>
+            </a:extLst>
+          </p:cNvPr>
+          <p:cNvSpPr>
+            <a:spLocks noGrp="1"/>
+          </p:cNvSpPr>
+          <p:nvPr>
+            <p:ph type="sldNum" sz="quarter" idx="12"/>
+          </p:nvPr>
+        </p:nvSpPr>
+        <p:spPr/>
+        <p:txBody>
+          <a:bodyPr/>
+          <a:lstStyle/>
+          <a:p>
+            <a:fld id="{D70BE8CF-5D5D-7E4E-87A2-997A60C5F7DB}" type="slidenum">
+              <a:rPr kumimoji="1" lang="ko-KR" altLang="en-US" smtClean="0"/>
               <a:t>‹#›</a:t>
             </a:fld>
-            <a:endParaRPr lang="en-US" dirty="0"/>
-          </a:p>
-        </p:txBody>
-      </p:sp>
-      <p:sp>
-        <p:nvSpPr>
-          <p:cNvPr id="2" name="title"/>
-          <p:cNvSpPr>
-            <a:spLocks noGrp="1"/>
-          </p:cNvSpPr>
-          <p:nvPr>
-            <p:ph type="title" hasCustomPrompt="1"/>
+            <a:endParaRPr kumimoji="1" lang="ko-KR" altLang="en-US"/>
+          </a:p>
+        </p:txBody>
+      </p:sp>
+    </p:spTree>
+    <p:extLst>
+      <p:ext uri="{BB962C8B-B14F-4D97-AF65-F5344CB8AC3E}">
+        <p14:creationId xmlns:p14="http://schemas.microsoft.com/office/powerpoint/2010/main" val="43474470"/>
+      </p:ext>
+    </p:extLst>
+  </p:cSld>
+  <p:clrMapOvr>
+    <a:masterClrMapping/>
+  </p:clrMapOvr>
+</p:sldLayout>
+</file>
+
+<file path=ppt/slideLayouts/slideLayout2.xml><?xml version="1.0" encoding="utf-8"?>
+<p:sldLayout xmlns:a="http://schemas.openxmlformats.org/drawingml/2006/main" xmlns:r="http://schemas.openxmlformats.org/officeDocument/2006/relationships" xmlns:p="http://schemas.openxmlformats.org/presentationml/2006/main" type="obj" preserve="1">
+  <p:cSld name="제목 및 내용">
+    <p:spTree>
+      <p:nvGrpSpPr>
+        <p:cNvPr id="1" name=""/>
+        <p:cNvGrpSpPr/>
+        <p:nvPr/>
+      </p:nvGrpSpPr>
+      <p:grpSpPr>
+        <a:xfrm>
+          <a:off x="0" y="0"/>
+          <a:ext cx="0" cy="0"/>
+          <a:chOff x="0" y="0"/>
+          <a:chExt cx="0" cy="0"/>
+        </a:xfrm>
+      </p:grpSpPr>
+      <p:sp>
+        <p:nvSpPr>
+          <p:cNvPr id="2" name="제목 1">
+            <a:extLst>
+              <a:ext uri="{FF2B5EF4-FFF2-40B4-BE49-F238E27FC236}">
+                <a16:creationId xmlns:a16="http://schemas.microsoft.com/office/drawing/2014/main" id="{10D01F16-66FB-2943-82ED-184A9B2AD978}"/>
+              </a:ext>
+            </a:extLst>
+          </p:cNvPr>
+          <p:cNvSpPr>
+            <a:spLocks noGrp="1"/>
+          </p:cNvSpPr>
+          <p:nvPr>
+            <p:ph type="title"/>
           </p:nvPr>
         </p:nvSpPr>
         <p:spPr/>
         <p:txBody>
-          <a:bodyPr>
-            <a:normAutofit/>
-          </a:bodyPr>
+          <a:bodyPr/>
+          <a:lstStyle/>
+          <a:p>
+            <a:r>
+              <a:rPr kumimoji="1" lang="ko-KR" altLang="en-US"/>
+              <a:t>마스터 제목 스타일 편집</a:t>
+            </a:r>
+          </a:p>
+        </p:txBody>
+      </p:sp>
+      <p:sp>
+        <p:nvSpPr>
+          <p:cNvPr id="3" name="내용 개체 틀 2">
+            <a:extLst>
+              <a:ext uri="{FF2B5EF4-FFF2-40B4-BE49-F238E27FC236}">
+                <a16:creationId xmlns:a16="http://schemas.microsoft.com/office/drawing/2014/main" id="{EA9A3447-C9BB-BA4F-8645-447212339C59}"/>
+              </a:ext>
+            </a:extLst>
+          </p:cNvPr>
+          <p:cNvSpPr>
+            <a:spLocks noGrp="1"/>
+          </p:cNvSpPr>
+          <p:nvPr>
+            <p:ph idx="1"/>
+          </p:nvPr>
+        </p:nvSpPr>
+        <p:spPr/>
+        <p:txBody>
+          <a:bodyPr/>
+          <a:lstStyle/>
+          <a:p>
+            <a:r>
+              <a:rPr kumimoji="1" lang="ko-KR" altLang="en-US"/>
+              <a:t>마스터 텍스트 스타일 편집
+둘째 수준
+셋째 수준
+넷째 수준
+다섯째 수준</a:t>
+            </a:r>
+          </a:p>
+        </p:txBody>
+      </p:sp>
+      <p:sp>
+        <p:nvSpPr>
+          <p:cNvPr id="4" name="날짜 개체 틀 3">
+            <a:extLst>
+              <a:ext uri="{FF2B5EF4-FFF2-40B4-BE49-F238E27FC236}">
+                <a16:creationId xmlns:a16="http://schemas.microsoft.com/office/drawing/2014/main" id="{C17EA871-CDDA-E14C-8A79-A4D404E17CED}"/>
+              </a:ext>
+            </a:extLst>
+          </p:cNvPr>
+          <p:cNvSpPr>
+            <a:spLocks noGrp="1"/>
+          </p:cNvSpPr>
+          <p:nvPr>
+            <p:ph type="dt" sz="half" idx="10"/>
+          </p:nvPr>
+        </p:nvSpPr>
+        <p:spPr/>
+        <p:txBody>
+          <a:bodyPr/>
+          <a:lstStyle/>
+          <a:p>
+            <a:fld id="{CCF36190-AAB0-734A-9385-5A64374CB79C}" type="datetimeFigureOut">
+              <a:rPr kumimoji="1" lang="ko-KR" altLang="en-US" smtClean="0"/>
+              <a:t>2020. 7. 9.</a:t>
+            </a:fld>
+            <a:endParaRPr kumimoji="1" lang="ko-KR" altLang="en-US"/>
+          </a:p>
+        </p:txBody>
+      </p:sp>
+      <p:sp>
+        <p:nvSpPr>
+          <p:cNvPr id="5" name="바닥글 개체 틀 4">
+            <a:extLst>
+              <a:ext uri="{FF2B5EF4-FFF2-40B4-BE49-F238E27FC236}">
+                <a16:creationId xmlns:a16="http://schemas.microsoft.com/office/drawing/2014/main" id="{7F8F4B0D-F22F-E843-AD6D-73780D289F3E}"/>
+              </a:ext>
+            </a:extLst>
+          </p:cNvPr>
+          <p:cNvSpPr>
+            <a:spLocks noGrp="1"/>
+          </p:cNvSpPr>
+          <p:nvPr>
+            <p:ph type="ftr" sz="quarter" idx="11"/>
+          </p:nvPr>
+        </p:nvSpPr>
+        <p:spPr/>
+        <p:txBody>
+          <a:bodyPr/>
+          <a:lstStyle/>
+          <a:p>
+            <a:endParaRPr kumimoji="1" lang="ko-KR" altLang="en-US"/>
+          </a:p>
+        </p:txBody>
+      </p:sp>
+      <p:sp>
+        <p:nvSpPr>
+          <p:cNvPr id="6" name="슬라이드 번호 개체 틀 5">
+            <a:extLst>
+              <a:ext uri="{FF2B5EF4-FFF2-40B4-BE49-F238E27FC236}">
+                <a16:creationId xmlns:a16="http://schemas.microsoft.com/office/drawing/2014/main" id="{48DD27D1-6CAF-F548-99FE-A8654AE0DD94}"/>
+              </a:ext>
+            </a:extLst>
+          </p:cNvPr>
+          <p:cNvSpPr>
+            <a:spLocks noGrp="1"/>
+          </p:cNvSpPr>
+          <p:nvPr>
+            <p:ph type="sldNum" sz="quarter" idx="12"/>
+          </p:nvPr>
+        </p:nvSpPr>
+        <p:spPr/>
+        <p:txBody>
+          <a:bodyPr/>
+          <a:lstStyle/>
+          <a:p>
+            <a:fld id="{D70BE8CF-5D5D-7E4E-87A2-997A60C5F7DB}" type="slidenum">
+              <a:rPr kumimoji="1" lang="ko-KR" altLang="en-US" smtClean="0"/>
+              <a:t>‹#›</a:t>
+            </a:fld>
+            <a:endParaRPr kumimoji="1" lang="ko-KR" altLang="en-US"/>
+          </a:p>
+        </p:txBody>
+      </p:sp>
+    </p:spTree>
+    <p:extLst>
+      <p:ext uri="{BB962C8B-B14F-4D97-AF65-F5344CB8AC3E}">
+        <p14:creationId xmlns:p14="http://schemas.microsoft.com/office/powerpoint/2010/main" val="2963324953"/>
+      </p:ext>
+    </p:extLst>
+  </p:cSld>
+  <p:clrMapOvr>
+    <a:masterClrMapping/>
+  </p:clrMapOvr>
+</p:sldLayout>
+</file>
+
+<file path=ppt/slideLayouts/slideLayout3.xml><?xml version="1.0" encoding="utf-8"?>
+<p:sldLayout xmlns:a="http://schemas.openxmlformats.org/drawingml/2006/main" xmlns:r="http://schemas.openxmlformats.org/officeDocument/2006/relationships" xmlns:p="http://schemas.openxmlformats.org/presentationml/2006/main" type="secHead" preserve="1">
+  <p:cSld name="구역 머리글">
+    <p:spTree>
+      <p:nvGrpSpPr>
+        <p:cNvPr id="1" name=""/>
+        <p:cNvGrpSpPr/>
+        <p:nvPr/>
+      </p:nvGrpSpPr>
+      <p:grpSpPr>
+        <a:xfrm>
+          <a:off x="0" y="0"/>
+          <a:ext cx="0" cy="0"/>
+          <a:chOff x="0" y="0"/>
+          <a:chExt cx="0" cy="0"/>
+        </a:xfrm>
+      </p:grpSpPr>
+      <p:sp>
+        <p:nvSpPr>
+          <p:cNvPr id="2" name="제목 1">
+            <a:extLst>
+              <a:ext uri="{FF2B5EF4-FFF2-40B4-BE49-F238E27FC236}">
+                <a16:creationId xmlns:a16="http://schemas.microsoft.com/office/drawing/2014/main" id="{CEF59FB3-EE75-BA41-87FE-BF9810C50FF9}"/>
+              </a:ext>
+            </a:extLst>
+          </p:cNvPr>
+          <p:cNvSpPr>
+            <a:spLocks noGrp="1"/>
+          </p:cNvSpPr>
+          <p:nvPr>
+            <p:ph type="title"/>
+          </p:nvPr>
+        </p:nvSpPr>
+        <p:spPr>
+          <a:xfrm>
+            <a:off x="676275" y="1709738"/>
+            <a:ext cx="8543925" cy="2852737"/>
+          </a:xfrm>
+        </p:spPr>
+        <p:txBody>
+          <a:bodyPr anchor="b"/>
           <a:lstStyle>
             <a:lvl1pPr>
-              <a:defRPr sz="2800"/>
+              <a:defRPr sz="6000"/>
             </a:lvl1pPr>
           </a:lstStyle>
           <a:p>
             <a:r>
-              <a:rPr lang="en-US" altLang="ko-KR" dirty="0"/>
-              <a:t>Title	</a:t>
+              <a:rPr kumimoji="1" lang="ko-KR" altLang="en-US"/>
+              <a:t>마스터 제목 스타일 편집</a:t>
             </a:r>
-            <a:endParaRPr lang="en-US" dirty="0"/>
-          </a:p>
-        </p:txBody>
-      </p:sp>
-      <p:graphicFrame>
-        <p:nvGraphicFramePr>
-          <p:cNvPr id="3" name="chart">
-            <a:extLst>
-              <a:ext uri="{FF2B5EF4-FFF2-40B4-BE49-F238E27FC236}">
-                <a16:creationId xmlns:a16="http://schemas.microsoft.com/office/drawing/2014/main" id="{32A7ABCF-CAA0-054E-BCED-43005E7E9984}"/>
-              </a:ext>
-            </a:extLst>
-          </p:cNvPr>
-          <p:cNvGraphicFramePr/>
-          <p:nvPr userDrawn="1">
-            <p:extLst>
-              <p:ext uri="{D42A27DB-BD31-4B8C-83A1-F6EECF244321}">
-                <p14:modId xmlns:p14="http://schemas.microsoft.com/office/powerpoint/2010/main" val="2386593095"/>
-              </p:ext>
-            </p:extLst>
-          </p:nvPr>
-        </p:nvGraphicFramePr>
-        <p:xfrm>
-          <a:off x="495300" y="2306173"/>
-          <a:ext cx="6489504" cy="3430555"/>
-        </p:xfrm>
-        <a:graphic>
-          <a:graphicData uri="http://schemas.openxmlformats.org/drawingml/2006/chart">
-            <c:chart xmlns:c="http://schemas.openxmlformats.org/drawingml/2006/chart" xmlns:r="http://schemas.openxmlformats.org/officeDocument/2006/relationships" r:id="rId3"/>
-          </a:graphicData>
-        </a:graphic>
-      </p:graphicFrame>
-      <p:sp>
-        <p:nvSpPr>
-          <p:cNvPr id="12" name="text">
-            <a:extLst>
-              <a:ext uri="{FF2B5EF4-FFF2-40B4-BE49-F238E27FC236}">
-                <a16:creationId xmlns:a16="http://schemas.microsoft.com/office/drawing/2014/main" id="{67DDBAC4-534E-5843-9C55-27073CE4E92F}"/>
-              </a:ext>
-            </a:extLst>
-          </p:cNvPr>
-          <p:cNvSpPr>
-            <a:spLocks noGrp="1"/>
-          </p:cNvSpPr>
-          <p:nvPr>
-            <p:ph type="body" sz="quarter" idx="14" hasCustomPrompt="1"/>
+          </a:p>
+        </p:txBody>
+      </p:sp>
+      <p:sp>
+        <p:nvSpPr>
+          <p:cNvPr id="3" name="텍스트 개체 틀 2">
+            <a:extLst>
+              <a:ext uri="{FF2B5EF4-FFF2-40B4-BE49-F238E27FC236}">
+                <a16:creationId xmlns:a16="http://schemas.microsoft.com/office/drawing/2014/main" id="{8BB71FC9-4A81-E643-A020-0190C6B23320}"/>
+              </a:ext>
+            </a:extLst>
+          </p:cNvPr>
+          <p:cNvSpPr>
+            <a:spLocks noGrp="1"/>
+          </p:cNvSpPr>
+          <p:nvPr>
+            <p:ph type="body" idx="1"/>
           </p:nvPr>
         </p:nvSpPr>
         <p:spPr>
           <a:xfrm>
-            <a:off x="7067550" y="2199778"/>
-            <a:ext cx="1847850" cy="3536950"/>
+            <a:off x="676275" y="4589463"/>
+            <a:ext cx="8543925" cy="1500187"/>
           </a:xfrm>
         </p:spPr>
         <p:txBody>
@@ -2587,21 +3180,1611 @@
           <a:lstStyle>
             <a:lvl1pPr marL="0" indent="0">
               <a:buNone/>
-              <a:defRPr/>
+              <a:defRPr sz="2400">
+                <a:solidFill>
+                  <a:schemeClr val="tx1">
+                    <a:tint val="75000"/>
+                  </a:schemeClr>
+                </a:solidFill>
+              </a:defRPr>
             </a:lvl1pPr>
+            <a:lvl2pPr marL="457200" indent="0">
+              <a:buNone/>
+              <a:defRPr sz="2000">
+                <a:solidFill>
+                  <a:schemeClr val="tx1">
+                    <a:tint val="75000"/>
+                  </a:schemeClr>
+                </a:solidFill>
+              </a:defRPr>
+            </a:lvl2pPr>
+            <a:lvl3pPr marL="914400" indent="0">
+              <a:buNone/>
+              <a:defRPr sz="1800">
+                <a:solidFill>
+                  <a:schemeClr val="tx1">
+                    <a:tint val="75000"/>
+                  </a:schemeClr>
+                </a:solidFill>
+              </a:defRPr>
+            </a:lvl3pPr>
+            <a:lvl4pPr marL="1371600" indent="0">
+              <a:buNone/>
+              <a:defRPr sz="1600">
+                <a:solidFill>
+                  <a:schemeClr val="tx1">
+                    <a:tint val="75000"/>
+                  </a:schemeClr>
+                </a:solidFill>
+              </a:defRPr>
+            </a:lvl4pPr>
+            <a:lvl5pPr marL="1828800" indent="0">
+              <a:buNone/>
+              <a:defRPr sz="1600">
+                <a:solidFill>
+                  <a:schemeClr val="tx1">
+                    <a:tint val="75000"/>
+                  </a:schemeClr>
+                </a:solidFill>
+              </a:defRPr>
+            </a:lvl5pPr>
+            <a:lvl6pPr marL="2286000" indent="0">
+              <a:buNone/>
+              <a:defRPr sz="1600">
+                <a:solidFill>
+                  <a:schemeClr val="tx1">
+                    <a:tint val="75000"/>
+                  </a:schemeClr>
+                </a:solidFill>
+              </a:defRPr>
+            </a:lvl6pPr>
+            <a:lvl7pPr marL="2743200" indent="0">
+              <a:buNone/>
+              <a:defRPr sz="1600">
+                <a:solidFill>
+                  <a:schemeClr val="tx1">
+                    <a:tint val="75000"/>
+                  </a:schemeClr>
+                </a:solidFill>
+              </a:defRPr>
+            </a:lvl7pPr>
+            <a:lvl8pPr marL="3200400" indent="0">
+              <a:buNone/>
+              <a:defRPr sz="1600">
+                <a:solidFill>
+                  <a:schemeClr val="tx1">
+                    <a:tint val="75000"/>
+                  </a:schemeClr>
+                </a:solidFill>
+              </a:defRPr>
+            </a:lvl8pPr>
+            <a:lvl9pPr marL="3657600" indent="0">
+              <a:buNone/>
+              <a:defRPr sz="1600">
+                <a:solidFill>
+                  <a:schemeClr val="tx1">
+                    <a:tint val="75000"/>
+                  </a:schemeClr>
+                </a:solidFill>
+              </a:defRPr>
+            </a:lvl9pPr>
           </a:lstStyle>
           <a:p>
             <a:r>
-              <a:rPr kumimoji="1" lang="en-US" altLang="ko-KR" dirty="0"/>
-              <a:t>Description text</a:t>
+              <a:rPr kumimoji="1" lang="ko-KR" altLang="en-US"/>
+              <a:t>마스터 텍스트 스타일 편집
+둘째 수준
+셋째 수준
+넷째 수준
+다섯째 수준</a:t>
             </a:r>
+          </a:p>
+        </p:txBody>
+      </p:sp>
+      <p:sp>
+        <p:nvSpPr>
+          <p:cNvPr id="4" name="날짜 개체 틀 3">
+            <a:extLst>
+              <a:ext uri="{FF2B5EF4-FFF2-40B4-BE49-F238E27FC236}">
+                <a16:creationId xmlns:a16="http://schemas.microsoft.com/office/drawing/2014/main" id="{34B6E86C-BD22-5948-BEC4-6CC6BBBF2FD1}"/>
+              </a:ext>
+            </a:extLst>
+          </p:cNvPr>
+          <p:cNvSpPr>
+            <a:spLocks noGrp="1"/>
+          </p:cNvSpPr>
+          <p:nvPr>
+            <p:ph type="dt" sz="half" idx="10"/>
+          </p:nvPr>
+        </p:nvSpPr>
+        <p:spPr/>
+        <p:txBody>
+          <a:bodyPr/>
+          <a:lstStyle/>
+          <a:p>
+            <a:fld id="{CCF36190-AAB0-734A-9385-5A64374CB79C}" type="datetimeFigureOut">
+              <a:rPr kumimoji="1" lang="ko-KR" altLang="en-US" smtClean="0"/>
+              <a:t>2020. 7. 9.</a:t>
+            </a:fld>
+            <a:endParaRPr kumimoji="1" lang="ko-KR" altLang="en-US"/>
+          </a:p>
+        </p:txBody>
+      </p:sp>
+      <p:sp>
+        <p:nvSpPr>
+          <p:cNvPr id="5" name="바닥글 개체 틀 4">
+            <a:extLst>
+              <a:ext uri="{FF2B5EF4-FFF2-40B4-BE49-F238E27FC236}">
+                <a16:creationId xmlns:a16="http://schemas.microsoft.com/office/drawing/2014/main" id="{8C5F5A5A-E6BD-7546-BAA3-0A41BCB089E5}"/>
+              </a:ext>
+            </a:extLst>
+          </p:cNvPr>
+          <p:cNvSpPr>
+            <a:spLocks noGrp="1"/>
+          </p:cNvSpPr>
+          <p:nvPr>
+            <p:ph type="ftr" sz="quarter" idx="11"/>
+          </p:nvPr>
+        </p:nvSpPr>
+        <p:spPr/>
+        <p:txBody>
+          <a:bodyPr/>
+          <a:lstStyle/>
+          <a:p>
+            <a:endParaRPr kumimoji="1" lang="ko-KR" altLang="en-US"/>
+          </a:p>
+        </p:txBody>
+      </p:sp>
+      <p:sp>
+        <p:nvSpPr>
+          <p:cNvPr id="6" name="슬라이드 번호 개체 틀 5">
+            <a:extLst>
+              <a:ext uri="{FF2B5EF4-FFF2-40B4-BE49-F238E27FC236}">
+                <a16:creationId xmlns:a16="http://schemas.microsoft.com/office/drawing/2014/main" id="{828BC1FE-E077-E643-ADBB-8147773B1E84}"/>
+              </a:ext>
+            </a:extLst>
+          </p:cNvPr>
+          <p:cNvSpPr>
+            <a:spLocks noGrp="1"/>
+          </p:cNvSpPr>
+          <p:nvPr>
+            <p:ph type="sldNum" sz="quarter" idx="12"/>
+          </p:nvPr>
+        </p:nvSpPr>
+        <p:spPr/>
+        <p:txBody>
+          <a:bodyPr/>
+          <a:lstStyle/>
+          <a:p>
+            <a:fld id="{D70BE8CF-5D5D-7E4E-87A2-997A60C5F7DB}" type="slidenum">
+              <a:rPr kumimoji="1" lang="ko-KR" altLang="en-US" smtClean="0"/>
+              <a:t>‹#›</a:t>
+            </a:fld>
+            <a:endParaRPr kumimoji="1" lang="ko-KR" altLang="en-US"/>
           </a:p>
         </p:txBody>
       </p:sp>
     </p:spTree>
     <p:extLst>
       <p:ext uri="{BB962C8B-B14F-4D97-AF65-F5344CB8AC3E}">
-        <p14:creationId xmlns:p14="http://schemas.microsoft.com/office/powerpoint/2010/main" val="717387575"/>
+        <p14:creationId xmlns:p14="http://schemas.microsoft.com/office/powerpoint/2010/main" val="242015565"/>
+      </p:ext>
+    </p:extLst>
+  </p:cSld>
+  <p:clrMapOvr>
+    <a:masterClrMapping/>
+  </p:clrMapOvr>
+</p:sldLayout>
+</file>
+
+<file path=ppt/slideLayouts/slideLayout4.xml><?xml version="1.0" encoding="utf-8"?>
+<p:sldLayout xmlns:a="http://schemas.openxmlformats.org/drawingml/2006/main" xmlns:r="http://schemas.openxmlformats.org/officeDocument/2006/relationships" xmlns:p="http://schemas.openxmlformats.org/presentationml/2006/main" type="twoObj" preserve="1">
+  <p:cSld name="콘텐츠 2개">
+    <p:spTree>
+      <p:nvGrpSpPr>
+        <p:cNvPr id="1" name=""/>
+        <p:cNvGrpSpPr/>
+        <p:nvPr/>
+      </p:nvGrpSpPr>
+      <p:grpSpPr>
+        <a:xfrm>
+          <a:off x="0" y="0"/>
+          <a:ext cx="0" cy="0"/>
+          <a:chOff x="0" y="0"/>
+          <a:chExt cx="0" cy="0"/>
+        </a:xfrm>
+      </p:grpSpPr>
+      <p:sp>
+        <p:nvSpPr>
+          <p:cNvPr id="2" name="제목 1">
+            <a:extLst>
+              <a:ext uri="{FF2B5EF4-FFF2-40B4-BE49-F238E27FC236}">
+                <a16:creationId xmlns:a16="http://schemas.microsoft.com/office/drawing/2014/main" id="{3D279727-74BC-494B-918F-7308FADCC02E}"/>
+              </a:ext>
+            </a:extLst>
+          </p:cNvPr>
+          <p:cNvSpPr>
+            <a:spLocks noGrp="1"/>
+          </p:cNvSpPr>
+          <p:nvPr>
+            <p:ph type="title"/>
+          </p:nvPr>
+        </p:nvSpPr>
+        <p:spPr/>
+        <p:txBody>
+          <a:bodyPr/>
+          <a:lstStyle/>
+          <a:p>
+            <a:r>
+              <a:rPr kumimoji="1" lang="ko-KR" altLang="en-US"/>
+              <a:t>마스터 제목 스타일 편집</a:t>
+            </a:r>
+          </a:p>
+        </p:txBody>
+      </p:sp>
+      <p:sp>
+        <p:nvSpPr>
+          <p:cNvPr id="3" name="내용 개체 틀 2">
+            <a:extLst>
+              <a:ext uri="{FF2B5EF4-FFF2-40B4-BE49-F238E27FC236}">
+                <a16:creationId xmlns:a16="http://schemas.microsoft.com/office/drawing/2014/main" id="{4515E443-1C8A-694F-A06D-A2722A872625}"/>
+              </a:ext>
+            </a:extLst>
+          </p:cNvPr>
+          <p:cNvSpPr>
+            <a:spLocks noGrp="1"/>
+          </p:cNvSpPr>
+          <p:nvPr>
+            <p:ph sz="half" idx="1"/>
+          </p:nvPr>
+        </p:nvSpPr>
+        <p:spPr>
+          <a:xfrm>
+            <a:off x="681038" y="1825625"/>
+            <a:ext cx="4195762" cy="4351338"/>
+          </a:xfrm>
+        </p:spPr>
+        <p:txBody>
+          <a:bodyPr/>
+          <a:lstStyle/>
+          <a:p>
+            <a:r>
+              <a:rPr kumimoji="1" lang="ko-KR" altLang="en-US"/>
+              <a:t>마스터 텍스트 스타일 편집
+둘째 수준
+셋째 수준
+넷째 수준
+다섯째 수준</a:t>
+            </a:r>
+          </a:p>
+        </p:txBody>
+      </p:sp>
+      <p:sp>
+        <p:nvSpPr>
+          <p:cNvPr id="4" name="내용 개체 틀 3">
+            <a:extLst>
+              <a:ext uri="{FF2B5EF4-FFF2-40B4-BE49-F238E27FC236}">
+                <a16:creationId xmlns:a16="http://schemas.microsoft.com/office/drawing/2014/main" id="{2A0C0769-9CDF-9945-B077-A87D0C14570F}"/>
+              </a:ext>
+            </a:extLst>
+          </p:cNvPr>
+          <p:cNvSpPr>
+            <a:spLocks noGrp="1"/>
+          </p:cNvSpPr>
+          <p:nvPr>
+            <p:ph sz="half" idx="2"/>
+          </p:nvPr>
+        </p:nvSpPr>
+        <p:spPr>
+          <a:xfrm>
+            <a:off x="5029200" y="1825625"/>
+            <a:ext cx="4195763" cy="4351338"/>
+          </a:xfrm>
+        </p:spPr>
+        <p:txBody>
+          <a:bodyPr/>
+          <a:lstStyle/>
+          <a:p>
+            <a:r>
+              <a:rPr kumimoji="1" lang="ko-KR" altLang="en-US"/>
+              <a:t>마스터 텍스트 스타일 편집
+둘째 수준
+셋째 수준
+넷째 수준
+다섯째 수준</a:t>
+            </a:r>
+          </a:p>
+        </p:txBody>
+      </p:sp>
+      <p:sp>
+        <p:nvSpPr>
+          <p:cNvPr id="5" name="날짜 개체 틀 4">
+            <a:extLst>
+              <a:ext uri="{FF2B5EF4-FFF2-40B4-BE49-F238E27FC236}">
+                <a16:creationId xmlns:a16="http://schemas.microsoft.com/office/drawing/2014/main" id="{6BD9178E-C271-9041-8384-154F764E70BD}"/>
+              </a:ext>
+            </a:extLst>
+          </p:cNvPr>
+          <p:cNvSpPr>
+            <a:spLocks noGrp="1"/>
+          </p:cNvSpPr>
+          <p:nvPr>
+            <p:ph type="dt" sz="half" idx="10"/>
+          </p:nvPr>
+        </p:nvSpPr>
+        <p:spPr/>
+        <p:txBody>
+          <a:bodyPr/>
+          <a:lstStyle/>
+          <a:p>
+            <a:fld id="{CCF36190-AAB0-734A-9385-5A64374CB79C}" type="datetimeFigureOut">
+              <a:rPr kumimoji="1" lang="ko-KR" altLang="en-US" smtClean="0"/>
+              <a:t>2020. 7. 9.</a:t>
+            </a:fld>
+            <a:endParaRPr kumimoji="1" lang="ko-KR" altLang="en-US"/>
+          </a:p>
+        </p:txBody>
+      </p:sp>
+      <p:sp>
+        <p:nvSpPr>
+          <p:cNvPr id="6" name="바닥글 개체 틀 5">
+            <a:extLst>
+              <a:ext uri="{FF2B5EF4-FFF2-40B4-BE49-F238E27FC236}">
+                <a16:creationId xmlns:a16="http://schemas.microsoft.com/office/drawing/2014/main" id="{E1F2E6E8-5F17-A745-A8DE-F9B93A8ACD51}"/>
+              </a:ext>
+            </a:extLst>
+          </p:cNvPr>
+          <p:cNvSpPr>
+            <a:spLocks noGrp="1"/>
+          </p:cNvSpPr>
+          <p:nvPr>
+            <p:ph type="ftr" sz="quarter" idx="11"/>
+          </p:nvPr>
+        </p:nvSpPr>
+        <p:spPr/>
+        <p:txBody>
+          <a:bodyPr/>
+          <a:lstStyle/>
+          <a:p>
+            <a:endParaRPr kumimoji="1" lang="ko-KR" altLang="en-US"/>
+          </a:p>
+        </p:txBody>
+      </p:sp>
+      <p:sp>
+        <p:nvSpPr>
+          <p:cNvPr id="7" name="슬라이드 번호 개체 틀 6">
+            <a:extLst>
+              <a:ext uri="{FF2B5EF4-FFF2-40B4-BE49-F238E27FC236}">
+                <a16:creationId xmlns:a16="http://schemas.microsoft.com/office/drawing/2014/main" id="{0E9DD44B-91F9-744A-A14F-64519651E39A}"/>
+              </a:ext>
+            </a:extLst>
+          </p:cNvPr>
+          <p:cNvSpPr>
+            <a:spLocks noGrp="1"/>
+          </p:cNvSpPr>
+          <p:nvPr>
+            <p:ph type="sldNum" sz="quarter" idx="12"/>
+          </p:nvPr>
+        </p:nvSpPr>
+        <p:spPr/>
+        <p:txBody>
+          <a:bodyPr/>
+          <a:lstStyle/>
+          <a:p>
+            <a:fld id="{D70BE8CF-5D5D-7E4E-87A2-997A60C5F7DB}" type="slidenum">
+              <a:rPr kumimoji="1" lang="ko-KR" altLang="en-US" smtClean="0"/>
+              <a:t>‹#›</a:t>
+            </a:fld>
+            <a:endParaRPr kumimoji="1" lang="ko-KR" altLang="en-US"/>
+          </a:p>
+        </p:txBody>
+      </p:sp>
+    </p:spTree>
+    <p:extLst>
+      <p:ext uri="{BB962C8B-B14F-4D97-AF65-F5344CB8AC3E}">
+        <p14:creationId xmlns:p14="http://schemas.microsoft.com/office/powerpoint/2010/main" val="1501205228"/>
+      </p:ext>
+    </p:extLst>
+  </p:cSld>
+  <p:clrMapOvr>
+    <a:masterClrMapping/>
+  </p:clrMapOvr>
+</p:sldLayout>
+</file>
+
+<file path=ppt/slideLayouts/slideLayout5.xml><?xml version="1.0" encoding="utf-8"?>
+<p:sldLayout xmlns:a="http://schemas.openxmlformats.org/drawingml/2006/main" xmlns:r="http://schemas.openxmlformats.org/officeDocument/2006/relationships" xmlns:p="http://schemas.openxmlformats.org/presentationml/2006/main" type="twoTxTwoObj" preserve="1">
+  <p:cSld name="비교">
+    <p:spTree>
+      <p:nvGrpSpPr>
+        <p:cNvPr id="1" name=""/>
+        <p:cNvGrpSpPr/>
+        <p:nvPr/>
+      </p:nvGrpSpPr>
+      <p:grpSpPr>
+        <a:xfrm>
+          <a:off x="0" y="0"/>
+          <a:ext cx="0" cy="0"/>
+          <a:chOff x="0" y="0"/>
+          <a:chExt cx="0" cy="0"/>
+        </a:xfrm>
+      </p:grpSpPr>
+      <p:sp>
+        <p:nvSpPr>
+          <p:cNvPr id="2" name="제목 1">
+            <a:extLst>
+              <a:ext uri="{FF2B5EF4-FFF2-40B4-BE49-F238E27FC236}">
+                <a16:creationId xmlns:a16="http://schemas.microsoft.com/office/drawing/2014/main" id="{2650CBDA-73C1-414B-8227-A863C15E1CE0}"/>
+              </a:ext>
+            </a:extLst>
+          </p:cNvPr>
+          <p:cNvSpPr>
+            <a:spLocks noGrp="1"/>
+          </p:cNvSpPr>
+          <p:nvPr>
+            <p:ph type="title"/>
+          </p:nvPr>
+        </p:nvSpPr>
+        <p:spPr>
+          <a:xfrm>
+            <a:off x="682625" y="365125"/>
+            <a:ext cx="8543925" cy="1325563"/>
+          </a:xfrm>
+        </p:spPr>
+        <p:txBody>
+          <a:bodyPr/>
+          <a:lstStyle/>
+          <a:p>
+            <a:r>
+              <a:rPr kumimoji="1" lang="ko-KR" altLang="en-US"/>
+              <a:t>마스터 제목 스타일 편집</a:t>
+            </a:r>
+          </a:p>
+        </p:txBody>
+      </p:sp>
+      <p:sp>
+        <p:nvSpPr>
+          <p:cNvPr id="3" name="텍스트 개체 틀 2">
+            <a:extLst>
+              <a:ext uri="{FF2B5EF4-FFF2-40B4-BE49-F238E27FC236}">
+                <a16:creationId xmlns:a16="http://schemas.microsoft.com/office/drawing/2014/main" id="{7143F7DD-6407-9547-855F-B50448BFD436}"/>
+              </a:ext>
+            </a:extLst>
+          </p:cNvPr>
+          <p:cNvSpPr>
+            <a:spLocks noGrp="1"/>
+          </p:cNvSpPr>
+          <p:nvPr>
+            <p:ph type="body" idx="1"/>
+          </p:nvPr>
+        </p:nvSpPr>
+        <p:spPr>
+          <a:xfrm>
+            <a:off x="682625" y="1681163"/>
+            <a:ext cx="4191000" cy="823912"/>
+          </a:xfrm>
+        </p:spPr>
+        <p:txBody>
+          <a:bodyPr anchor="b"/>
+          <a:lstStyle>
+            <a:lvl1pPr marL="0" indent="0">
+              <a:buNone/>
+              <a:defRPr sz="2400" b="1"/>
+            </a:lvl1pPr>
+            <a:lvl2pPr marL="457200" indent="0">
+              <a:buNone/>
+              <a:defRPr sz="2000" b="1"/>
+            </a:lvl2pPr>
+            <a:lvl3pPr marL="914400" indent="0">
+              <a:buNone/>
+              <a:defRPr sz="1800" b="1"/>
+            </a:lvl3pPr>
+            <a:lvl4pPr marL="1371600" indent="0">
+              <a:buNone/>
+              <a:defRPr sz="1600" b="1"/>
+            </a:lvl4pPr>
+            <a:lvl5pPr marL="1828800" indent="0">
+              <a:buNone/>
+              <a:defRPr sz="1600" b="1"/>
+            </a:lvl5pPr>
+            <a:lvl6pPr marL="2286000" indent="0">
+              <a:buNone/>
+              <a:defRPr sz="1600" b="1"/>
+            </a:lvl6pPr>
+            <a:lvl7pPr marL="2743200" indent="0">
+              <a:buNone/>
+              <a:defRPr sz="1600" b="1"/>
+            </a:lvl7pPr>
+            <a:lvl8pPr marL="3200400" indent="0">
+              <a:buNone/>
+              <a:defRPr sz="1600" b="1"/>
+            </a:lvl8pPr>
+            <a:lvl9pPr marL="3657600" indent="0">
+              <a:buNone/>
+              <a:defRPr sz="1600" b="1"/>
+            </a:lvl9pPr>
+          </a:lstStyle>
+          <a:p>
+            <a:r>
+              <a:rPr kumimoji="1" lang="ko-KR" altLang="en-US"/>
+              <a:t>마스터 텍스트 스타일 편집
+둘째 수준
+셋째 수준
+넷째 수준
+다섯째 수준</a:t>
+            </a:r>
+          </a:p>
+        </p:txBody>
+      </p:sp>
+      <p:sp>
+        <p:nvSpPr>
+          <p:cNvPr id="4" name="내용 개체 틀 3">
+            <a:extLst>
+              <a:ext uri="{FF2B5EF4-FFF2-40B4-BE49-F238E27FC236}">
+                <a16:creationId xmlns:a16="http://schemas.microsoft.com/office/drawing/2014/main" id="{61195DB3-F2B3-4142-883D-80F64C2DA5AF}"/>
+              </a:ext>
+            </a:extLst>
+          </p:cNvPr>
+          <p:cNvSpPr>
+            <a:spLocks noGrp="1"/>
+          </p:cNvSpPr>
+          <p:nvPr>
+            <p:ph sz="half" idx="2"/>
+          </p:nvPr>
+        </p:nvSpPr>
+        <p:spPr>
+          <a:xfrm>
+            <a:off x="682625" y="2505075"/>
+            <a:ext cx="4191000" cy="3684588"/>
+          </a:xfrm>
+        </p:spPr>
+        <p:txBody>
+          <a:bodyPr/>
+          <a:lstStyle/>
+          <a:p>
+            <a:r>
+              <a:rPr kumimoji="1" lang="ko-KR" altLang="en-US"/>
+              <a:t>마스터 텍스트 스타일 편집
+둘째 수준
+셋째 수준
+넷째 수준
+다섯째 수준</a:t>
+            </a:r>
+          </a:p>
+        </p:txBody>
+      </p:sp>
+      <p:sp>
+        <p:nvSpPr>
+          <p:cNvPr id="5" name="텍스트 개체 틀 4">
+            <a:extLst>
+              <a:ext uri="{FF2B5EF4-FFF2-40B4-BE49-F238E27FC236}">
+                <a16:creationId xmlns:a16="http://schemas.microsoft.com/office/drawing/2014/main" id="{920CCC0B-918D-CB45-B772-E18F14D9E9E7}"/>
+              </a:ext>
+            </a:extLst>
+          </p:cNvPr>
+          <p:cNvSpPr>
+            <a:spLocks noGrp="1"/>
+          </p:cNvSpPr>
+          <p:nvPr>
+            <p:ph type="body" sz="quarter" idx="3"/>
+          </p:nvPr>
+        </p:nvSpPr>
+        <p:spPr>
+          <a:xfrm>
+            <a:off x="5014913" y="1681163"/>
+            <a:ext cx="4211637" cy="823912"/>
+          </a:xfrm>
+        </p:spPr>
+        <p:txBody>
+          <a:bodyPr anchor="b"/>
+          <a:lstStyle>
+            <a:lvl1pPr marL="0" indent="0">
+              <a:buNone/>
+              <a:defRPr sz="2400" b="1"/>
+            </a:lvl1pPr>
+            <a:lvl2pPr marL="457200" indent="0">
+              <a:buNone/>
+              <a:defRPr sz="2000" b="1"/>
+            </a:lvl2pPr>
+            <a:lvl3pPr marL="914400" indent="0">
+              <a:buNone/>
+              <a:defRPr sz="1800" b="1"/>
+            </a:lvl3pPr>
+            <a:lvl4pPr marL="1371600" indent="0">
+              <a:buNone/>
+              <a:defRPr sz="1600" b="1"/>
+            </a:lvl4pPr>
+            <a:lvl5pPr marL="1828800" indent="0">
+              <a:buNone/>
+              <a:defRPr sz="1600" b="1"/>
+            </a:lvl5pPr>
+            <a:lvl6pPr marL="2286000" indent="0">
+              <a:buNone/>
+              <a:defRPr sz="1600" b="1"/>
+            </a:lvl6pPr>
+            <a:lvl7pPr marL="2743200" indent="0">
+              <a:buNone/>
+              <a:defRPr sz="1600" b="1"/>
+            </a:lvl7pPr>
+            <a:lvl8pPr marL="3200400" indent="0">
+              <a:buNone/>
+              <a:defRPr sz="1600" b="1"/>
+            </a:lvl8pPr>
+            <a:lvl9pPr marL="3657600" indent="0">
+              <a:buNone/>
+              <a:defRPr sz="1600" b="1"/>
+            </a:lvl9pPr>
+          </a:lstStyle>
+          <a:p>
+            <a:r>
+              <a:rPr kumimoji="1" lang="ko-KR" altLang="en-US"/>
+              <a:t>마스터 텍스트 스타일 편집
+둘째 수준
+셋째 수준
+넷째 수준
+다섯째 수준</a:t>
+            </a:r>
+          </a:p>
+        </p:txBody>
+      </p:sp>
+      <p:sp>
+        <p:nvSpPr>
+          <p:cNvPr id="6" name="내용 개체 틀 5">
+            <a:extLst>
+              <a:ext uri="{FF2B5EF4-FFF2-40B4-BE49-F238E27FC236}">
+                <a16:creationId xmlns:a16="http://schemas.microsoft.com/office/drawing/2014/main" id="{10957EB5-1A9C-404E-8FB4-25F383850A9B}"/>
+              </a:ext>
+            </a:extLst>
+          </p:cNvPr>
+          <p:cNvSpPr>
+            <a:spLocks noGrp="1"/>
+          </p:cNvSpPr>
+          <p:nvPr>
+            <p:ph sz="quarter" idx="4"/>
+          </p:nvPr>
+        </p:nvSpPr>
+        <p:spPr>
+          <a:xfrm>
+            <a:off x="5014913" y="2505075"/>
+            <a:ext cx="4211637" cy="3684588"/>
+          </a:xfrm>
+        </p:spPr>
+        <p:txBody>
+          <a:bodyPr/>
+          <a:lstStyle/>
+          <a:p>
+            <a:r>
+              <a:rPr kumimoji="1" lang="ko-KR" altLang="en-US"/>
+              <a:t>마스터 텍스트 스타일 편집
+둘째 수준
+셋째 수준
+넷째 수준
+다섯째 수준</a:t>
+            </a:r>
+          </a:p>
+        </p:txBody>
+      </p:sp>
+      <p:sp>
+        <p:nvSpPr>
+          <p:cNvPr id="7" name="날짜 개체 틀 6">
+            <a:extLst>
+              <a:ext uri="{FF2B5EF4-FFF2-40B4-BE49-F238E27FC236}">
+                <a16:creationId xmlns:a16="http://schemas.microsoft.com/office/drawing/2014/main" id="{8C972F74-4970-9D46-95F4-0FAF58AD6505}"/>
+              </a:ext>
+            </a:extLst>
+          </p:cNvPr>
+          <p:cNvSpPr>
+            <a:spLocks noGrp="1"/>
+          </p:cNvSpPr>
+          <p:nvPr>
+            <p:ph type="dt" sz="half" idx="10"/>
+          </p:nvPr>
+        </p:nvSpPr>
+        <p:spPr/>
+        <p:txBody>
+          <a:bodyPr/>
+          <a:lstStyle/>
+          <a:p>
+            <a:fld id="{CCF36190-AAB0-734A-9385-5A64374CB79C}" type="datetimeFigureOut">
+              <a:rPr kumimoji="1" lang="ko-KR" altLang="en-US" smtClean="0"/>
+              <a:t>2020. 7. 9.</a:t>
+            </a:fld>
+            <a:endParaRPr kumimoji="1" lang="ko-KR" altLang="en-US"/>
+          </a:p>
+        </p:txBody>
+      </p:sp>
+      <p:sp>
+        <p:nvSpPr>
+          <p:cNvPr id="8" name="바닥글 개체 틀 7">
+            <a:extLst>
+              <a:ext uri="{FF2B5EF4-FFF2-40B4-BE49-F238E27FC236}">
+                <a16:creationId xmlns:a16="http://schemas.microsoft.com/office/drawing/2014/main" id="{D20FE81B-18E3-324E-9EA0-BF607096DBE0}"/>
+              </a:ext>
+            </a:extLst>
+          </p:cNvPr>
+          <p:cNvSpPr>
+            <a:spLocks noGrp="1"/>
+          </p:cNvSpPr>
+          <p:nvPr>
+            <p:ph type="ftr" sz="quarter" idx="11"/>
+          </p:nvPr>
+        </p:nvSpPr>
+        <p:spPr/>
+        <p:txBody>
+          <a:bodyPr/>
+          <a:lstStyle/>
+          <a:p>
+            <a:endParaRPr kumimoji="1" lang="ko-KR" altLang="en-US"/>
+          </a:p>
+        </p:txBody>
+      </p:sp>
+      <p:sp>
+        <p:nvSpPr>
+          <p:cNvPr id="9" name="슬라이드 번호 개체 틀 8">
+            <a:extLst>
+              <a:ext uri="{FF2B5EF4-FFF2-40B4-BE49-F238E27FC236}">
+                <a16:creationId xmlns:a16="http://schemas.microsoft.com/office/drawing/2014/main" id="{593BC8FD-99BD-DE49-B417-ACF0561FE56C}"/>
+              </a:ext>
+            </a:extLst>
+          </p:cNvPr>
+          <p:cNvSpPr>
+            <a:spLocks noGrp="1"/>
+          </p:cNvSpPr>
+          <p:nvPr>
+            <p:ph type="sldNum" sz="quarter" idx="12"/>
+          </p:nvPr>
+        </p:nvSpPr>
+        <p:spPr/>
+        <p:txBody>
+          <a:bodyPr/>
+          <a:lstStyle/>
+          <a:p>
+            <a:fld id="{D70BE8CF-5D5D-7E4E-87A2-997A60C5F7DB}" type="slidenum">
+              <a:rPr kumimoji="1" lang="ko-KR" altLang="en-US" smtClean="0"/>
+              <a:t>‹#›</a:t>
+            </a:fld>
+            <a:endParaRPr kumimoji="1" lang="ko-KR" altLang="en-US"/>
+          </a:p>
+        </p:txBody>
+      </p:sp>
+    </p:spTree>
+    <p:extLst>
+      <p:ext uri="{BB962C8B-B14F-4D97-AF65-F5344CB8AC3E}">
+        <p14:creationId xmlns:p14="http://schemas.microsoft.com/office/powerpoint/2010/main" val="2179689991"/>
+      </p:ext>
+    </p:extLst>
+  </p:cSld>
+  <p:clrMapOvr>
+    <a:masterClrMapping/>
+  </p:clrMapOvr>
+</p:sldLayout>
+</file>
+
+<file path=ppt/slideLayouts/slideLayout6.xml><?xml version="1.0" encoding="utf-8"?>
+<p:sldLayout xmlns:a="http://schemas.openxmlformats.org/drawingml/2006/main" xmlns:r="http://schemas.openxmlformats.org/officeDocument/2006/relationships" xmlns:p="http://schemas.openxmlformats.org/presentationml/2006/main" type="titleOnly" preserve="1">
+  <p:cSld name="제목만">
+    <p:spTree>
+      <p:nvGrpSpPr>
+        <p:cNvPr id="1" name=""/>
+        <p:cNvGrpSpPr/>
+        <p:nvPr/>
+      </p:nvGrpSpPr>
+      <p:grpSpPr>
+        <a:xfrm>
+          <a:off x="0" y="0"/>
+          <a:ext cx="0" cy="0"/>
+          <a:chOff x="0" y="0"/>
+          <a:chExt cx="0" cy="0"/>
+        </a:xfrm>
+      </p:grpSpPr>
+      <p:sp>
+        <p:nvSpPr>
+          <p:cNvPr id="2" name="제목 1">
+            <a:extLst>
+              <a:ext uri="{FF2B5EF4-FFF2-40B4-BE49-F238E27FC236}">
+                <a16:creationId xmlns:a16="http://schemas.microsoft.com/office/drawing/2014/main" id="{99D59EE4-0219-B54F-B677-6B7EECE47D6C}"/>
+              </a:ext>
+            </a:extLst>
+          </p:cNvPr>
+          <p:cNvSpPr>
+            <a:spLocks noGrp="1"/>
+          </p:cNvSpPr>
+          <p:nvPr>
+            <p:ph type="title"/>
+          </p:nvPr>
+        </p:nvSpPr>
+        <p:spPr/>
+        <p:txBody>
+          <a:bodyPr/>
+          <a:lstStyle/>
+          <a:p>
+            <a:r>
+              <a:rPr kumimoji="1" lang="ko-KR" altLang="en-US"/>
+              <a:t>마스터 제목 스타일 편집</a:t>
+            </a:r>
+          </a:p>
+        </p:txBody>
+      </p:sp>
+      <p:sp>
+        <p:nvSpPr>
+          <p:cNvPr id="3" name="날짜 개체 틀 2">
+            <a:extLst>
+              <a:ext uri="{FF2B5EF4-FFF2-40B4-BE49-F238E27FC236}">
+                <a16:creationId xmlns:a16="http://schemas.microsoft.com/office/drawing/2014/main" id="{702A929D-F718-8745-9CFE-7E04735BD4D4}"/>
+              </a:ext>
+            </a:extLst>
+          </p:cNvPr>
+          <p:cNvSpPr>
+            <a:spLocks noGrp="1"/>
+          </p:cNvSpPr>
+          <p:nvPr>
+            <p:ph type="dt" sz="half" idx="10"/>
+          </p:nvPr>
+        </p:nvSpPr>
+        <p:spPr/>
+        <p:txBody>
+          <a:bodyPr/>
+          <a:lstStyle/>
+          <a:p>
+            <a:fld id="{CCF36190-AAB0-734A-9385-5A64374CB79C}" type="datetimeFigureOut">
+              <a:rPr kumimoji="1" lang="ko-KR" altLang="en-US" smtClean="0"/>
+              <a:t>2020. 7. 9.</a:t>
+            </a:fld>
+            <a:endParaRPr kumimoji="1" lang="ko-KR" altLang="en-US"/>
+          </a:p>
+        </p:txBody>
+      </p:sp>
+      <p:sp>
+        <p:nvSpPr>
+          <p:cNvPr id="4" name="바닥글 개체 틀 3">
+            <a:extLst>
+              <a:ext uri="{FF2B5EF4-FFF2-40B4-BE49-F238E27FC236}">
+                <a16:creationId xmlns:a16="http://schemas.microsoft.com/office/drawing/2014/main" id="{0C962706-50A4-BE48-909C-99A0B2F447DD}"/>
+              </a:ext>
+            </a:extLst>
+          </p:cNvPr>
+          <p:cNvSpPr>
+            <a:spLocks noGrp="1"/>
+          </p:cNvSpPr>
+          <p:nvPr>
+            <p:ph type="ftr" sz="quarter" idx="11"/>
+          </p:nvPr>
+        </p:nvSpPr>
+        <p:spPr/>
+        <p:txBody>
+          <a:bodyPr/>
+          <a:lstStyle/>
+          <a:p>
+            <a:endParaRPr kumimoji="1" lang="ko-KR" altLang="en-US"/>
+          </a:p>
+        </p:txBody>
+      </p:sp>
+      <p:sp>
+        <p:nvSpPr>
+          <p:cNvPr id="5" name="슬라이드 번호 개체 틀 4">
+            <a:extLst>
+              <a:ext uri="{FF2B5EF4-FFF2-40B4-BE49-F238E27FC236}">
+                <a16:creationId xmlns:a16="http://schemas.microsoft.com/office/drawing/2014/main" id="{053E4B64-F5DA-EA4C-9AC7-169BBD437C2E}"/>
+              </a:ext>
+            </a:extLst>
+          </p:cNvPr>
+          <p:cNvSpPr>
+            <a:spLocks noGrp="1"/>
+          </p:cNvSpPr>
+          <p:nvPr>
+            <p:ph type="sldNum" sz="quarter" idx="12"/>
+          </p:nvPr>
+        </p:nvSpPr>
+        <p:spPr/>
+        <p:txBody>
+          <a:bodyPr/>
+          <a:lstStyle/>
+          <a:p>
+            <a:fld id="{D70BE8CF-5D5D-7E4E-87A2-997A60C5F7DB}" type="slidenum">
+              <a:rPr kumimoji="1" lang="ko-KR" altLang="en-US" smtClean="0"/>
+              <a:t>‹#›</a:t>
+            </a:fld>
+            <a:endParaRPr kumimoji="1" lang="ko-KR" altLang="en-US"/>
+          </a:p>
+        </p:txBody>
+      </p:sp>
+    </p:spTree>
+    <p:extLst>
+      <p:ext uri="{BB962C8B-B14F-4D97-AF65-F5344CB8AC3E}">
+        <p14:creationId xmlns:p14="http://schemas.microsoft.com/office/powerpoint/2010/main" val="3842961577"/>
+      </p:ext>
+    </p:extLst>
+  </p:cSld>
+  <p:clrMapOvr>
+    <a:masterClrMapping/>
+  </p:clrMapOvr>
+</p:sldLayout>
+</file>
+
+<file path=ppt/slideLayouts/slideLayout7.xml><?xml version="1.0" encoding="utf-8"?>
+<p:sldLayout xmlns:a="http://schemas.openxmlformats.org/drawingml/2006/main" xmlns:r="http://schemas.openxmlformats.org/officeDocument/2006/relationships" xmlns:p="http://schemas.openxmlformats.org/presentationml/2006/main" type="blank" preserve="1">
+  <p:cSld name="빈 화면">
+    <p:spTree>
+      <p:nvGrpSpPr>
+        <p:cNvPr id="1" name=""/>
+        <p:cNvGrpSpPr/>
+        <p:nvPr/>
+      </p:nvGrpSpPr>
+      <p:grpSpPr>
+        <a:xfrm>
+          <a:off x="0" y="0"/>
+          <a:ext cx="0" cy="0"/>
+          <a:chOff x="0" y="0"/>
+          <a:chExt cx="0" cy="0"/>
+        </a:xfrm>
+      </p:grpSpPr>
+      <p:sp>
+        <p:nvSpPr>
+          <p:cNvPr id="2" name="날짜 개체 틀 1">
+            <a:extLst>
+              <a:ext uri="{FF2B5EF4-FFF2-40B4-BE49-F238E27FC236}">
+                <a16:creationId xmlns:a16="http://schemas.microsoft.com/office/drawing/2014/main" id="{BC8E48BF-4ACA-DA43-AAFF-D273076795CA}"/>
+              </a:ext>
+            </a:extLst>
+          </p:cNvPr>
+          <p:cNvSpPr>
+            <a:spLocks noGrp="1"/>
+          </p:cNvSpPr>
+          <p:nvPr>
+            <p:ph type="dt" sz="half" idx="10"/>
+          </p:nvPr>
+        </p:nvSpPr>
+        <p:spPr/>
+        <p:txBody>
+          <a:bodyPr/>
+          <a:lstStyle/>
+          <a:p>
+            <a:fld id="{CCF36190-AAB0-734A-9385-5A64374CB79C}" type="datetimeFigureOut">
+              <a:rPr kumimoji="1" lang="ko-KR" altLang="en-US" smtClean="0"/>
+              <a:t>2020. 7. 9.</a:t>
+            </a:fld>
+            <a:endParaRPr kumimoji="1" lang="ko-KR" altLang="en-US"/>
+          </a:p>
+        </p:txBody>
+      </p:sp>
+      <p:sp>
+        <p:nvSpPr>
+          <p:cNvPr id="3" name="바닥글 개체 틀 2">
+            <a:extLst>
+              <a:ext uri="{FF2B5EF4-FFF2-40B4-BE49-F238E27FC236}">
+                <a16:creationId xmlns:a16="http://schemas.microsoft.com/office/drawing/2014/main" id="{6E6BB339-76E7-2F41-BD8C-D8CE0096CA16}"/>
+              </a:ext>
+            </a:extLst>
+          </p:cNvPr>
+          <p:cNvSpPr>
+            <a:spLocks noGrp="1"/>
+          </p:cNvSpPr>
+          <p:nvPr>
+            <p:ph type="ftr" sz="quarter" idx="11"/>
+          </p:nvPr>
+        </p:nvSpPr>
+        <p:spPr/>
+        <p:txBody>
+          <a:bodyPr/>
+          <a:lstStyle/>
+          <a:p>
+            <a:endParaRPr kumimoji="1" lang="ko-KR" altLang="en-US"/>
+          </a:p>
+        </p:txBody>
+      </p:sp>
+      <p:sp>
+        <p:nvSpPr>
+          <p:cNvPr id="4" name="슬라이드 번호 개체 틀 3">
+            <a:extLst>
+              <a:ext uri="{FF2B5EF4-FFF2-40B4-BE49-F238E27FC236}">
+                <a16:creationId xmlns:a16="http://schemas.microsoft.com/office/drawing/2014/main" id="{8C511DFB-6879-6D46-88D1-905A6777F92C}"/>
+              </a:ext>
+            </a:extLst>
+          </p:cNvPr>
+          <p:cNvSpPr>
+            <a:spLocks noGrp="1"/>
+          </p:cNvSpPr>
+          <p:nvPr>
+            <p:ph type="sldNum" sz="quarter" idx="12"/>
+          </p:nvPr>
+        </p:nvSpPr>
+        <p:spPr/>
+        <p:txBody>
+          <a:bodyPr/>
+          <a:lstStyle/>
+          <a:p>
+            <a:fld id="{D70BE8CF-5D5D-7E4E-87A2-997A60C5F7DB}" type="slidenum">
+              <a:rPr kumimoji="1" lang="ko-KR" altLang="en-US" smtClean="0"/>
+              <a:t>‹#›</a:t>
+            </a:fld>
+            <a:endParaRPr kumimoji="1" lang="ko-KR" altLang="en-US"/>
+          </a:p>
+        </p:txBody>
+      </p:sp>
+    </p:spTree>
+    <p:extLst>
+      <p:ext uri="{BB962C8B-B14F-4D97-AF65-F5344CB8AC3E}">
+        <p14:creationId xmlns:p14="http://schemas.microsoft.com/office/powerpoint/2010/main" val="3175461201"/>
+      </p:ext>
+    </p:extLst>
+  </p:cSld>
+  <p:clrMapOvr>
+    <a:masterClrMapping/>
+  </p:clrMapOvr>
+</p:sldLayout>
+</file>
+
+<file path=ppt/slideLayouts/slideLayout8.xml><?xml version="1.0" encoding="utf-8"?>
+<p:sldLayout xmlns:a="http://schemas.openxmlformats.org/drawingml/2006/main" xmlns:r="http://schemas.openxmlformats.org/officeDocument/2006/relationships" xmlns:p="http://schemas.openxmlformats.org/presentationml/2006/main" type="objTx" preserve="1">
+  <p:cSld name="캡션 있는 콘텐츠">
+    <p:spTree>
+      <p:nvGrpSpPr>
+        <p:cNvPr id="1" name=""/>
+        <p:cNvGrpSpPr/>
+        <p:nvPr/>
+      </p:nvGrpSpPr>
+      <p:grpSpPr>
+        <a:xfrm>
+          <a:off x="0" y="0"/>
+          <a:ext cx="0" cy="0"/>
+          <a:chOff x="0" y="0"/>
+          <a:chExt cx="0" cy="0"/>
+        </a:xfrm>
+      </p:grpSpPr>
+      <p:sp>
+        <p:nvSpPr>
+          <p:cNvPr id="2" name="제목 1">
+            <a:extLst>
+              <a:ext uri="{FF2B5EF4-FFF2-40B4-BE49-F238E27FC236}">
+                <a16:creationId xmlns:a16="http://schemas.microsoft.com/office/drawing/2014/main" id="{F1B7A2D4-B322-8747-B836-551AE73E2AB0}"/>
+              </a:ext>
+            </a:extLst>
+          </p:cNvPr>
+          <p:cNvSpPr>
+            <a:spLocks noGrp="1"/>
+          </p:cNvSpPr>
+          <p:nvPr>
+            <p:ph type="title"/>
+          </p:nvPr>
+        </p:nvSpPr>
+        <p:spPr>
+          <a:xfrm>
+            <a:off x="682625" y="457200"/>
+            <a:ext cx="3194050" cy="1600200"/>
+          </a:xfrm>
+        </p:spPr>
+        <p:txBody>
+          <a:bodyPr anchor="b"/>
+          <a:lstStyle>
+            <a:lvl1pPr>
+              <a:defRPr sz="3200"/>
+            </a:lvl1pPr>
+          </a:lstStyle>
+          <a:p>
+            <a:r>
+              <a:rPr kumimoji="1" lang="ko-KR" altLang="en-US"/>
+              <a:t>마스터 제목 스타일 편집</a:t>
+            </a:r>
+          </a:p>
+        </p:txBody>
+      </p:sp>
+      <p:sp>
+        <p:nvSpPr>
+          <p:cNvPr id="3" name="내용 개체 틀 2">
+            <a:extLst>
+              <a:ext uri="{FF2B5EF4-FFF2-40B4-BE49-F238E27FC236}">
+                <a16:creationId xmlns:a16="http://schemas.microsoft.com/office/drawing/2014/main" id="{362B3852-A9E0-584A-A4B0-4AD10D24162A}"/>
+              </a:ext>
+            </a:extLst>
+          </p:cNvPr>
+          <p:cNvSpPr>
+            <a:spLocks noGrp="1"/>
+          </p:cNvSpPr>
+          <p:nvPr>
+            <p:ph idx="1"/>
+          </p:nvPr>
+        </p:nvSpPr>
+        <p:spPr>
+          <a:xfrm>
+            <a:off x="4211638" y="987425"/>
+            <a:ext cx="5014912" cy="4873625"/>
+          </a:xfrm>
+        </p:spPr>
+        <p:txBody>
+          <a:bodyPr/>
+          <a:lstStyle>
+            <a:lvl1pPr>
+              <a:defRPr sz="3200"/>
+            </a:lvl1pPr>
+            <a:lvl2pPr>
+              <a:defRPr sz="2800"/>
+            </a:lvl2pPr>
+            <a:lvl3pPr>
+              <a:defRPr sz="2400"/>
+            </a:lvl3pPr>
+            <a:lvl4pPr>
+              <a:defRPr sz="2000"/>
+            </a:lvl4pPr>
+            <a:lvl5pPr>
+              <a:defRPr sz="2000"/>
+            </a:lvl5pPr>
+            <a:lvl6pPr>
+              <a:defRPr sz="2000"/>
+            </a:lvl6pPr>
+            <a:lvl7pPr>
+              <a:defRPr sz="2000"/>
+            </a:lvl7pPr>
+            <a:lvl8pPr>
+              <a:defRPr sz="2000"/>
+            </a:lvl8pPr>
+            <a:lvl9pPr>
+              <a:defRPr sz="2000"/>
+            </a:lvl9pPr>
+          </a:lstStyle>
+          <a:p>
+            <a:r>
+              <a:rPr kumimoji="1" lang="ko-KR" altLang="en-US"/>
+              <a:t>마스터 텍스트 스타일 편집
+둘째 수준
+셋째 수준
+넷째 수준
+다섯째 수준</a:t>
+            </a:r>
+          </a:p>
+        </p:txBody>
+      </p:sp>
+      <p:sp>
+        <p:nvSpPr>
+          <p:cNvPr id="4" name="텍스트 개체 틀 3">
+            <a:extLst>
+              <a:ext uri="{FF2B5EF4-FFF2-40B4-BE49-F238E27FC236}">
+                <a16:creationId xmlns:a16="http://schemas.microsoft.com/office/drawing/2014/main" id="{AAFC1C65-9CC2-3D4C-85CE-372D26657B8C}"/>
+              </a:ext>
+            </a:extLst>
+          </p:cNvPr>
+          <p:cNvSpPr>
+            <a:spLocks noGrp="1"/>
+          </p:cNvSpPr>
+          <p:nvPr>
+            <p:ph type="body" sz="half" idx="2"/>
+          </p:nvPr>
+        </p:nvSpPr>
+        <p:spPr>
+          <a:xfrm>
+            <a:off x="682625" y="2057400"/>
+            <a:ext cx="3194050" cy="3811588"/>
+          </a:xfrm>
+        </p:spPr>
+        <p:txBody>
+          <a:bodyPr/>
+          <a:lstStyle>
+            <a:lvl1pPr marL="0" indent="0">
+              <a:buNone/>
+              <a:defRPr sz="1600"/>
+            </a:lvl1pPr>
+            <a:lvl2pPr marL="457200" indent="0">
+              <a:buNone/>
+              <a:defRPr sz="1400"/>
+            </a:lvl2pPr>
+            <a:lvl3pPr marL="914400" indent="0">
+              <a:buNone/>
+              <a:defRPr sz="1200"/>
+            </a:lvl3pPr>
+            <a:lvl4pPr marL="1371600" indent="0">
+              <a:buNone/>
+              <a:defRPr sz="1000"/>
+            </a:lvl4pPr>
+            <a:lvl5pPr marL="1828800" indent="0">
+              <a:buNone/>
+              <a:defRPr sz="1000"/>
+            </a:lvl5pPr>
+            <a:lvl6pPr marL="2286000" indent="0">
+              <a:buNone/>
+              <a:defRPr sz="1000"/>
+            </a:lvl6pPr>
+            <a:lvl7pPr marL="2743200" indent="0">
+              <a:buNone/>
+              <a:defRPr sz="1000"/>
+            </a:lvl7pPr>
+            <a:lvl8pPr marL="3200400" indent="0">
+              <a:buNone/>
+              <a:defRPr sz="1000"/>
+            </a:lvl8pPr>
+            <a:lvl9pPr marL="3657600" indent="0">
+              <a:buNone/>
+              <a:defRPr sz="1000"/>
+            </a:lvl9pPr>
+          </a:lstStyle>
+          <a:p>
+            <a:r>
+              <a:rPr kumimoji="1" lang="ko-KR" altLang="en-US"/>
+              <a:t>마스터 텍스트 스타일 편집
+둘째 수준
+셋째 수준
+넷째 수준
+다섯째 수준</a:t>
+            </a:r>
+          </a:p>
+        </p:txBody>
+      </p:sp>
+      <p:sp>
+        <p:nvSpPr>
+          <p:cNvPr id="5" name="날짜 개체 틀 4">
+            <a:extLst>
+              <a:ext uri="{FF2B5EF4-FFF2-40B4-BE49-F238E27FC236}">
+                <a16:creationId xmlns:a16="http://schemas.microsoft.com/office/drawing/2014/main" id="{8EB25471-AAFB-304D-ABED-55F1876FD150}"/>
+              </a:ext>
+            </a:extLst>
+          </p:cNvPr>
+          <p:cNvSpPr>
+            <a:spLocks noGrp="1"/>
+          </p:cNvSpPr>
+          <p:nvPr>
+            <p:ph type="dt" sz="half" idx="10"/>
+          </p:nvPr>
+        </p:nvSpPr>
+        <p:spPr/>
+        <p:txBody>
+          <a:bodyPr/>
+          <a:lstStyle/>
+          <a:p>
+            <a:fld id="{CCF36190-AAB0-734A-9385-5A64374CB79C}" type="datetimeFigureOut">
+              <a:rPr kumimoji="1" lang="ko-KR" altLang="en-US" smtClean="0"/>
+              <a:t>2020. 7. 9.</a:t>
+            </a:fld>
+            <a:endParaRPr kumimoji="1" lang="ko-KR" altLang="en-US"/>
+          </a:p>
+        </p:txBody>
+      </p:sp>
+      <p:sp>
+        <p:nvSpPr>
+          <p:cNvPr id="6" name="바닥글 개체 틀 5">
+            <a:extLst>
+              <a:ext uri="{FF2B5EF4-FFF2-40B4-BE49-F238E27FC236}">
+                <a16:creationId xmlns:a16="http://schemas.microsoft.com/office/drawing/2014/main" id="{052B9049-0F7C-EB40-B497-FCA4DCB8795D}"/>
+              </a:ext>
+            </a:extLst>
+          </p:cNvPr>
+          <p:cNvSpPr>
+            <a:spLocks noGrp="1"/>
+          </p:cNvSpPr>
+          <p:nvPr>
+            <p:ph type="ftr" sz="quarter" idx="11"/>
+          </p:nvPr>
+        </p:nvSpPr>
+        <p:spPr/>
+        <p:txBody>
+          <a:bodyPr/>
+          <a:lstStyle/>
+          <a:p>
+            <a:endParaRPr kumimoji="1" lang="ko-KR" altLang="en-US"/>
+          </a:p>
+        </p:txBody>
+      </p:sp>
+      <p:sp>
+        <p:nvSpPr>
+          <p:cNvPr id="7" name="슬라이드 번호 개체 틀 6">
+            <a:extLst>
+              <a:ext uri="{FF2B5EF4-FFF2-40B4-BE49-F238E27FC236}">
+                <a16:creationId xmlns:a16="http://schemas.microsoft.com/office/drawing/2014/main" id="{F7F71639-39B6-3F4C-99E8-6A8531B4D6DA}"/>
+              </a:ext>
+            </a:extLst>
+          </p:cNvPr>
+          <p:cNvSpPr>
+            <a:spLocks noGrp="1"/>
+          </p:cNvSpPr>
+          <p:nvPr>
+            <p:ph type="sldNum" sz="quarter" idx="12"/>
+          </p:nvPr>
+        </p:nvSpPr>
+        <p:spPr/>
+        <p:txBody>
+          <a:bodyPr/>
+          <a:lstStyle/>
+          <a:p>
+            <a:fld id="{D70BE8CF-5D5D-7E4E-87A2-997A60C5F7DB}" type="slidenum">
+              <a:rPr kumimoji="1" lang="ko-KR" altLang="en-US" smtClean="0"/>
+              <a:t>‹#›</a:t>
+            </a:fld>
+            <a:endParaRPr kumimoji="1" lang="ko-KR" altLang="en-US"/>
+          </a:p>
+        </p:txBody>
+      </p:sp>
+    </p:spTree>
+    <p:extLst>
+      <p:ext uri="{BB962C8B-B14F-4D97-AF65-F5344CB8AC3E}">
+        <p14:creationId xmlns:p14="http://schemas.microsoft.com/office/powerpoint/2010/main" val="1483676675"/>
+      </p:ext>
+    </p:extLst>
+  </p:cSld>
+  <p:clrMapOvr>
+    <a:masterClrMapping/>
+  </p:clrMapOvr>
+</p:sldLayout>
+</file>
+
+<file path=ppt/slideLayouts/slideLayout9.xml><?xml version="1.0" encoding="utf-8"?>
+<p:sldLayout xmlns:a="http://schemas.openxmlformats.org/drawingml/2006/main" xmlns:r="http://schemas.openxmlformats.org/officeDocument/2006/relationships" xmlns:p="http://schemas.openxmlformats.org/presentationml/2006/main" type="picTx" preserve="1">
+  <p:cSld name="캡션 있는 그림">
+    <p:spTree>
+      <p:nvGrpSpPr>
+        <p:cNvPr id="1" name=""/>
+        <p:cNvGrpSpPr/>
+        <p:nvPr/>
+      </p:nvGrpSpPr>
+      <p:grpSpPr>
+        <a:xfrm>
+          <a:off x="0" y="0"/>
+          <a:ext cx="0" cy="0"/>
+          <a:chOff x="0" y="0"/>
+          <a:chExt cx="0" cy="0"/>
+        </a:xfrm>
+      </p:grpSpPr>
+      <p:sp>
+        <p:nvSpPr>
+          <p:cNvPr id="2" name="제목 1">
+            <a:extLst>
+              <a:ext uri="{FF2B5EF4-FFF2-40B4-BE49-F238E27FC236}">
+                <a16:creationId xmlns:a16="http://schemas.microsoft.com/office/drawing/2014/main" id="{5CC1E822-F6D6-7543-A9A5-E8B0C901C05F}"/>
+              </a:ext>
+            </a:extLst>
+          </p:cNvPr>
+          <p:cNvSpPr>
+            <a:spLocks noGrp="1"/>
+          </p:cNvSpPr>
+          <p:nvPr>
+            <p:ph type="title"/>
+          </p:nvPr>
+        </p:nvSpPr>
+        <p:spPr>
+          <a:xfrm>
+            <a:off x="682625" y="457200"/>
+            <a:ext cx="3194050" cy="1600200"/>
+          </a:xfrm>
+        </p:spPr>
+        <p:txBody>
+          <a:bodyPr anchor="b"/>
+          <a:lstStyle>
+            <a:lvl1pPr>
+              <a:defRPr sz="3200"/>
+            </a:lvl1pPr>
+          </a:lstStyle>
+          <a:p>
+            <a:r>
+              <a:rPr kumimoji="1" lang="ko-KR" altLang="en-US"/>
+              <a:t>마스터 제목 스타일 편집</a:t>
+            </a:r>
+          </a:p>
+        </p:txBody>
+      </p:sp>
+      <p:sp>
+        <p:nvSpPr>
+          <p:cNvPr id="3" name="그림 개체 틀 2">
+            <a:extLst>
+              <a:ext uri="{FF2B5EF4-FFF2-40B4-BE49-F238E27FC236}">
+                <a16:creationId xmlns:a16="http://schemas.microsoft.com/office/drawing/2014/main" id="{B0A72E9D-37DC-1748-87BD-647ADCBE9CAB}"/>
+              </a:ext>
+            </a:extLst>
+          </p:cNvPr>
+          <p:cNvSpPr>
+            <a:spLocks noGrp="1"/>
+          </p:cNvSpPr>
+          <p:nvPr>
+            <p:ph type="pic" idx="1"/>
+          </p:nvPr>
+        </p:nvSpPr>
+        <p:spPr>
+          <a:xfrm>
+            <a:off x="4211638" y="987425"/>
+            <a:ext cx="5014912" cy="4873625"/>
+          </a:xfrm>
+        </p:spPr>
+        <p:txBody>
+          <a:bodyPr/>
+          <a:lstStyle>
+            <a:lvl1pPr marL="0" indent="0">
+              <a:buNone/>
+              <a:defRPr sz="3200"/>
+            </a:lvl1pPr>
+            <a:lvl2pPr marL="457200" indent="0">
+              <a:buNone/>
+              <a:defRPr sz="2800"/>
+            </a:lvl2pPr>
+            <a:lvl3pPr marL="914400" indent="0">
+              <a:buNone/>
+              <a:defRPr sz="2400"/>
+            </a:lvl3pPr>
+            <a:lvl4pPr marL="1371600" indent="0">
+              <a:buNone/>
+              <a:defRPr sz="2000"/>
+            </a:lvl4pPr>
+            <a:lvl5pPr marL="1828800" indent="0">
+              <a:buNone/>
+              <a:defRPr sz="2000"/>
+            </a:lvl5pPr>
+            <a:lvl6pPr marL="2286000" indent="0">
+              <a:buNone/>
+              <a:defRPr sz="2000"/>
+            </a:lvl6pPr>
+            <a:lvl7pPr marL="2743200" indent="0">
+              <a:buNone/>
+              <a:defRPr sz="2000"/>
+            </a:lvl7pPr>
+            <a:lvl8pPr marL="3200400" indent="0">
+              <a:buNone/>
+              <a:defRPr sz="2000"/>
+            </a:lvl8pPr>
+            <a:lvl9pPr marL="3657600" indent="0">
+              <a:buNone/>
+              <a:defRPr sz="2000"/>
+            </a:lvl9pPr>
+          </a:lstStyle>
+          <a:p>
+            <a:endParaRPr kumimoji="1" lang="ko-KR" altLang="en-US"/>
+          </a:p>
+        </p:txBody>
+      </p:sp>
+      <p:sp>
+        <p:nvSpPr>
+          <p:cNvPr id="4" name="텍스트 개체 틀 3">
+            <a:extLst>
+              <a:ext uri="{FF2B5EF4-FFF2-40B4-BE49-F238E27FC236}">
+                <a16:creationId xmlns:a16="http://schemas.microsoft.com/office/drawing/2014/main" id="{D8909B32-95AE-E440-91CA-E9D33F82D9DF}"/>
+              </a:ext>
+            </a:extLst>
+          </p:cNvPr>
+          <p:cNvSpPr>
+            <a:spLocks noGrp="1"/>
+          </p:cNvSpPr>
+          <p:nvPr>
+            <p:ph type="body" sz="half" idx="2"/>
+          </p:nvPr>
+        </p:nvSpPr>
+        <p:spPr>
+          <a:xfrm>
+            <a:off x="682625" y="2057400"/>
+            <a:ext cx="3194050" cy="3811588"/>
+          </a:xfrm>
+        </p:spPr>
+        <p:txBody>
+          <a:bodyPr/>
+          <a:lstStyle>
+            <a:lvl1pPr marL="0" indent="0">
+              <a:buNone/>
+              <a:defRPr sz="1600"/>
+            </a:lvl1pPr>
+            <a:lvl2pPr marL="457200" indent="0">
+              <a:buNone/>
+              <a:defRPr sz="1400"/>
+            </a:lvl2pPr>
+            <a:lvl3pPr marL="914400" indent="0">
+              <a:buNone/>
+              <a:defRPr sz="1200"/>
+            </a:lvl3pPr>
+            <a:lvl4pPr marL="1371600" indent="0">
+              <a:buNone/>
+              <a:defRPr sz="1000"/>
+            </a:lvl4pPr>
+            <a:lvl5pPr marL="1828800" indent="0">
+              <a:buNone/>
+              <a:defRPr sz="1000"/>
+            </a:lvl5pPr>
+            <a:lvl6pPr marL="2286000" indent="0">
+              <a:buNone/>
+              <a:defRPr sz="1000"/>
+            </a:lvl6pPr>
+            <a:lvl7pPr marL="2743200" indent="0">
+              <a:buNone/>
+              <a:defRPr sz="1000"/>
+            </a:lvl7pPr>
+            <a:lvl8pPr marL="3200400" indent="0">
+              <a:buNone/>
+              <a:defRPr sz="1000"/>
+            </a:lvl8pPr>
+            <a:lvl9pPr marL="3657600" indent="0">
+              <a:buNone/>
+              <a:defRPr sz="1000"/>
+            </a:lvl9pPr>
+          </a:lstStyle>
+          <a:p>
+            <a:r>
+              <a:rPr kumimoji="1" lang="ko-KR" altLang="en-US"/>
+              <a:t>마스터 텍스트 스타일 편집
+둘째 수준
+셋째 수준
+넷째 수준
+다섯째 수준</a:t>
+            </a:r>
+          </a:p>
+        </p:txBody>
+      </p:sp>
+      <p:sp>
+        <p:nvSpPr>
+          <p:cNvPr id="5" name="날짜 개체 틀 4">
+            <a:extLst>
+              <a:ext uri="{FF2B5EF4-FFF2-40B4-BE49-F238E27FC236}">
+                <a16:creationId xmlns:a16="http://schemas.microsoft.com/office/drawing/2014/main" id="{9D0B63E2-663F-1547-AEEA-7262E9CC4BC5}"/>
+              </a:ext>
+            </a:extLst>
+          </p:cNvPr>
+          <p:cNvSpPr>
+            <a:spLocks noGrp="1"/>
+          </p:cNvSpPr>
+          <p:nvPr>
+            <p:ph type="dt" sz="half" idx="10"/>
+          </p:nvPr>
+        </p:nvSpPr>
+        <p:spPr/>
+        <p:txBody>
+          <a:bodyPr/>
+          <a:lstStyle/>
+          <a:p>
+            <a:fld id="{CCF36190-AAB0-734A-9385-5A64374CB79C}" type="datetimeFigureOut">
+              <a:rPr kumimoji="1" lang="ko-KR" altLang="en-US" smtClean="0"/>
+              <a:t>2020. 7. 9.</a:t>
+            </a:fld>
+            <a:endParaRPr kumimoji="1" lang="ko-KR" altLang="en-US"/>
+          </a:p>
+        </p:txBody>
+      </p:sp>
+      <p:sp>
+        <p:nvSpPr>
+          <p:cNvPr id="6" name="바닥글 개체 틀 5">
+            <a:extLst>
+              <a:ext uri="{FF2B5EF4-FFF2-40B4-BE49-F238E27FC236}">
+                <a16:creationId xmlns:a16="http://schemas.microsoft.com/office/drawing/2014/main" id="{390FE024-469B-7F43-B2C4-8B77E2BBDC08}"/>
+              </a:ext>
+            </a:extLst>
+          </p:cNvPr>
+          <p:cNvSpPr>
+            <a:spLocks noGrp="1"/>
+          </p:cNvSpPr>
+          <p:nvPr>
+            <p:ph type="ftr" sz="quarter" idx="11"/>
+          </p:nvPr>
+        </p:nvSpPr>
+        <p:spPr/>
+        <p:txBody>
+          <a:bodyPr/>
+          <a:lstStyle/>
+          <a:p>
+            <a:endParaRPr kumimoji="1" lang="ko-KR" altLang="en-US"/>
+          </a:p>
+        </p:txBody>
+      </p:sp>
+      <p:sp>
+        <p:nvSpPr>
+          <p:cNvPr id="7" name="슬라이드 번호 개체 틀 6">
+            <a:extLst>
+              <a:ext uri="{FF2B5EF4-FFF2-40B4-BE49-F238E27FC236}">
+                <a16:creationId xmlns:a16="http://schemas.microsoft.com/office/drawing/2014/main" id="{9338130D-9FB1-5D4B-AA02-B30BAC945385}"/>
+              </a:ext>
+            </a:extLst>
+          </p:cNvPr>
+          <p:cNvSpPr>
+            <a:spLocks noGrp="1"/>
+          </p:cNvSpPr>
+          <p:nvPr>
+            <p:ph type="sldNum" sz="quarter" idx="12"/>
+          </p:nvPr>
+        </p:nvSpPr>
+        <p:spPr/>
+        <p:txBody>
+          <a:bodyPr/>
+          <a:lstStyle/>
+          <a:p>
+            <a:fld id="{D70BE8CF-5D5D-7E4E-87A2-997A60C5F7DB}" type="slidenum">
+              <a:rPr kumimoji="1" lang="ko-KR" altLang="en-US" smtClean="0"/>
+              <a:t>‹#›</a:t>
+            </a:fld>
+            <a:endParaRPr kumimoji="1" lang="ko-KR" altLang="en-US"/>
+          </a:p>
+        </p:txBody>
+      </p:sp>
+    </p:spTree>
+    <p:extLst>
+      <p:ext uri="{BB962C8B-B14F-4D97-AF65-F5344CB8AC3E}">
+        <p14:creationId xmlns:p14="http://schemas.microsoft.com/office/powerpoint/2010/main" val="731566585"/>
       </p:ext>
     </p:extLst>
   </p:cSld>
@@ -2615,8 +4798,8 @@
 <p:sldMaster xmlns:a="http://schemas.openxmlformats.org/drawingml/2006/main" xmlns:r="http://schemas.openxmlformats.org/officeDocument/2006/relationships" xmlns:p="http://schemas.openxmlformats.org/presentationml/2006/main" preserve="1">
   <p:cSld>
     <p:bg>
-      <p:bgRef idx="1003">
-        <a:schemeClr val="bg2"/>
+      <p:bgRef idx="1001">
+        <a:schemeClr val="bg1"/>
       </p:bgRef>
     </p:bg>
     <p:spTree>
@@ -2635,7 +4818,13 @@
       </p:grpSpPr>
       <p:sp>
         <p:nvSpPr>
-          <p:cNvPr id="2" name="Title Placeholder 1"/>
+          <p:cNvPr id="2" name="제목 개체 틀 1">
+            <a:extLst>
+              <a:ext uri="{FF2B5EF4-FFF2-40B4-BE49-F238E27FC236}">
+                <a16:creationId xmlns:a16="http://schemas.microsoft.com/office/drawing/2014/main" id="{AD938164-B754-4E4C-BFCF-85AE25B5157F}"/>
+              </a:ext>
+            </a:extLst>
+          </p:cNvPr>
           <p:cNvSpPr>
             <a:spLocks noGrp="1"/>
           </p:cNvSpPr>
@@ -2645,42 +4834,8 @@
         </p:nvSpPr>
         <p:spPr>
           <a:xfrm>
-            <a:off x="495300" y="609602"/>
-            <a:ext cx="8420100" cy="1456267"/>
-          </a:xfrm>
-          <a:prstGeom prst="rect">
-            <a:avLst/>
-          </a:prstGeom>
-          <a:effectLst/>
-        </p:spPr>
-        <p:txBody>
-          <a:bodyPr vert="horz" lIns="91440" tIns="45720" rIns="91440" bIns="45720" rtlCol="0" anchor="ctr">
-            <a:normAutofit/>
-          </a:bodyPr>
-          <a:lstStyle/>
-          <a:p>
-            <a:r>
-              <a:rPr lang="ko-KR" altLang="en-US"/>
-              <a:t>마스터 제목 스타일 편집</a:t>
-            </a:r>
-            <a:endParaRPr lang="en-US" dirty="0"/>
-          </a:p>
-        </p:txBody>
-      </p:sp>
-      <p:sp>
-        <p:nvSpPr>
-          <p:cNvPr id="3" name="Text Placeholder 2"/>
-          <p:cNvSpPr>
-            <a:spLocks noGrp="1"/>
-          </p:cNvSpPr>
-          <p:nvPr>
-            <p:ph type="body" idx="1"/>
-          </p:nvPr>
-        </p:nvSpPr>
-        <p:spPr>
-          <a:xfrm>
-            <a:off x="495300" y="2142069"/>
-            <a:ext cx="8420100" cy="3649133"/>
+            <a:off x="681038" y="365125"/>
+            <a:ext cx="8543925" cy="1325563"/>
           </a:xfrm>
           <a:prstGeom prst="rect">
             <a:avLst/>
@@ -2692,22 +4847,64 @@
           </a:bodyPr>
           <a:lstStyle/>
           <a:p>
-            <a:pPr lvl="0"/>
             <a:r>
-              <a:rPr lang="ko-KR" altLang="en-US"/>
+              <a:rPr kumimoji="1" lang="ko-KR" altLang="en-US"/>
+              <a:t>마스터 제목 스타일 편집</a:t>
+            </a:r>
+          </a:p>
+        </p:txBody>
+      </p:sp>
+      <p:sp>
+        <p:nvSpPr>
+          <p:cNvPr id="3" name="텍스트 개체 틀 2">
+            <a:extLst>
+              <a:ext uri="{FF2B5EF4-FFF2-40B4-BE49-F238E27FC236}">
+                <a16:creationId xmlns:a16="http://schemas.microsoft.com/office/drawing/2014/main" id="{B5466FE7-2123-0341-8EE0-AFB708A8AD1A}"/>
+              </a:ext>
+            </a:extLst>
+          </p:cNvPr>
+          <p:cNvSpPr>
+            <a:spLocks noGrp="1"/>
+          </p:cNvSpPr>
+          <p:nvPr>
+            <p:ph type="body" idx="1"/>
+          </p:nvPr>
+        </p:nvSpPr>
+        <p:spPr>
+          <a:xfrm>
+            <a:off x="681038" y="1825625"/>
+            <a:ext cx="8543925" cy="4351338"/>
+          </a:xfrm>
+          <a:prstGeom prst="rect">
+            <a:avLst/>
+          </a:prstGeom>
+        </p:spPr>
+        <p:txBody>
+          <a:bodyPr vert="horz" lIns="91440" tIns="45720" rIns="91440" bIns="45720" rtlCol="0">
+            <a:normAutofit/>
+          </a:bodyPr>
+          <a:lstStyle/>
+          <a:p>
+            <a:r>
+              <a:rPr kumimoji="1" lang="ko-KR" altLang="en-US"/>
               <a:t>마스터 텍스트 스타일 편집
 둘째 수준
 셋째 수준
 넷째 수준
 다섯째 수준</a:t>
             </a:r>
-            <a:endParaRPr lang="en-US" dirty="0"/>
-          </a:p>
-        </p:txBody>
-      </p:sp>
-      <p:sp>
-        <p:nvSpPr>
-          <p:cNvPr id="4" name="Date Placeholder 3"/>
+          </a:p>
+        </p:txBody>
+      </p:sp>
+      <p:sp>
+        <p:nvSpPr>
+          <p:cNvPr id="4" name="날짜 개체 틀 3">
+            <a:extLst>
+              <a:ext uri="{FF2B5EF4-FFF2-40B4-BE49-F238E27FC236}">
+                <a16:creationId xmlns:a16="http://schemas.microsoft.com/office/drawing/2014/main" id="{CC0CEC51-5382-2349-BB79-32625DFC04E3}"/>
+              </a:ext>
+            </a:extLst>
+          </p:cNvPr>
           <p:cNvSpPr>
             <a:spLocks noGrp="1"/>
           </p:cNvSpPr>
@@ -2717,8 +4914,8 @@
         </p:nvSpPr>
         <p:spPr>
           <a:xfrm>
-            <a:off x="7067355" y="5870577"/>
-            <a:ext cx="1313187" cy="377825"/>
+            <a:off x="681038" y="6356350"/>
+            <a:ext cx="2228850" cy="365125"/>
           </a:xfrm>
           <a:prstGeom prst="rect">
             <a:avLst/>
@@ -2727,29 +4924,34 @@
         <p:txBody>
           <a:bodyPr vert="horz" lIns="91440" tIns="45720" rIns="91440" bIns="45720" rtlCol="0" anchor="ctr"/>
           <a:lstStyle>
-            <a:lvl1pPr algn="r">
-              <a:defRPr sz="1000" b="0" i="0">
+            <a:lvl1pPr algn="l">
+              <a:defRPr sz="1200">
                 <a:solidFill>
-                  <a:schemeClr val="tx1"/>
+                  <a:schemeClr val="tx1">
+                    <a:tint val="75000"/>
+                  </a:schemeClr>
                 </a:solidFill>
-                <a:effectLst/>
-                <a:latin typeface="+mn-lt"/>
               </a:defRPr>
             </a:lvl1pPr>
           </a:lstStyle>
           <a:p>
-            <a:fld id="{B61BEF0D-F0BB-DE4B-95CE-6DB70DBA9567}" type="datetimeFigureOut">
-              <a:rPr lang="en-US" smtClean="0"/>
-              <a:pPr/>
-              <a:t>7/3/20</a:t>
+            <a:fld id="{CCF36190-AAB0-734A-9385-5A64374CB79C}" type="datetimeFigureOut">
+              <a:rPr kumimoji="1" lang="ko-KR" altLang="en-US" smtClean="0"/>
+              <a:t>2020. 7. 9.</a:t>
             </a:fld>
-            <a:endParaRPr lang="en-US" dirty="0"/>
-          </a:p>
-        </p:txBody>
-      </p:sp>
-      <p:sp>
-        <p:nvSpPr>
-          <p:cNvPr id="5" name="Footer Placeholder 4"/>
+            <a:endParaRPr kumimoji="1" lang="ko-KR" altLang="en-US"/>
+          </a:p>
+        </p:txBody>
+      </p:sp>
+      <p:sp>
+        <p:nvSpPr>
+          <p:cNvPr id="5" name="바닥글 개체 틀 4">
+            <a:extLst>
+              <a:ext uri="{FF2B5EF4-FFF2-40B4-BE49-F238E27FC236}">
+                <a16:creationId xmlns:a16="http://schemas.microsoft.com/office/drawing/2014/main" id="{5C1ADB37-CA28-A249-B79E-7CFB2F446E26}"/>
+              </a:ext>
+            </a:extLst>
+          </p:cNvPr>
           <p:cNvSpPr>
             <a:spLocks noGrp="1"/>
           </p:cNvSpPr>
@@ -2759,8 +4961,8 @@
         </p:nvSpPr>
         <p:spPr>
           <a:xfrm>
-            <a:off x="495300" y="5870577"/>
-            <a:ext cx="6489504" cy="377825"/>
+            <a:off x="3281363" y="6356350"/>
+            <a:ext cx="3343275" cy="365125"/>
           </a:xfrm>
           <a:prstGeom prst="rect">
             <a:avLst/>
@@ -2769,24 +4971,30 @@
         <p:txBody>
           <a:bodyPr vert="horz" lIns="91440" tIns="45720" rIns="91440" bIns="45720" rtlCol="0" anchor="ctr"/>
           <a:lstStyle>
-            <a:lvl1pPr algn="l">
-              <a:defRPr sz="1000" b="0" i="0">
+            <a:lvl1pPr algn="ctr">
+              <a:defRPr sz="1200">
                 <a:solidFill>
-                  <a:schemeClr val="tx1"/>
+                  <a:schemeClr val="tx1">
+                    <a:tint val="75000"/>
+                  </a:schemeClr>
                 </a:solidFill>
-                <a:effectLst/>
-                <a:latin typeface="+mn-lt"/>
               </a:defRPr>
             </a:lvl1pPr>
           </a:lstStyle>
           <a:p>
-            <a:endParaRPr kumimoji="1" lang="ko-KR" altLang="en-US" dirty="0"/>
-          </a:p>
-        </p:txBody>
-      </p:sp>
-      <p:sp>
-        <p:nvSpPr>
-          <p:cNvPr id="6" name="Slide Number Placeholder 5"/>
+            <a:endParaRPr kumimoji="1" lang="ko-KR" altLang="en-US"/>
+          </a:p>
+        </p:txBody>
+      </p:sp>
+      <p:sp>
+        <p:nvSpPr>
+          <p:cNvPr id="6" name="슬라이드 번호 개체 틀 5">
+            <a:extLst>
+              <a:ext uri="{FF2B5EF4-FFF2-40B4-BE49-F238E27FC236}">
+                <a16:creationId xmlns:a16="http://schemas.microsoft.com/office/drawing/2014/main" id="{F8326DE8-48BF-8543-9B8F-F9F77F0FA78A}"/>
+              </a:ext>
+            </a:extLst>
+          </p:cNvPr>
           <p:cNvSpPr>
             <a:spLocks noGrp="1"/>
           </p:cNvSpPr>
@@ -2796,8 +5004,8 @@
         </p:nvSpPr>
         <p:spPr>
           <a:xfrm>
-            <a:off x="8463092" y="5870577"/>
-            <a:ext cx="452309" cy="377825"/>
+            <a:off x="6996113" y="6356350"/>
+            <a:ext cx="2228850" cy="365125"/>
           </a:xfrm>
           <a:prstGeom prst="rect">
             <a:avLst/>
@@ -2807,318 +5015,223 @@
           <a:bodyPr vert="horz" lIns="91440" tIns="45720" rIns="91440" bIns="45720" rtlCol="0" anchor="ctr"/>
           <a:lstStyle>
             <a:lvl1pPr algn="r">
-              <a:defRPr sz="1000" b="0" i="0">
+              <a:defRPr sz="1200">
                 <a:solidFill>
-                  <a:schemeClr val="tx1"/>
+                  <a:schemeClr val="tx1">
+                    <a:tint val="75000"/>
+                  </a:schemeClr>
                 </a:solidFill>
-                <a:effectLst/>
-                <a:latin typeface="+mn-lt"/>
               </a:defRPr>
             </a:lvl1pPr>
           </a:lstStyle>
           <a:p>
-            <a:fld id="{D57F1E4F-1CFF-5643-939E-217C01CDF565}" type="slidenum">
-              <a:rPr lang="en-US" smtClean="0"/>
-              <a:pPr/>
+            <a:fld id="{D70BE8CF-5D5D-7E4E-87A2-997A60C5F7DB}" type="slidenum">
+              <a:rPr kumimoji="1" lang="ko-KR" altLang="en-US" smtClean="0"/>
               <a:t>‹#›</a:t>
             </a:fld>
-            <a:endParaRPr lang="en-US" dirty="0"/>
+            <a:endParaRPr kumimoji="1" lang="ko-KR" altLang="en-US"/>
           </a:p>
         </p:txBody>
       </p:sp>
     </p:spTree>
     <p:extLst>
       <p:ext uri="{BB962C8B-B14F-4D97-AF65-F5344CB8AC3E}">
-        <p14:creationId xmlns:p14="http://schemas.microsoft.com/office/powerpoint/2010/main" val="1949758870"/>
+        <p14:creationId xmlns:p14="http://schemas.microsoft.com/office/powerpoint/2010/main" val="105154085"/>
       </p:ext>
     </p:extLst>
   </p:cSld>
-  <p:clrMap bg1="dk1" tx1="lt1" bg2="dk2" tx2="lt2" accent1="accent1" accent2="accent2" accent3="accent3" accent4="accent4" accent5="accent5" accent6="accent6" hlink="hlink" folHlink="folHlink"/>
+  <p:clrMap bg1="lt1" tx1="dk1" bg2="lt2" tx2="dk2" accent1="accent1" accent2="accent2" accent3="accent3" accent4="accent4" accent5="accent5" accent6="accent6" hlink="hlink" folHlink="folHlink"/>
   <p:sldLayoutIdLst>
-    <p:sldLayoutId id="2147483737" r:id="rId1"/>
-    <p:sldLayoutId id="2147483742" r:id="rId2"/>
-    <p:sldLayoutId id="2147483740" r:id="rId3"/>
+    <p:sldLayoutId id="2147483744" r:id="rId1"/>
+    <p:sldLayoutId id="2147483745" r:id="rId2"/>
+    <p:sldLayoutId id="2147483746" r:id="rId3"/>
+    <p:sldLayoutId id="2147483747" r:id="rId4"/>
+    <p:sldLayoutId id="2147483748" r:id="rId5"/>
+    <p:sldLayoutId id="2147483749" r:id="rId6"/>
+    <p:sldLayoutId id="2147483750" r:id="rId7"/>
+    <p:sldLayoutId id="2147483751" r:id="rId8"/>
+    <p:sldLayoutId id="2147483752" r:id="rId9"/>
+    <p:sldLayoutId id="2147483753" r:id="rId10"/>
+    <p:sldLayoutId id="2147483754" r:id="rId11"/>
   </p:sldLayoutIdLst>
   <p:txStyles>
     <p:titleStyle>
-      <a:lvl1pPr algn="l" defTabSz="457200" rtl="0" eaLnBrk="1" latinLnBrk="1" hangingPunct="1">
+      <a:lvl1pPr algn="l" defTabSz="914400" rtl="0" eaLnBrk="1" latinLnBrk="1" hangingPunct="1">
+        <a:lnSpc>
+          <a:spcPct val="90000"/>
+        </a:lnSpc>
         <a:spcBef>
           <a:spcPct val="0"/>
         </a:spcBef>
         <a:buNone/>
-        <a:defRPr sz="3200" kern="1200" cap="all">
-          <a:ln w="3175" cmpd="sng">
-            <a:noFill/>
-          </a:ln>
+        <a:defRPr sz="4400" kern="1200">
           <a:solidFill>
             <a:schemeClr val="tx1"/>
           </a:solidFill>
-          <a:effectLst/>
           <a:latin typeface="+mj-lt"/>
           <a:ea typeface="+mj-ea"/>
           <a:cs typeface="+mj-cs"/>
         </a:defRPr>
       </a:lvl1pPr>
-      <a:lvl2pPr eaLnBrk="1" latinLnBrk="1" hangingPunct="1">
-        <a:defRPr>
-          <a:solidFill>
-            <a:schemeClr val="tx2"/>
-          </a:solidFill>
-        </a:defRPr>
-      </a:lvl2pPr>
-      <a:lvl3pPr eaLnBrk="1" latinLnBrk="1" hangingPunct="1">
-        <a:defRPr>
-          <a:solidFill>
-            <a:schemeClr val="tx2"/>
-          </a:solidFill>
-        </a:defRPr>
-      </a:lvl3pPr>
-      <a:lvl4pPr eaLnBrk="1" latinLnBrk="1" hangingPunct="1">
-        <a:defRPr>
-          <a:solidFill>
-            <a:schemeClr val="tx2"/>
-          </a:solidFill>
-        </a:defRPr>
-      </a:lvl4pPr>
-      <a:lvl5pPr eaLnBrk="1" latinLnBrk="1" hangingPunct="1">
-        <a:defRPr>
-          <a:solidFill>
-            <a:schemeClr val="tx2"/>
-          </a:solidFill>
-        </a:defRPr>
-      </a:lvl5pPr>
-      <a:lvl6pPr eaLnBrk="1" latinLnBrk="1" hangingPunct="1">
-        <a:defRPr>
-          <a:solidFill>
-            <a:schemeClr val="tx2"/>
-          </a:solidFill>
-        </a:defRPr>
-      </a:lvl6pPr>
-      <a:lvl7pPr eaLnBrk="1" latinLnBrk="1" hangingPunct="1">
-        <a:defRPr>
-          <a:solidFill>
-            <a:schemeClr val="tx2"/>
-          </a:solidFill>
-        </a:defRPr>
-      </a:lvl7pPr>
-      <a:lvl8pPr eaLnBrk="1" latinLnBrk="1" hangingPunct="1">
-        <a:defRPr>
-          <a:solidFill>
-            <a:schemeClr val="tx2"/>
-          </a:solidFill>
-        </a:defRPr>
-      </a:lvl8pPr>
-      <a:lvl9pPr eaLnBrk="1" latinLnBrk="1" hangingPunct="1">
-        <a:defRPr>
-          <a:solidFill>
-            <a:schemeClr val="tx2"/>
-          </a:solidFill>
-        </a:defRPr>
-      </a:lvl9pPr>
     </p:titleStyle>
     <p:bodyStyle>
-      <a:lvl1pPr marL="285750" indent="-285750" algn="l" defTabSz="457200" rtl="0" eaLnBrk="1" latinLnBrk="1" hangingPunct="1">
+      <a:lvl1pPr marL="228600" indent="-228600" algn="l" defTabSz="914400" rtl="0" eaLnBrk="1" latinLnBrk="1" hangingPunct="1">
+        <a:lnSpc>
+          <a:spcPct val="90000"/>
+        </a:lnSpc>
         <a:spcBef>
-          <a:spcPts val="0"/>
+          <a:spcPts val="1000"/>
         </a:spcBef>
-        <a:spcAft>
-          <a:spcPts val="1000"/>
-        </a:spcAft>
-        <a:buClr>
-          <a:schemeClr val="tx1"/>
-        </a:buClr>
-        <a:buSzPct val="100000"/>
-        <a:buFont typeface="Arial"/>
+        <a:buFont typeface="Arial" panose="020B0604020202020204" pitchFamily="34" charset="0"/>
         <a:buChar char="•"/>
-        <a:defRPr sz="1800" kern="1200" cap="none">
+        <a:defRPr sz="2800" kern="1200">
           <a:solidFill>
             <a:schemeClr val="tx1"/>
           </a:solidFill>
-          <a:effectLst/>
           <a:latin typeface="+mn-lt"/>
           <a:ea typeface="+mn-ea"/>
           <a:cs typeface="+mn-cs"/>
         </a:defRPr>
       </a:lvl1pPr>
-      <a:lvl2pPr marL="742950" indent="-285750" algn="l" defTabSz="457200" rtl="0" eaLnBrk="1" latinLnBrk="1" hangingPunct="1">
+      <a:lvl2pPr marL="685800" indent="-228600" algn="l" defTabSz="914400" rtl="0" eaLnBrk="1" latinLnBrk="1" hangingPunct="1">
+        <a:lnSpc>
+          <a:spcPct val="90000"/>
+        </a:lnSpc>
         <a:spcBef>
-          <a:spcPts val="0"/>
+          <a:spcPts val="500"/>
         </a:spcBef>
-        <a:spcAft>
-          <a:spcPts val="1000"/>
-        </a:spcAft>
-        <a:buClr>
-          <a:schemeClr val="tx1"/>
-        </a:buClr>
-        <a:buSzPct val="100000"/>
-        <a:buFont typeface="Arial"/>
+        <a:buFont typeface="Arial" panose="020B0604020202020204" pitchFamily="34" charset="0"/>
         <a:buChar char="•"/>
-        <a:defRPr sz="1600" kern="1200" cap="none">
+        <a:defRPr sz="2400" kern="1200">
           <a:solidFill>
             <a:schemeClr val="tx1"/>
           </a:solidFill>
-          <a:effectLst/>
           <a:latin typeface="+mn-lt"/>
           <a:ea typeface="+mn-ea"/>
           <a:cs typeface="+mn-cs"/>
         </a:defRPr>
       </a:lvl2pPr>
-      <a:lvl3pPr marL="1200150" indent="-285750" algn="l" defTabSz="457200" rtl="0" eaLnBrk="1" latinLnBrk="1" hangingPunct="1">
+      <a:lvl3pPr marL="1143000" indent="-228600" algn="l" defTabSz="914400" rtl="0" eaLnBrk="1" latinLnBrk="1" hangingPunct="1">
+        <a:lnSpc>
+          <a:spcPct val="90000"/>
+        </a:lnSpc>
         <a:spcBef>
-          <a:spcPts val="0"/>
+          <a:spcPts val="500"/>
         </a:spcBef>
-        <a:spcAft>
-          <a:spcPts val="1000"/>
-        </a:spcAft>
-        <a:buClr>
-          <a:schemeClr val="tx1"/>
-        </a:buClr>
-        <a:buSzPct val="100000"/>
-        <a:buFont typeface="Arial"/>
+        <a:buFont typeface="Arial" panose="020B0604020202020204" pitchFamily="34" charset="0"/>
         <a:buChar char="•"/>
-        <a:defRPr sz="1400" kern="1200" cap="none">
+        <a:defRPr sz="2000" kern="1200">
           <a:solidFill>
             <a:schemeClr val="tx1"/>
           </a:solidFill>
-          <a:effectLst/>
           <a:latin typeface="+mn-lt"/>
           <a:ea typeface="+mn-ea"/>
           <a:cs typeface="+mn-cs"/>
         </a:defRPr>
       </a:lvl3pPr>
-      <a:lvl4pPr marL="1543050" indent="-171450" algn="l" defTabSz="457200" rtl="0" eaLnBrk="1" latinLnBrk="1" hangingPunct="1">
+      <a:lvl4pPr marL="1600200" indent="-228600" algn="l" defTabSz="914400" rtl="0" eaLnBrk="1" latinLnBrk="1" hangingPunct="1">
+        <a:lnSpc>
+          <a:spcPct val="90000"/>
+        </a:lnSpc>
         <a:spcBef>
-          <a:spcPts val="0"/>
+          <a:spcPts val="500"/>
         </a:spcBef>
-        <a:spcAft>
-          <a:spcPts val="1000"/>
-        </a:spcAft>
-        <a:buClr>
-          <a:schemeClr val="tx1"/>
-        </a:buClr>
-        <a:buSzPct val="100000"/>
-        <a:buFont typeface="Arial"/>
+        <a:buFont typeface="Arial" panose="020B0604020202020204" pitchFamily="34" charset="0"/>
         <a:buChar char="•"/>
-        <a:defRPr sz="1200" kern="1200" cap="none">
+        <a:defRPr sz="1800" kern="1200">
           <a:solidFill>
             <a:schemeClr val="tx1"/>
           </a:solidFill>
-          <a:effectLst/>
           <a:latin typeface="+mn-lt"/>
           <a:ea typeface="+mn-ea"/>
           <a:cs typeface="+mn-cs"/>
         </a:defRPr>
       </a:lvl4pPr>
-      <a:lvl5pPr marL="2000250" indent="-171450" algn="l" defTabSz="457200" rtl="0" eaLnBrk="1" latinLnBrk="1" hangingPunct="1">
+      <a:lvl5pPr marL="2057400" indent="-228600" algn="l" defTabSz="914400" rtl="0" eaLnBrk="1" latinLnBrk="1" hangingPunct="1">
+        <a:lnSpc>
+          <a:spcPct val="90000"/>
+        </a:lnSpc>
         <a:spcBef>
-          <a:spcPts val="0"/>
+          <a:spcPts val="500"/>
         </a:spcBef>
-        <a:spcAft>
-          <a:spcPts val="1000"/>
-        </a:spcAft>
-        <a:buClr>
-          <a:schemeClr val="tx1"/>
-        </a:buClr>
-        <a:buSzPct val="100000"/>
-        <a:buFont typeface="Arial"/>
+        <a:buFont typeface="Arial" panose="020B0604020202020204" pitchFamily="34" charset="0"/>
         <a:buChar char="•"/>
-        <a:defRPr sz="1200" kern="1200" cap="none">
+        <a:defRPr sz="1800" kern="1200">
           <a:solidFill>
             <a:schemeClr val="tx1"/>
           </a:solidFill>
-          <a:effectLst/>
           <a:latin typeface="+mn-lt"/>
           <a:ea typeface="+mn-ea"/>
           <a:cs typeface="+mn-cs"/>
         </a:defRPr>
       </a:lvl5pPr>
-      <a:lvl6pPr marL="2514600" indent="-228600" algn="l" defTabSz="457200" rtl="0" eaLnBrk="1" latinLnBrk="1" hangingPunct="1">
+      <a:lvl6pPr marL="2514600" indent="-228600" algn="l" defTabSz="914400" rtl="0" eaLnBrk="1" latinLnBrk="1" hangingPunct="1">
+        <a:lnSpc>
+          <a:spcPct val="90000"/>
+        </a:lnSpc>
         <a:spcBef>
-          <a:spcPts val="0"/>
+          <a:spcPts val="500"/>
         </a:spcBef>
-        <a:spcAft>
-          <a:spcPts val="1000"/>
-        </a:spcAft>
-        <a:buClr>
-          <a:schemeClr val="tx1"/>
-        </a:buClr>
-        <a:buSzPct val="100000"/>
-        <a:buFont typeface="Arial"/>
+        <a:buFont typeface="Arial" panose="020B0604020202020204" pitchFamily="34" charset="0"/>
         <a:buChar char="•"/>
-        <a:defRPr sz="1200" kern="1200" cap="none">
+        <a:defRPr sz="1800" kern="1200">
           <a:solidFill>
             <a:schemeClr val="tx1"/>
           </a:solidFill>
-          <a:effectLst/>
           <a:latin typeface="+mn-lt"/>
           <a:ea typeface="+mn-ea"/>
           <a:cs typeface="+mn-cs"/>
         </a:defRPr>
       </a:lvl6pPr>
-      <a:lvl7pPr marL="2971800" indent="-228600" algn="l" defTabSz="457200" rtl="0" eaLnBrk="1" latinLnBrk="1" hangingPunct="1">
+      <a:lvl7pPr marL="2971800" indent="-228600" algn="l" defTabSz="914400" rtl="0" eaLnBrk="1" latinLnBrk="1" hangingPunct="1">
+        <a:lnSpc>
+          <a:spcPct val="90000"/>
+        </a:lnSpc>
         <a:spcBef>
-          <a:spcPts val="0"/>
+          <a:spcPts val="500"/>
         </a:spcBef>
-        <a:spcAft>
-          <a:spcPts val="1000"/>
-        </a:spcAft>
-        <a:buClr>
-          <a:schemeClr val="tx1"/>
-        </a:buClr>
-        <a:buSzPct val="100000"/>
-        <a:buFont typeface="Arial"/>
+        <a:buFont typeface="Arial" panose="020B0604020202020204" pitchFamily="34" charset="0"/>
         <a:buChar char="•"/>
-        <a:defRPr sz="1200" kern="1200" cap="none">
+        <a:defRPr sz="1800" kern="1200">
           <a:solidFill>
             <a:schemeClr val="tx1"/>
           </a:solidFill>
-          <a:effectLst/>
           <a:latin typeface="+mn-lt"/>
           <a:ea typeface="+mn-ea"/>
           <a:cs typeface="+mn-cs"/>
         </a:defRPr>
       </a:lvl7pPr>
-      <a:lvl8pPr marL="3429000" indent="-228600" algn="l" defTabSz="457200" rtl="0" eaLnBrk="1" latinLnBrk="1" hangingPunct="1">
+      <a:lvl8pPr marL="3429000" indent="-228600" algn="l" defTabSz="914400" rtl="0" eaLnBrk="1" latinLnBrk="1" hangingPunct="1">
+        <a:lnSpc>
+          <a:spcPct val="90000"/>
+        </a:lnSpc>
         <a:spcBef>
-          <a:spcPts val="0"/>
+          <a:spcPts val="500"/>
         </a:spcBef>
-        <a:spcAft>
-          <a:spcPts val="1000"/>
-        </a:spcAft>
-        <a:buClr>
-          <a:schemeClr val="tx1"/>
-        </a:buClr>
-        <a:buSzPct val="100000"/>
-        <a:buFont typeface="Arial"/>
+        <a:buFont typeface="Arial" panose="020B0604020202020204" pitchFamily="34" charset="0"/>
         <a:buChar char="•"/>
-        <a:defRPr sz="1200" kern="1200" cap="none">
+        <a:defRPr sz="1800" kern="1200">
           <a:solidFill>
             <a:schemeClr val="tx1"/>
           </a:solidFill>
-          <a:effectLst/>
           <a:latin typeface="+mn-lt"/>
           <a:ea typeface="+mn-ea"/>
           <a:cs typeface="+mn-cs"/>
         </a:defRPr>
       </a:lvl8pPr>
-      <a:lvl9pPr marL="3886200" indent="-228600" algn="l" defTabSz="457200" rtl="0" eaLnBrk="1" latinLnBrk="1" hangingPunct="1">
+      <a:lvl9pPr marL="3886200" indent="-228600" algn="l" defTabSz="914400" rtl="0" eaLnBrk="1" latinLnBrk="1" hangingPunct="1">
+        <a:lnSpc>
+          <a:spcPct val="90000"/>
+        </a:lnSpc>
         <a:spcBef>
-          <a:spcPts val="0"/>
+          <a:spcPts val="500"/>
         </a:spcBef>
-        <a:spcAft>
-          <a:spcPts val="1000"/>
-        </a:spcAft>
-        <a:buClr>
-          <a:schemeClr val="tx1"/>
-        </a:buClr>
-        <a:buSzPct val="100000"/>
-        <a:buFont typeface="Arial"/>
+        <a:buFont typeface="Arial" panose="020B0604020202020204" pitchFamily="34" charset="0"/>
         <a:buChar char="•"/>
-        <a:defRPr sz="1200" kern="1200" cap="none">
+        <a:defRPr sz="1800" kern="1200">
           <a:solidFill>
             <a:schemeClr val="tx1"/>
           </a:solidFill>
-          <a:effectLst/>
           <a:latin typeface="+mn-lt"/>
           <a:ea typeface="+mn-ea"/>
           <a:cs typeface="+mn-cs"/>
@@ -3127,9 +5240,9 @@
     </p:bodyStyle>
     <p:otherStyle>
       <a:defPPr>
-        <a:defRPr lang="en-US"/>
+        <a:defRPr lang="ko-KR"/>
       </a:defPPr>
-      <a:lvl1pPr marL="0" algn="l" defTabSz="457200" rtl="0" eaLnBrk="1" latinLnBrk="1" hangingPunct="1">
+      <a:lvl1pPr marL="0" algn="l" defTabSz="914400" rtl="0" eaLnBrk="1" latinLnBrk="1" hangingPunct="1">
         <a:defRPr sz="1800" kern="1200">
           <a:solidFill>
             <a:schemeClr val="tx1"/>
@@ -3139,7 +5252,7 @@
           <a:cs typeface="+mn-cs"/>
         </a:defRPr>
       </a:lvl1pPr>
-      <a:lvl2pPr marL="457200" algn="l" defTabSz="457200" rtl="0" eaLnBrk="1" latinLnBrk="1" hangingPunct="1">
+      <a:lvl2pPr marL="457200" algn="l" defTabSz="914400" rtl="0" eaLnBrk="1" latinLnBrk="1" hangingPunct="1">
         <a:defRPr sz="1800" kern="1200">
           <a:solidFill>
             <a:schemeClr val="tx1"/>
@@ -3149,7 +5262,7 @@
           <a:cs typeface="+mn-cs"/>
         </a:defRPr>
       </a:lvl2pPr>
-      <a:lvl3pPr marL="914400" algn="l" defTabSz="457200" rtl="0" eaLnBrk="1" latinLnBrk="1" hangingPunct="1">
+      <a:lvl3pPr marL="914400" algn="l" defTabSz="914400" rtl="0" eaLnBrk="1" latinLnBrk="1" hangingPunct="1">
         <a:defRPr sz="1800" kern="1200">
           <a:solidFill>
             <a:schemeClr val="tx1"/>
@@ -3159,7 +5272,7 @@
           <a:cs typeface="+mn-cs"/>
         </a:defRPr>
       </a:lvl3pPr>
-      <a:lvl4pPr marL="1371600" algn="l" defTabSz="457200" rtl="0" eaLnBrk="1" latinLnBrk="1" hangingPunct="1">
+      <a:lvl4pPr marL="1371600" algn="l" defTabSz="914400" rtl="0" eaLnBrk="1" latinLnBrk="1" hangingPunct="1">
         <a:defRPr sz="1800" kern="1200">
           <a:solidFill>
             <a:schemeClr val="tx1"/>
@@ -3169,7 +5282,7 @@
           <a:cs typeface="+mn-cs"/>
         </a:defRPr>
       </a:lvl4pPr>
-      <a:lvl5pPr marL="1828800" algn="l" defTabSz="457200" rtl="0" eaLnBrk="1" latinLnBrk="1" hangingPunct="1">
+      <a:lvl5pPr marL="1828800" algn="l" defTabSz="914400" rtl="0" eaLnBrk="1" latinLnBrk="1" hangingPunct="1">
         <a:defRPr sz="1800" kern="1200">
           <a:solidFill>
             <a:schemeClr val="tx1"/>
@@ -3179,7 +5292,7 @@
           <a:cs typeface="+mn-cs"/>
         </a:defRPr>
       </a:lvl5pPr>
-      <a:lvl6pPr marL="2286000" algn="l" defTabSz="457200" rtl="0" eaLnBrk="1" latinLnBrk="1" hangingPunct="1">
+      <a:lvl6pPr marL="2286000" algn="l" defTabSz="914400" rtl="0" eaLnBrk="1" latinLnBrk="1" hangingPunct="1">
         <a:defRPr sz="1800" kern="1200">
           <a:solidFill>
             <a:schemeClr val="tx1"/>
@@ -3189,7 +5302,7 @@
           <a:cs typeface="+mn-cs"/>
         </a:defRPr>
       </a:lvl6pPr>
-      <a:lvl7pPr marL="2743200" algn="l" defTabSz="457200" rtl="0" eaLnBrk="1" latinLnBrk="1" hangingPunct="1">
+      <a:lvl7pPr marL="2743200" algn="l" defTabSz="914400" rtl="0" eaLnBrk="1" latinLnBrk="1" hangingPunct="1">
         <a:defRPr sz="1800" kern="1200">
           <a:solidFill>
             <a:schemeClr val="tx1"/>
@@ -3199,7 +5312,7 @@
           <a:cs typeface="+mn-cs"/>
         </a:defRPr>
       </a:lvl7pPr>
-      <a:lvl8pPr marL="3200400" algn="l" defTabSz="457200" rtl="0" eaLnBrk="1" latinLnBrk="1" hangingPunct="1">
+      <a:lvl8pPr marL="3200400" algn="l" defTabSz="914400" rtl="0" eaLnBrk="1" latinLnBrk="1" hangingPunct="1">
         <a:defRPr sz="1800" kern="1200">
           <a:solidFill>
             <a:schemeClr val="tx1"/>
@@ -3209,7 +5322,7 @@
           <a:cs typeface="+mn-cs"/>
         </a:defRPr>
       </a:lvl8pPr>
-      <a:lvl9pPr marL="3657600" algn="l" defTabSz="457200" rtl="0" eaLnBrk="1" latinLnBrk="1" hangingPunct="1">
+      <a:lvl9pPr marL="3657600" algn="l" defTabSz="914400" rtl="0" eaLnBrk="1" latinLnBrk="1" hangingPunct="1">
         <a:defRPr sz="1800" kern="1200">
           <a:solidFill>
             <a:schemeClr val="tx1"/>
@@ -3224,10 +5337,1351 @@
 </p:sldMaster>
 </file>
 
+<file path=ppt/slides/slide1.xml><?xml version="1.0" encoding="utf-8"?>
+<p:sld xmlns:a="http://schemas.openxmlformats.org/drawingml/2006/main" xmlns:r="http://schemas.openxmlformats.org/officeDocument/2006/relationships" xmlns:p="http://schemas.openxmlformats.org/presentationml/2006/main">
+  <p:cSld>
+    <p:spTree>
+      <p:nvGrpSpPr>
+        <p:cNvPr id="1" name=""/>
+        <p:cNvGrpSpPr/>
+        <p:nvPr/>
+      </p:nvGrpSpPr>
+      <p:grpSpPr>
+        <a:xfrm>
+          <a:off x="0" y="0"/>
+          <a:ext cx="0" cy="0"/>
+          <a:chOff x="0" y="0"/>
+          <a:chExt cx="0" cy="0"/>
+        </a:xfrm>
+      </p:grpSpPr>
+      <p:sp>
+        <p:nvSpPr>
+          <p:cNvPr id="2" name="title">
+            <a:extLst>
+              <a:ext uri="{FF2B5EF4-FFF2-40B4-BE49-F238E27FC236}">
+                <a16:creationId xmlns:a16="http://schemas.microsoft.com/office/drawing/2014/main" id="{0C293CF6-1B32-AD4E-AAB0-94AE39EB1C84}"/>
+              </a:ext>
+            </a:extLst>
+          </p:cNvPr>
+          <p:cNvSpPr>
+            <a:spLocks noGrp="1"/>
+          </p:cNvSpPr>
+          <p:nvPr>
+            <p:ph type="ctrTitle"/>
+          </p:nvPr>
+        </p:nvSpPr>
+        <p:spPr>
+          <a:xfrm>
+            <a:off x="1238250" y="1331683"/>
+            <a:ext cx="7429500" cy="1719989"/>
+          </a:xfrm>
+        </p:spPr>
+        <p:txBody>
+          <a:bodyPr>
+            <a:normAutofit/>
+          </a:bodyPr>
+          <a:lstStyle/>
+          <a:p>
+            <a:r>
+              <a:rPr kumimoji="1" lang="en-US" altLang="ko-KR" sz="5400" dirty="0">
+                <a:solidFill>
+                  <a:srgbClr val="7030A0"/>
+                </a:solidFill>
+              </a:rPr>
+              <a:t>Title</a:t>
+            </a:r>
+            <a:endParaRPr kumimoji="1" lang="ko-KR" altLang="en-US" sz="5400" dirty="0">
+              <a:solidFill>
+                <a:srgbClr val="7030A0"/>
+              </a:solidFill>
+            </a:endParaRPr>
+          </a:p>
+        </p:txBody>
+      </p:sp>
+      <p:sp>
+        <p:nvSpPr>
+          <p:cNvPr id="3" name="subtitle">
+            <a:extLst>
+              <a:ext uri="{FF2B5EF4-FFF2-40B4-BE49-F238E27FC236}">
+                <a16:creationId xmlns:a16="http://schemas.microsoft.com/office/drawing/2014/main" id="{26D683C6-3AE0-C347-B2B1-ED8847C9CC76}"/>
+              </a:ext>
+            </a:extLst>
+          </p:cNvPr>
+          <p:cNvSpPr>
+            <a:spLocks noGrp="1"/>
+          </p:cNvSpPr>
+          <p:nvPr>
+            <p:ph type="subTitle" idx="1"/>
+          </p:nvPr>
+        </p:nvSpPr>
+        <p:spPr>
+          <a:xfrm>
+            <a:off x="1238250" y="3304583"/>
+            <a:ext cx="7429500" cy="1655762"/>
+          </a:xfrm>
+        </p:spPr>
+        <p:txBody>
+          <a:bodyPr/>
+          <a:lstStyle/>
+          <a:p>
+            <a:r>
+              <a:rPr kumimoji="1" lang="en-US" altLang="ko-KR" dirty="0">
+                <a:solidFill>
+                  <a:srgbClr val="9437FF"/>
+                </a:solidFill>
+              </a:rPr>
+              <a:t>subtitle</a:t>
+            </a:r>
+            <a:endParaRPr kumimoji="1" lang="ko-KR" altLang="en-US" dirty="0">
+              <a:solidFill>
+                <a:srgbClr val="9437FF"/>
+              </a:solidFill>
+            </a:endParaRPr>
+          </a:p>
+        </p:txBody>
+      </p:sp>
+    </p:spTree>
+    <p:extLst>
+      <p:ext uri="{BB962C8B-B14F-4D97-AF65-F5344CB8AC3E}">
+        <p14:creationId xmlns:p14="http://schemas.microsoft.com/office/powerpoint/2010/main" val="2947642252"/>
+      </p:ext>
+    </p:extLst>
+  </p:cSld>
+  <p:clrMapOvr>
+    <a:masterClrMapping/>
+  </p:clrMapOvr>
+</p:sld>
+</file>
+
+<file path=ppt/slides/slide2.xml><?xml version="1.0" encoding="utf-8"?>
+<p:sld xmlns:a="http://schemas.openxmlformats.org/drawingml/2006/main" xmlns:r="http://schemas.openxmlformats.org/officeDocument/2006/relationships" xmlns:p="http://schemas.openxmlformats.org/presentationml/2006/main">
+  <p:cSld>
+    <p:spTree>
+      <p:nvGrpSpPr>
+        <p:cNvPr id="1" name=""/>
+        <p:cNvGrpSpPr/>
+        <p:nvPr/>
+      </p:nvGrpSpPr>
+      <p:grpSpPr>
+        <a:xfrm>
+          <a:off x="0" y="0"/>
+          <a:ext cx="0" cy="0"/>
+          <a:chOff x="0" y="0"/>
+          <a:chExt cx="0" cy="0"/>
+        </a:xfrm>
+      </p:grpSpPr>
+      <p:sp>
+        <p:nvSpPr>
+          <p:cNvPr id="2" name="title">
+            <a:extLst>
+              <a:ext uri="{FF2B5EF4-FFF2-40B4-BE49-F238E27FC236}">
+                <a16:creationId xmlns:a16="http://schemas.microsoft.com/office/drawing/2014/main" id="{C732E4B3-53B6-D445-BE5C-3131A0D27351}"/>
+              </a:ext>
+            </a:extLst>
+          </p:cNvPr>
+          <p:cNvSpPr>
+            <a:spLocks noGrp="1"/>
+          </p:cNvSpPr>
+          <p:nvPr>
+            <p:ph type="title"/>
+          </p:nvPr>
+        </p:nvSpPr>
+        <p:spPr/>
+        <p:txBody>
+          <a:bodyPr/>
+          <a:lstStyle/>
+          <a:p>
+            <a:r>
+              <a:rPr kumimoji="1" lang="en-US" altLang="ko-KR" dirty="0"/>
+              <a:t>Title</a:t>
+            </a:r>
+            <a:endParaRPr kumimoji="1" lang="ko-KR" altLang="en-US" dirty="0"/>
+          </a:p>
+        </p:txBody>
+      </p:sp>
+      <p:graphicFrame>
+        <p:nvGraphicFramePr>
+          <p:cNvPr id="4" name="table">
+            <a:extLst>
+              <a:ext uri="{FF2B5EF4-FFF2-40B4-BE49-F238E27FC236}">
+                <a16:creationId xmlns:a16="http://schemas.microsoft.com/office/drawing/2014/main" id="{94171357-7255-0946-A8F4-F62FECF7F297}"/>
+              </a:ext>
+            </a:extLst>
+          </p:cNvPr>
+          <p:cNvGraphicFramePr>
+            <a:graphicFrameLocks noGrp="1"/>
+          </p:cNvGraphicFramePr>
+          <p:nvPr>
+            <p:extLst>
+              <p:ext uri="{D42A27DB-BD31-4B8C-83A1-F6EECF244321}">
+                <p14:modId xmlns:p14="http://schemas.microsoft.com/office/powerpoint/2010/main" val="1622301723"/>
+              </p:ext>
+            </p:extLst>
+          </p:nvPr>
+        </p:nvGraphicFramePr>
+        <p:xfrm>
+          <a:off x="681037" y="1888678"/>
+          <a:ext cx="8543928" cy="3818062"/>
+        </p:xfrm>
+        <a:graphic>
+          <a:graphicData uri="http://schemas.openxmlformats.org/drawingml/2006/table">
+            <a:tbl>
+              <a:tblPr firstRow="1" bandRow="1">
+                <a:tableStyleId>{5C22544A-7EE6-4342-B048-85BDC9FD1C3A}</a:tableStyleId>
+              </a:tblPr>
+              <a:tblGrid>
+                <a:gridCol w="1456235">
+                  <a:extLst>
+                    <a:ext uri="{9D8B030D-6E8A-4147-A177-3AD203B41FA5}">
+                      <a16:colId xmlns:a16="http://schemas.microsoft.com/office/drawing/2014/main" val="19942201"/>
+                    </a:ext>
+                  </a:extLst>
+                </a:gridCol>
+                <a:gridCol w="1013552">
+                  <a:extLst>
+                    <a:ext uri="{9D8B030D-6E8A-4147-A177-3AD203B41FA5}">
+                      <a16:colId xmlns:a16="http://schemas.microsoft.com/office/drawing/2014/main" val="347194206"/>
+                    </a:ext>
+                  </a:extLst>
+                </a:gridCol>
+                <a:gridCol w="3976597">
+                  <a:extLst>
+                    <a:ext uri="{9D8B030D-6E8A-4147-A177-3AD203B41FA5}">
+                      <a16:colId xmlns:a16="http://schemas.microsoft.com/office/drawing/2014/main" val="3211218339"/>
+                    </a:ext>
+                  </a:extLst>
+                </a:gridCol>
+                <a:gridCol w="2097544">
+                  <a:extLst>
+                    <a:ext uri="{9D8B030D-6E8A-4147-A177-3AD203B41FA5}">
+                      <a16:colId xmlns:a16="http://schemas.microsoft.com/office/drawing/2014/main" val="1963548629"/>
+                    </a:ext>
+                  </a:extLst>
+                </a:gridCol>
+              </a:tblGrid>
+              <a:tr h="678252">
+                <a:tc>
+                  <a:txBody>
+                    <a:bodyPr/>
+                    <a:lstStyle/>
+                    <a:p>
+                      <a:pPr algn="ctr" latinLnBrk="1"/>
+                      <a:r>
+                        <a:rPr lang="en-US" altLang="ko-KR" dirty="0"/>
+                        <a:t>header1</a:t>
+                      </a:r>
+                      <a:endParaRPr lang="ko-KR" altLang="en-US" dirty="0"/>
+                    </a:p>
+                  </a:txBody>
+                  <a:tcPr anchor="ctr"/>
+                </a:tc>
+                <a:tc>
+                  <a:txBody>
+                    <a:bodyPr/>
+                    <a:lstStyle/>
+                    <a:p>
+                      <a:pPr algn="ctr" latinLnBrk="1"/>
+                      <a:r>
+                        <a:rPr lang="en-US" altLang="ko-KR" dirty="0"/>
+                        <a:t>:P</a:t>
+                      </a:r>
+                      <a:endParaRPr lang="ko-KR" altLang="en-US" dirty="0"/>
+                    </a:p>
+                  </a:txBody>
+                  <a:tcPr anchor="ctr"/>
+                </a:tc>
+                <a:tc>
+                  <a:txBody>
+                    <a:bodyPr/>
+                    <a:lstStyle/>
+                    <a:p>
+                      <a:pPr algn="ctr" latinLnBrk="1"/>
+                      <a:r>
+                        <a:rPr lang="en-US" altLang="ko-KR" dirty="0"/>
+                        <a:t>header3</a:t>
+                      </a:r>
+                      <a:endParaRPr lang="ko-KR" altLang="en-US" dirty="0"/>
+                    </a:p>
+                  </a:txBody>
+                  <a:tcPr anchor="ctr"/>
+                </a:tc>
+                <a:tc>
+                  <a:txBody>
+                    <a:bodyPr/>
+                    <a:lstStyle/>
+                    <a:p>
+                      <a:pPr algn="ctr" latinLnBrk="1"/>
+                      <a:r>
+                        <a:rPr lang="en-US" altLang="ko-KR" dirty="0"/>
+                        <a:t>:}</a:t>
+                      </a:r>
+                      <a:endParaRPr lang="ko-KR" altLang="en-US" dirty="0"/>
+                    </a:p>
+                  </a:txBody>
+                  <a:tcPr anchor="ctr"/>
+                </a:tc>
+                <a:extLst>
+                  <a:ext uri="{0D108BD9-81ED-4DB2-BD59-A6C34878D82A}">
+                    <a16:rowId xmlns:a16="http://schemas.microsoft.com/office/drawing/2014/main" val="2947286879"/>
+                  </a:ext>
+                </a:extLst>
+              </a:tr>
+              <a:tr h="627962">
+                <a:tc>
+                  <a:txBody>
+                    <a:bodyPr/>
+                    <a:lstStyle/>
+                    <a:p>
+                      <a:pPr algn="ctr" latinLnBrk="1"/>
+                      <a:r>
+                        <a:rPr lang="en-US" altLang="ko-KR" sz="1600" dirty="0"/>
+                        <a:t>Mock</a:t>
+                      </a:r>
+                      <a:endParaRPr lang="ko-KR" altLang="en-US" sz="1600" dirty="0"/>
+                    </a:p>
+                  </a:txBody>
+                  <a:tcPr anchor="ctr"/>
+                </a:tc>
+                <a:tc>
+                  <a:txBody>
+                    <a:bodyPr/>
+                    <a:lstStyle/>
+                    <a:p>
+                      <a:pPr algn="ctr" latinLnBrk="1"/>
+                      <a:r>
+                        <a:rPr lang="en-US" altLang="ko-KR" sz="1400" b="1" u="sng" dirty="0"/>
+                        <a:t>Mock</a:t>
+                      </a:r>
+                      <a:endParaRPr lang="ko-KR" altLang="en-US" sz="1400" b="1" u="sng" dirty="0"/>
+                    </a:p>
+                  </a:txBody>
+                  <a:tcPr anchor="ctr"/>
+                </a:tc>
+                <a:tc>
+                  <a:txBody>
+                    <a:bodyPr/>
+                    <a:lstStyle/>
+                    <a:p>
+                      <a:pPr algn="ctr" latinLnBrk="1"/>
+                      <a:r>
+                        <a:rPr lang="en-US" altLang="ko-KR" sz="1600" i="1" dirty="0">
+                          <a:solidFill>
+                            <a:srgbClr val="0070C0"/>
+                          </a:solidFill>
+                        </a:rPr>
+                        <a:t>Mock</a:t>
+                      </a:r>
+                      <a:endParaRPr lang="ko-KR" altLang="en-US" sz="1600" i="1" dirty="0">
+                        <a:solidFill>
+                          <a:srgbClr val="0070C0"/>
+                        </a:solidFill>
+                      </a:endParaRPr>
+                    </a:p>
+                  </a:txBody>
+                  <a:tcPr anchor="ctr"/>
+                </a:tc>
+                <a:tc>
+                  <a:txBody>
+                    <a:bodyPr/>
+                    <a:lstStyle/>
+                    <a:p>
+                      <a:pPr algn="ctr" latinLnBrk="1"/>
+                      <a:r>
+                        <a:rPr lang="en-US" altLang="ko-KR" sz="1200" dirty="0"/>
+                        <a:t>Mock</a:t>
+                      </a:r>
+                      <a:endParaRPr lang="ko-KR" altLang="en-US" sz="1200" dirty="0"/>
+                    </a:p>
+                  </a:txBody>
+                  <a:tcPr anchor="ctr"/>
+                </a:tc>
+                <a:extLst>
+                  <a:ext uri="{0D108BD9-81ED-4DB2-BD59-A6C34878D82A}">
+                    <a16:rowId xmlns:a16="http://schemas.microsoft.com/office/drawing/2014/main" val="709781390"/>
+                  </a:ext>
+                </a:extLst>
+              </a:tr>
+              <a:tr h="627962">
+                <a:tc>
+                  <a:txBody>
+                    <a:bodyPr/>
+                    <a:lstStyle/>
+                    <a:p>
+                      <a:pPr algn="ctr" latinLnBrk="1"/>
+                      <a:r>
+                        <a:rPr lang="en-US" altLang="ko-KR" sz="1600" dirty="0"/>
+                        <a:t>Mock</a:t>
+                      </a:r>
+                      <a:endParaRPr lang="ko-KR" altLang="en-US" sz="1600" dirty="0"/>
+                    </a:p>
+                  </a:txBody>
+                  <a:tcPr anchor="ctr"/>
+                </a:tc>
+                <a:tc>
+                  <a:txBody>
+                    <a:bodyPr/>
+                    <a:lstStyle/>
+                    <a:p>
+                      <a:pPr algn="ctr" latinLnBrk="1"/>
+                      <a:r>
+                        <a:rPr lang="en-US" altLang="ko-KR" sz="1400" b="1" u="sng" dirty="0"/>
+                        <a:t>Mock</a:t>
+                      </a:r>
+                      <a:endParaRPr lang="ko-KR" altLang="en-US" sz="1400" b="1" u="sng" dirty="0"/>
+                    </a:p>
+                  </a:txBody>
+                  <a:tcPr anchor="ctr"/>
+                </a:tc>
+                <a:tc>
+                  <a:txBody>
+                    <a:bodyPr/>
+                    <a:lstStyle/>
+                    <a:p>
+                      <a:pPr algn="ctr" latinLnBrk="1"/>
+                      <a:r>
+                        <a:rPr lang="en-US" altLang="ko-KR" sz="1600" i="1" dirty="0">
+                          <a:solidFill>
+                            <a:srgbClr val="0070C0"/>
+                          </a:solidFill>
+                        </a:rPr>
+                        <a:t>Mock</a:t>
+                      </a:r>
+                      <a:endParaRPr lang="ko-KR" altLang="en-US" sz="1600" i="1" dirty="0">
+                        <a:solidFill>
+                          <a:srgbClr val="0070C0"/>
+                        </a:solidFill>
+                      </a:endParaRPr>
+                    </a:p>
+                  </a:txBody>
+                  <a:tcPr anchor="ctr"/>
+                </a:tc>
+                <a:tc>
+                  <a:txBody>
+                    <a:bodyPr/>
+                    <a:lstStyle/>
+                    <a:p>
+                      <a:pPr algn="ctr" latinLnBrk="1"/>
+                      <a:r>
+                        <a:rPr lang="en-US" altLang="ko-KR" sz="1200" dirty="0"/>
+                        <a:t>Mock</a:t>
+                      </a:r>
+                      <a:endParaRPr lang="ko-KR" altLang="en-US" sz="1200" dirty="0"/>
+                    </a:p>
+                  </a:txBody>
+                  <a:tcPr anchor="ctr"/>
+                </a:tc>
+                <a:extLst>
+                  <a:ext uri="{0D108BD9-81ED-4DB2-BD59-A6C34878D82A}">
+                    <a16:rowId xmlns:a16="http://schemas.microsoft.com/office/drawing/2014/main" val="2662611536"/>
+                  </a:ext>
+                </a:extLst>
+              </a:tr>
+              <a:tr h="627962">
+                <a:tc>
+                  <a:txBody>
+                    <a:bodyPr/>
+                    <a:lstStyle/>
+                    <a:p>
+                      <a:pPr algn="ctr" latinLnBrk="1"/>
+                      <a:r>
+                        <a:rPr lang="en-US" altLang="ko-KR" sz="1600" dirty="0"/>
+                        <a:t>Mock</a:t>
+                      </a:r>
+                      <a:endParaRPr lang="ko-KR" altLang="en-US" sz="1600" dirty="0"/>
+                    </a:p>
+                  </a:txBody>
+                  <a:tcPr anchor="ctr"/>
+                </a:tc>
+                <a:tc>
+                  <a:txBody>
+                    <a:bodyPr/>
+                    <a:lstStyle/>
+                    <a:p>
+                      <a:pPr algn="ctr" latinLnBrk="1"/>
+                      <a:r>
+                        <a:rPr lang="en-US" altLang="ko-KR" sz="1400" b="1" u="sng" dirty="0"/>
+                        <a:t>Mock</a:t>
+                      </a:r>
+                      <a:endParaRPr lang="ko-KR" altLang="en-US" sz="1400" b="1" u="sng" dirty="0"/>
+                    </a:p>
+                  </a:txBody>
+                  <a:tcPr anchor="ctr"/>
+                </a:tc>
+                <a:tc>
+                  <a:txBody>
+                    <a:bodyPr/>
+                    <a:lstStyle/>
+                    <a:p>
+                      <a:pPr algn="ctr" latinLnBrk="1"/>
+                      <a:r>
+                        <a:rPr lang="en-US" altLang="ko-KR" sz="1600" i="1" dirty="0">
+                          <a:solidFill>
+                            <a:srgbClr val="0070C0"/>
+                          </a:solidFill>
+                        </a:rPr>
+                        <a:t>Mock</a:t>
+                      </a:r>
+                      <a:endParaRPr lang="ko-KR" altLang="en-US" sz="1600" i="1" dirty="0">
+                        <a:solidFill>
+                          <a:srgbClr val="0070C0"/>
+                        </a:solidFill>
+                      </a:endParaRPr>
+                    </a:p>
+                  </a:txBody>
+                  <a:tcPr anchor="ctr"/>
+                </a:tc>
+                <a:tc>
+                  <a:txBody>
+                    <a:bodyPr/>
+                    <a:lstStyle/>
+                    <a:p>
+                      <a:pPr algn="ctr" latinLnBrk="1"/>
+                      <a:r>
+                        <a:rPr lang="en-US" altLang="ko-KR" sz="1200" dirty="0"/>
+                        <a:t>Mock</a:t>
+                      </a:r>
+                      <a:endParaRPr lang="ko-KR" altLang="en-US" sz="1200" dirty="0"/>
+                    </a:p>
+                  </a:txBody>
+                  <a:tcPr anchor="ctr"/>
+                </a:tc>
+                <a:extLst>
+                  <a:ext uri="{0D108BD9-81ED-4DB2-BD59-A6C34878D82A}">
+                    <a16:rowId xmlns:a16="http://schemas.microsoft.com/office/drawing/2014/main" val="3377572411"/>
+                  </a:ext>
+                </a:extLst>
+              </a:tr>
+              <a:tr h="627962">
+                <a:tc>
+                  <a:txBody>
+                    <a:bodyPr/>
+                    <a:lstStyle/>
+                    <a:p>
+                      <a:pPr algn="ctr" latinLnBrk="1"/>
+                      <a:r>
+                        <a:rPr lang="en-US" altLang="ko-KR" sz="1600" dirty="0"/>
+                        <a:t>Mock</a:t>
+                      </a:r>
+                      <a:endParaRPr lang="ko-KR" altLang="en-US" sz="1600" dirty="0"/>
+                    </a:p>
+                  </a:txBody>
+                  <a:tcPr anchor="ctr"/>
+                </a:tc>
+                <a:tc>
+                  <a:txBody>
+                    <a:bodyPr/>
+                    <a:lstStyle/>
+                    <a:p>
+                      <a:pPr algn="ctr" latinLnBrk="1"/>
+                      <a:r>
+                        <a:rPr lang="en-US" altLang="ko-KR" sz="1400" b="1" u="sng" dirty="0"/>
+                        <a:t>Mock</a:t>
+                      </a:r>
+                      <a:endParaRPr lang="ko-KR" altLang="en-US" sz="1400" b="1" u="sng" dirty="0"/>
+                    </a:p>
+                  </a:txBody>
+                  <a:tcPr anchor="ctr"/>
+                </a:tc>
+                <a:tc>
+                  <a:txBody>
+                    <a:bodyPr/>
+                    <a:lstStyle/>
+                    <a:p>
+                      <a:pPr algn="ctr" latinLnBrk="1"/>
+                      <a:r>
+                        <a:rPr lang="en-US" altLang="ko-KR" sz="1600" i="1" dirty="0">
+                          <a:solidFill>
+                            <a:srgbClr val="0070C0"/>
+                          </a:solidFill>
+                        </a:rPr>
+                        <a:t>Mock</a:t>
+                      </a:r>
+                      <a:endParaRPr lang="ko-KR" altLang="en-US" sz="1600" i="1" dirty="0">
+                        <a:solidFill>
+                          <a:srgbClr val="0070C0"/>
+                        </a:solidFill>
+                      </a:endParaRPr>
+                    </a:p>
+                  </a:txBody>
+                  <a:tcPr anchor="ctr"/>
+                </a:tc>
+                <a:tc>
+                  <a:txBody>
+                    <a:bodyPr/>
+                    <a:lstStyle/>
+                    <a:p>
+                      <a:pPr algn="ctr" latinLnBrk="1"/>
+                      <a:r>
+                        <a:rPr lang="en-US" altLang="ko-KR" sz="1200" dirty="0"/>
+                        <a:t>Mock</a:t>
+                      </a:r>
+                      <a:endParaRPr lang="ko-KR" altLang="en-US" sz="1200" dirty="0"/>
+                    </a:p>
+                  </a:txBody>
+                  <a:tcPr anchor="ctr"/>
+                </a:tc>
+                <a:extLst>
+                  <a:ext uri="{0D108BD9-81ED-4DB2-BD59-A6C34878D82A}">
+                    <a16:rowId xmlns:a16="http://schemas.microsoft.com/office/drawing/2014/main" val="3688311878"/>
+                  </a:ext>
+                </a:extLst>
+              </a:tr>
+              <a:tr h="627962">
+                <a:tc>
+                  <a:txBody>
+                    <a:bodyPr/>
+                    <a:lstStyle/>
+                    <a:p>
+                      <a:pPr algn="ctr" latinLnBrk="1"/>
+                      <a:r>
+                        <a:rPr lang="en-US" altLang="ko-KR" sz="1600" dirty="0"/>
+                        <a:t>Mock</a:t>
+                      </a:r>
+                      <a:endParaRPr lang="ko-KR" altLang="en-US" sz="1600" dirty="0"/>
+                    </a:p>
+                  </a:txBody>
+                  <a:tcPr anchor="ctr"/>
+                </a:tc>
+                <a:tc>
+                  <a:txBody>
+                    <a:bodyPr/>
+                    <a:lstStyle/>
+                    <a:p>
+                      <a:pPr algn="ctr" latinLnBrk="1"/>
+                      <a:r>
+                        <a:rPr lang="en-US" altLang="ko-KR" sz="1400" b="1" u="sng" dirty="0"/>
+                        <a:t>Mock</a:t>
+                      </a:r>
+                      <a:endParaRPr lang="ko-KR" altLang="en-US" sz="1400" b="1" u="sng" dirty="0"/>
+                    </a:p>
+                  </a:txBody>
+                  <a:tcPr anchor="ctr"/>
+                </a:tc>
+                <a:tc>
+                  <a:txBody>
+                    <a:bodyPr/>
+                    <a:lstStyle/>
+                    <a:p>
+                      <a:pPr algn="ctr" latinLnBrk="1"/>
+                      <a:r>
+                        <a:rPr lang="en-US" altLang="ko-KR" sz="1600" i="1" dirty="0">
+                          <a:solidFill>
+                            <a:srgbClr val="0070C0"/>
+                          </a:solidFill>
+                        </a:rPr>
+                        <a:t>Mock</a:t>
+                      </a:r>
+                      <a:endParaRPr lang="ko-KR" altLang="en-US" sz="1600" i="1" dirty="0">
+                        <a:solidFill>
+                          <a:srgbClr val="0070C0"/>
+                        </a:solidFill>
+                      </a:endParaRPr>
+                    </a:p>
+                  </a:txBody>
+                  <a:tcPr anchor="ctr"/>
+                </a:tc>
+                <a:tc>
+                  <a:txBody>
+                    <a:bodyPr/>
+                    <a:lstStyle/>
+                    <a:p>
+                      <a:pPr algn="ctr" latinLnBrk="1"/>
+                      <a:r>
+                        <a:rPr lang="en-US" altLang="ko-KR" sz="1200" dirty="0"/>
+                        <a:t>Mock</a:t>
+                      </a:r>
+                      <a:endParaRPr lang="ko-KR" altLang="en-US" sz="1200" dirty="0"/>
+                    </a:p>
+                  </a:txBody>
+                  <a:tcPr anchor="ctr"/>
+                </a:tc>
+                <a:extLst>
+                  <a:ext uri="{0D108BD9-81ED-4DB2-BD59-A6C34878D82A}">
+                    <a16:rowId xmlns:a16="http://schemas.microsoft.com/office/drawing/2014/main" val="865556764"/>
+                  </a:ext>
+                </a:extLst>
+              </a:tr>
+            </a:tbl>
+          </a:graphicData>
+        </a:graphic>
+      </p:graphicFrame>
+    </p:spTree>
+    <p:extLst>
+      <p:ext uri="{BB962C8B-B14F-4D97-AF65-F5344CB8AC3E}">
+        <p14:creationId xmlns:p14="http://schemas.microsoft.com/office/powerpoint/2010/main" val="2878263749"/>
+      </p:ext>
+    </p:extLst>
+  </p:cSld>
+  <p:clrMapOvr>
+    <a:masterClrMapping/>
+  </p:clrMapOvr>
+</p:sld>
+</file>
+
+<file path=ppt/slides/slide3.xml><?xml version="1.0" encoding="utf-8"?>
+<p:sld xmlns:a="http://schemas.openxmlformats.org/drawingml/2006/main" xmlns:r="http://schemas.openxmlformats.org/officeDocument/2006/relationships" xmlns:p="http://schemas.openxmlformats.org/presentationml/2006/main">
+  <p:cSld>
+    <p:spTree>
+      <p:nvGrpSpPr>
+        <p:cNvPr id="1" name=""/>
+        <p:cNvGrpSpPr/>
+        <p:nvPr/>
+      </p:nvGrpSpPr>
+      <p:grpSpPr>
+        <a:xfrm>
+          <a:off x="0" y="0"/>
+          <a:ext cx="0" cy="0"/>
+          <a:chOff x="0" y="0"/>
+          <a:chExt cx="0" cy="0"/>
+        </a:xfrm>
+      </p:grpSpPr>
+      <p:sp>
+        <p:nvSpPr>
+          <p:cNvPr id="2" name="title">
+            <a:extLst>
+              <a:ext uri="{FF2B5EF4-FFF2-40B4-BE49-F238E27FC236}">
+                <a16:creationId xmlns:a16="http://schemas.microsoft.com/office/drawing/2014/main" id="{C732E4B3-53B6-D445-BE5C-3131A0D27351}"/>
+              </a:ext>
+            </a:extLst>
+          </p:cNvPr>
+          <p:cNvSpPr>
+            <a:spLocks noGrp="1"/>
+          </p:cNvSpPr>
+          <p:nvPr>
+            <p:ph type="title"/>
+          </p:nvPr>
+        </p:nvSpPr>
+        <p:spPr/>
+        <p:txBody>
+          <a:bodyPr/>
+          <a:lstStyle/>
+          <a:p>
+            <a:r>
+              <a:rPr kumimoji="1" lang="en-US" altLang="ko-KR" u="sng" dirty="0"/>
+              <a:t>Title</a:t>
+            </a:r>
+            <a:endParaRPr kumimoji="1" lang="ko-KR" altLang="en-US" u="sng" dirty="0"/>
+          </a:p>
+        </p:txBody>
+      </p:sp>
+      <p:graphicFrame>
+        <p:nvGraphicFramePr>
+          <p:cNvPr id="3" name="chart">
+            <a:extLst>
+              <a:ext uri="{FF2B5EF4-FFF2-40B4-BE49-F238E27FC236}">
+                <a16:creationId xmlns:a16="http://schemas.microsoft.com/office/drawing/2014/main" id="{139B4430-0FCE-4840-B87E-C19276501070}"/>
+              </a:ext>
+            </a:extLst>
+          </p:cNvPr>
+          <p:cNvGraphicFramePr/>
+          <p:nvPr>
+            <p:extLst>
+              <p:ext uri="{D42A27DB-BD31-4B8C-83A1-F6EECF244321}">
+                <p14:modId xmlns:p14="http://schemas.microsoft.com/office/powerpoint/2010/main" val="1784913531"/>
+              </p:ext>
+            </p:extLst>
+          </p:nvPr>
+        </p:nvGraphicFramePr>
+        <p:xfrm>
+          <a:off x="681037" y="1937959"/>
+          <a:ext cx="8543925" cy="4402667"/>
+        </p:xfrm>
+        <a:graphic>
+          <a:graphicData uri="http://schemas.openxmlformats.org/drawingml/2006/chart">
+            <c:chart xmlns:c="http://schemas.openxmlformats.org/drawingml/2006/chart" xmlns:r="http://schemas.openxmlformats.org/officeDocument/2006/relationships" r:id="rId2"/>
+          </a:graphicData>
+        </a:graphic>
+      </p:graphicFrame>
+    </p:spTree>
+    <p:extLst>
+      <p:ext uri="{BB962C8B-B14F-4D97-AF65-F5344CB8AC3E}">
+        <p14:creationId xmlns:p14="http://schemas.microsoft.com/office/powerpoint/2010/main" val="2643153718"/>
+      </p:ext>
+    </p:extLst>
+  </p:cSld>
+  <p:clrMapOvr>
+    <a:masterClrMapping/>
+  </p:clrMapOvr>
+</p:sld>
+</file>
+
+<file path=ppt/slides/slide4.xml><?xml version="1.0" encoding="utf-8"?>
+<p:sld xmlns:a="http://schemas.openxmlformats.org/drawingml/2006/main" xmlns:r="http://schemas.openxmlformats.org/officeDocument/2006/relationships" xmlns:p="http://schemas.openxmlformats.org/presentationml/2006/main">
+  <p:cSld>
+    <p:spTree>
+      <p:nvGrpSpPr>
+        <p:cNvPr id="1" name=""/>
+        <p:cNvGrpSpPr/>
+        <p:nvPr/>
+      </p:nvGrpSpPr>
+      <p:grpSpPr>
+        <a:xfrm>
+          <a:off x="0" y="0"/>
+          <a:ext cx="0" cy="0"/>
+          <a:chOff x="0" y="0"/>
+          <a:chExt cx="0" cy="0"/>
+        </a:xfrm>
+      </p:grpSpPr>
+      <p:sp>
+        <p:nvSpPr>
+          <p:cNvPr id="9" name="text_bg">
+            <a:extLst>
+              <a:ext uri="{FF2B5EF4-FFF2-40B4-BE49-F238E27FC236}">
+                <a16:creationId xmlns:a16="http://schemas.microsoft.com/office/drawing/2014/main" id="{0F64F710-C798-B143-A026-7CE6625DDC3C}"/>
+              </a:ext>
+            </a:extLst>
+          </p:cNvPr>
+          <p:cNvSpPr/>
+          <p:nvPr/>
+        </p:nvSpPr>
+        <p:spPr>
+          <a:xfrm>
+            <a:off x="664708" y="4947557"/>
+            <a:ext cx="8609241" cy="1665514"/>
+          </a:xfrm>
+          <a:prstGeom prst="rect">
+            <a:avLst/>
+          </a:prstGeom>
+          <a:solidFill>
+            <a:schemeClr val="accent1">
+              <a:lumMod val="20000"/>
+              <a:lumOff val="80000"/>
+            </a:schemeClr>
+          </a:solidFill>
+          <a:ln>
+            <a:noFill/>
+          </a:ln>
+        </p:spPr>
+        <p:style>
+          <a:lnRef idx="2">
+            <a:schemeClr val="accent1">
+              <a:shade val="50000"/>
+            </a:schemeClr>
+          </a:lnRef>
+          <a:fillRef idx="1">
+            <a:schemeClr val="accent1"/>
+          </a:fillRef>
+          <a:effectRef idx="0">
+            <a:schemeClr val="accent1"/>
+          </a:effectRef>
+          <a:fontRef idx="minor">
+            <a:schemeClr val="lt1"/>
+          </a:fontRef>
+        </p:style>
+        <p:txBody>
+          <a:bodyPr rtlCol="0" anchor="ctr"/>
+          <a:lstStyle/>
+          <a:p>
+            <a:pPr algn="ctr"/>
+            <a:endParaRPr kumimoji="1" lang="ko-KR" altLang="en-US"/>
+          </a:p>
+        </p:txBody>
+      </p:sp>
+      <p:graphicFrame>
+        <p:nvGraphicFramePr>
+          <p:cNvPr id="3" name="chart">
+            <a:extLst>
+              <a:ext uri="{FF2B5EF4-FFF2-40B4-BE49-F238E27FC236}">
+                <a16:creationId xmlns:a16="http://schemas.microsoft.com/office/drawing/2014/main" id="{139B4430-0FCE-4840-B87E-C19276501070}"/>
+              </a:ext>
+            </a:extLst>
+          </p:cNvPr>
+          <p:cNvGraphicFramePr/>
+          <p:nvPr>
+            <p:extLst>
+              <p:ext uri="{D42A27DB-BD31-4B8C-83A1-F6EECF244321}">
+                <p14:modId xmlns:p14="http://schemas.microsoft.com/office/powerpoint/2010/main" val="2352523283"/>
+              </p:ext>
+            </p:extLst>
+          </p:nvPr>
+        </p:nvGraphicFramePr>
+        <p:xfrm>
+          <a:off x="664708" y="419401"/>
+          <a:ext cx="4413477" cy="4402667"/>
+        </p:xfrm>
+        <a:graphic>
+          <a:graphicData uri="http://schemas.openxmlformats.org/drawingml/2006/chart">
+            <c:chart xmlns:c="http://schemas.openxmlformats.org/drawingml/2006/chart" xmlns:r="http://schemas.openxmlformats.org/officeDocument/2006/relationships" r:id="rId2"/>
+          </a:graphicData>
+        </a:graphic>
+      </p:graphicFrame>
+      <p:graphicFrame>
+        <p:nvGraphicFramePr>
+          <p:cNvPr id="4" name="table">
+            <a:extLst>
+              <a:ext uri="{FF2B5EF4-FFF2-40B4-BE49-F238E27FC236}">
+                <a16:creationId xmlns:a16="http://schemas.microsoft.com/office/drawing/2014/main" id="{D51AC24E-89DA-0141-BA1F-E66B92FC10F0}"/>
+              </a:ext>
+            </a:extLst>
+          </p:cNvPr>
+          <p:cNvGraphicFramePr>
+            <a:graphicFrameLocks noGrp="1"/>
+          </p:cNvGraphicFramePr>
+          <p:nvPr>
+            <p:extLst>
+              <p:ext uri="{D42A27DB-BD31-4B8C-83A1-F6EECF244321}">
+                <p14:modId xmlns:p14="http://schemas.microsoft.com/office/powerpoint/2010/main" val="2380481839"/>
+              </p:ext>
+            </p:extLst>
+          </p:nvPr>
+        </p:nvGraphicFramePr>
+        <p:xfrm>
+          <a:off x="5298621" y="419400"/>
+          <a:ext cx="3975328" cy="4402668"/>
+        </p:xfrm>
+        <a:graphic>
+          <a:graphicData uri="http://schemas.openxmlformats.org/drawingml/2006/table">
+            <a:tbl>
+              <a:tblPr firstRow="1" firstCol="1" bandRow="1">
+                <a:tableStyleId>{7DF18680-E054-41AD-8BC1-D1AEF772440D}</a:tableStyleId>
+              </a:tblPr>
+              <a:tblGrid>
+                <a:gridCol w="1281794">
+                  <a:extLst>
+                    <a:ext uri="{9D8B030D-6E8A-4147-A177-3AD203B41FA5}">
+                      <a16:colId xmlns:a16="http://schemas.microsoft.com/office/drawing/2014/main" val="19942201"/>
+                    </a:ext>
+                  </a:extLst>
+                </a:gridCol>
+                <a:gridCol w="1346767">
+                  <a:extLst>
+                    <a:ext uri="{9D8B030D-6E8A-4147-A177-3AD203B41FA5}">
+                      <a16:colId xmlns:a16="http://schemas.microsoft.com/office/drawing/2014/main" val="347194206"/>
+                    </a:ext>
+                  </a:extLst>
+                </a:gridCol>
+                <a:gridCol w="1346767">
+                  <a:extLst>
+                    <a:ext uri="{9D8B030D-6E8A-4147-A177-3AD203B41FA5}">
+                      <a16:colId xmlns:a16="http://schemas.microsoft.com/office/drawing/2014/main" val="3211218339"/>
+                    </a:ext>
+                  </a:extLst>
+                </a:gridCol>
+              </a:tblGrid>
+              <a:tr h="1100667">
+                <a:tc>
+                  <a:txBody>
+                    <a:bodyPr/>
+                    <a:lstStyle/>
+                    <a:p>
+                      <a:pPr algn="ctr" latinLnBrk="1"/>
+                      <a:endParaRPr lang="ko-KR" altLang="en-US" dirty="0"/>
+                    </a:p>
+                  </a:txBody>
+                  <a:tcPr anchor="ctr"/>
+                </a:tc>
+                <a:tc>
+                  <a:txBody>
+                    <a:bodyPr/>
+                    <a:lstStyle/>
+                    <a:p>
+                      <a:pPr algn="ctr" latinLnBrk="1"/>
+                      <a:r>
+                        <a:rPr lang="en-US" altLang="ko-KR" dirty="0"/>
+                        <a:t>1Q</a:t>
+                      </a:r>
+                      <a:endParaRPr lang="ko-KR" altLang="en-US" dirty="0"/>
+                    </a:p>
+                  </a:txBody>
+                  <a:tcPr anchor="ctr"/>
+                </a:tc>
+                <a:tc>
+                  <a:txBody>
+                    <a:bodyPr/>
+                    <a:lstStyle/>
+                    <a:p>
+                      <a:pPr algn="ctr" latinLnBrk="1"/>
+                      <a:r>
+                        <a:rPr lang="en-US" altLang="ko-KR" dirty="0"/>
+                        <a:t>2Q</a:t>
+                      </a:r>
+                      <a:endParaRPr lang="ko-KR" altLang="en-US" dirty="0"/>
+                    </a:p>
+                  </a:txBody>
+                  <a:tcPr anchor="ctr"/>
+                </a:tc>
+                <a:extLst>
+                  <a:ext uri="{0D108BD9-81ED-4DB2-BD59-A6C34878D82A}">
+                    <a16:rowId xmlns:a16="http://schemas.microsoft.com/office/drawing/2014/main" val="2947286879"/>
+                  </a:ext>
+                </a:extLst>
+              </a:tr>
+              <a:tr h="1100667">
+                <a:tc>
+                  <a:txBody>
+                    <a:bodyPr/>
+                    <a:lstStyle/>
+                    <a:p>
+                      <a:pPr algn="ctr" latinLnBrk="1"/>
+                      <a:r>
+                        <a:rPr lang="en-US" altLang="ko-KR" sz="1600" dirty="0"/>
+                        <a:t>Mock</a:t>
+                      </a:r>
+                      <a:endParaRPr lang="ko-KR" altLang="en-US" sz="1600" dirty="0"/>
+                    </a:p>
+                  </a:txBody>
+                  <a:tcPr anchor="ctr"/>
+                </a:tc>
+                <a:tc>
+                  <a:txBody>
+                    <a:bodyPr/>
+                    <a:lstStyle/>
+                    <a:p>
+                      <a:pPr algn="ctr" latinLnBrk="1"/>
+                      <a:r>
+                        <a:rPr lang="en-US" altLang="ko-KR" sz="1600" dirty="0"/>
+                        <a:t>Mock</a:t>
+                      </a:r>
+                      <a:endParaRPr lang="ko-KR" altLang="en-US" sz="1600" dirty="0"/>
+                    </a:p>
+                  </a:txBody>
+                  <a:tcPr anchor="ctr"/>
+                </a:tc>
+                <a:tc>
+                  <a:txBody>
+                    <a:bodyPr/>
+                    <a:lstStyle/>
+                    <a:p>
+                      <a:pPr algn="ctr" latinLnBrk="1"/>
+                      <a:r>
+                        <a:rPr lang="en-US" altLang="ko-KR" sz="1600" dirty="0"/>
+                        <a:t>Mock</a:t>
+                      </a:r>
+                      <a:endParaRPr lang="ko-KR" altLang="en-US" sz="1600" dirty="0"/>
+                    </a:p>
+                  </a:txBody>
+                  <a:tcPr anchor="ctr"/>
+                </a:tc>
+                <a:extLst>
+                  <a:ext uri="{0D108BD9-81ED-4DB2-BD59-A6C34878D82A}">
+                    <a16:rowId xmlns:a16="http://schemas.microsoft.com/office/drawing/2014/main" val="709781390"/>
+                  </a:ext>
+                </a:extLst>
+              </a:tr>
+              <a:tr h="1100667">
+                <a:tc>
+                  <a:txBody>
+                    <a:bodyPr/>
+                    <a:lstStyle/>
+                    <a:p>
+                      <a:pPr algn="ctr" latinLnBrk="1"/>
+                      <a:r>
+                        <a:rPr lang="en-US" altLang="ko-KR" sz="1600" dirty="0"/>
+                        <a:t>Mock</a:t>
+                      </a:r>
+                      <a:endParaRPr lang="ko-KR" altLang="en-US" sz="1600" dirty="0"/>
+                    </a:p>
+                  </a:txBody>
+                  <a:tcPr anchor="ctr"/>
+                </a:tc>
+                <a:tc>
+                  <a:txBody>
+                    <a:bodyPr/>
+                    <a:lstStyle/>
+                    <a:p>
+                      <a:pPr algn="ctr" latinLnBrk="1"/>
+                      <a:r>
+                        <a:rPr lang="en-US" altLang="ko-KR" sz="1600" dirty="0"/>
+                        <a:t>Mock</a:t>
+                      </a:r>
+                      <a:endParaRPr lang="ko-KR" altLang="en-US" sz="1600" dirty="0"/>
+                    </a:p>
+                  </a:txBody>
+                  <a:tcPr anchor="ctr"/>
+                </a:tc>
+                <a:tc>
+                  <a:txBody>
+                    <a:bodyPr/>
+                    <a:lstStyle/>
+                    <a:p>
+                      <a:pPr algn="ctr" latinLnBrk="1"/>
+                      <a:r>
+                        <a:rPr lang="en-US" altLang="ko-KR" sz="1600" dirty="0"/>
+                        <a:t>Mock</a:t>
+                      </a:r>
+                      <a:endParaRPr lang="ko-KR" altLang="en-US" sz="1600" dirty="0"/>
+                    </a:p>
+                  </a:txBody>
+                  <a:tcPr anchor="ctr"/>
+                </a:tc>
+                <a:extLst>
+                  <a:ext uri="{0D108BD9-81ED-4DB2-BD59-A6C34878D82A}">
+                    <a16:rowId xmlns:a16="http://schemas.microsoft.com/office/drawing/2014/main" val="1888317561"/>
+                  </a:ext>
+                </a:extLst>
+              </a:tr>
+              <a:tr h="1100667">
+                <a:tc>
+                  <a:txBody>
+                    <a:bodyPr/>
+                    <a:lstStyle/>
+                    <a:p>
+                      <a:pPr algn="ctr" latinLnBrk="1"/>
+                      <a:r>
+                        <a:rPr lang="en-US" altLang="ko-KR" sz="1600" dirty="0"/>
+                        <a:t>Mock</a:t>
+                      </a:r>
+                      <a:endParaRPr lang="ko-KR" altLang="en-US" sz="1600" dirty="0"/>
+                    </a:p>
+                  </a:txBody>
+                  <a:tcPr anchor="ctr"/>
+                </a:tc>
+                <a:tc>
+                  <a:txBody>
+                    <a:bodyPr/>
+                    <a:lstStyle/>
+                    <a:p>
+                      <a:pPr algn="ctr" latinLnBrk="1"/>
+                      <a:r>
+                        <a:rPr lang="en-US" altLang="ko-KR" sz="1600" dirty="0"/>
+                        <a:t>Mock</a:t>
+                      </a:r>
+                      <a:endParaRPr lang="ko-KR" altLang="en-US" sz="1600" dirty="0"/>
+                    </a:p>
+                  </a:txBody>
+                  <a:tcPr anchor="ctr"/>
+                </a:tc>
+                <a:tc>
+                  <a:txBody>
+                    <a:bodyPr/>
+                    <a:lstStyle/>
+                    <a:p>
+                      <a:pPr algn="ctr" latinLnBrk="1"/>
+                      <a:r>
+                        <a:rPr lang="en-US" altLang="ko-KR" sz="1600" dirty="0"/>
+                        <a:t>Mock</a:t>
+                      </a:r>
+                      <a:endParaRPr lang="ko-KR" altLang="en-US" sz="1600" dirty="0"/>
+                    </a:p>
+                  </a:txBody>
+                  <a:tcPr anchor="ctr"/>
+                </a:tc>
+                <a:extLst>
+                  <a:ext uri="{0D108BD9-81ED-4DB2-BD59-A6C34878D82A}">
+                    <a16:rowId xmlns:a16="http://schemas.microsoft.com/office/drawing/2014/main" val="2662611536"/>
+                  </a:ext>
+                </a:extLst>
+              </a:tr>
+            </a:tbl>
+          </a:graphicData>
+        </a:graphic>
+      </p:graphicFrame>
+      <p:sp>
+        <p:nvSpPr>
+          <p:cNvPr id="8" name="TextBox 7">
+            <a:extLst>
+              <a:ext uri="{FF2B5EF4-FFF2-40B4-BE49-F238E27FC236}">
+                <a16:creationId xmlns:a16="http://schemas.microsoft.com/office/drawing/2014/main" id="{C9C368CD-5B01-4243-92A7-10A1935FD27E}"/>
+              </a:ext>
+            </a:extLst>
+          </p:cNvPr>
+          <p:cNvSpPr txBox="1"/>
+          <p:nvPr/>
+        </p:nvSpPr>
+        <p:spPr>
+          <a:xfrm>
+            <a:off x="759279" y="5021036"/>
+            <a:ext cx="8425542" cy="369332"/>
+          </a:xfrm>
+          <a:prstGeom prst="rect">
+            <a:avLst/>
+          </a:prstGeom>
+          <a:noFill/>
+        </p:spPr>
+        <p:txBody>
+          <a:bodyPr wrap="square" rtlCol="0">
+            <a:spAutoFit/>
+          </a:bodyPr>
+          <a:lstStyle/>
+          <a:p>
+            <a:r>
+              <a:rPr kumimoji="1" lang="en-US" altLang="ko-KR" dirty="0"/>
+              <a:t>Body</a:t>
+            </a:r>
+            <a:endParaRPr kumimoji="1" lang="ko-KR" altLang="en-US" dirty="0"/>
+          </a:p>
+        </p:txBody>
+      </p:sp>
+    </p:spTree>
+    <p:extLst>
+      <p:ext uri="{BB962C8B-B14F-4D97-AF65-F5344CB8AC3E}">
+        <p14:creationId xmlns:p14="http://schemas.microsoft.com/office/powerpoint/2010/main" val="29712157"/>
+      </p:ext>
+    </p:extLst>
+  </p:cSld>
+  <p:clrMapOvr>
+    <a:masterClrMapping/>
+  </p:clrMapOvr>
+</p:sld>
+</file>
+
+<file path=ppt/slides/slide5.xml><?xml version="1.0" encoding="utf-8"?>
+<p:sld xmlns:a="http://schemas.openxmlformats.org/drawingml/2006/main" xmlns:r="http://schemas.openxmlformats.org/officeDocument/2006/relationships" xmlns:p="http://schemas.openxmlformats.org/presentationml/2006/main">
+  <p:cSld>
+    <p:spTree>
+      <p:nvGrpSpPr>
+        <p:cNvPr id="1" name=""/>
+        <p:cNvGrpSpPr/>
+        <p:nvPr/>
+      </p:nvGrpSpPr>
+      <p:grpSpPr>
+        <a:xfrm>
+          <a:off x="0" y="0"/>
+          <a:ext cx="0" cy="0"/>
+          <a:chOff x="0" y="0"/>
+          <a:chExt cx="0" cy="0"/>
+        </a:xfrm>
+      </p:grpSpPr>
+      <p:sp>
+        <p:nvSpPr>
+          <p:cNvPr id="2" name="title">
+            <a:extLst>
+              <a:ext uri="{FF2B5EF4-FFF2-40B4-BE49-F238E27FC236}">
+                <a16:creationId xmlns:a16="http://schemas.microsoft.com/office/drawing/2014/main" id="{0C293CF6-1B32-AD4E-AAB0-94AE39EB1C84}"/>
+              </a:ext>
+            </a:extLst>
+          </p:cNvPr>
+          <p:cNvSpPr>
+            <a:spLocks noGrp="1"/>
+          </p:cNvSpPr>
+          <p:nvPr>
+            <p:ph type="ctrTitle"/>
+          </p:nvPr>
+        </p:nvSpPr>
+        <p:spPr>
+          <a:xfrm>
+            <a:off x="1238250" y="1788883"/>
+            <a:ext cx="7429500" cy="1719989"/>
+          </a:xfrm>
+        </p:spPr>
+        <p:txBody>
+          <a:bodyPr>
+            <a:normAutofit/>
+          </a:bodyPr>
+          <a:lstStyle/>
+          <a:p>
+            <a:r>
+              <a:rPr kumimoji="1" lang="en-US" altLang="ko-KR" sz="5400" dirty="0">
+                <a:solidFill>
+                  <a:srgbClr val="7030A0"/>
+                </a:solidFill>
+              </a:rPr>
+              <a:t>One More Thing!</a:t>
+            </a:r>
+            <a:endParaRPr kumimoji="1" lang="ko-KR" altLang="en-US" sz="5400" dirty="0">
+              <a:solidFill>
+                <a:srgbClr val="7030A0"/>
+              </a:solidFill>
+            </a:endParaRPr>
+          </a:p>
+        </p:txBody>
+      </p:sp>
+    </p:spTree>
+    <p:extLst>
+      <p:ext uri="{BB962C8B-B14F-4D97-AF65-F5344CB8AC3E}">
+        <p14:creationId xmlns:p14="http://schemas.microsoft.com/office/powerpoint/2010/main" val="2688508530"/>
+      </p:ext>
+    </p:extLst>
+  </p:cSld>
+  <p:clrMapOvr>
+    <a:masterClrMapping/>
+  </p:clrMapOvr>
+</p:sld>
+</file>
+
+<file path=ppt/slides/slide6.xml><?xml version="1.0" encoding="utf-8"?>
+<p:sld xmlns:a="http://schemas.openxmlformats.org/drawingml/2006/main" xmlns:r="http://schemas.openxmlformats.org/officeDocument/2006/relationships" xmlns:p="http://schemas.openxmlformats.org/presentationml/2006/main">
+  <p:cSld>
+    <p:spTree>
+      <p:nvGrpSpPr>
+        <p:cNvPr id="1" name=""/>
+        <p:cNvGrpSpPr/>
+        <p:nvPr/>
+      </p:nvGrpSpPr>
+      <p:grpSpPr>
+        <a:xfrm>
+          <a:off x="0" y="0"/>
+          <a:ext cx="0" cy="0"/>
+          <a:chOff x="0" y="0"/>
+          <a:chExt cx="0" cy="0"/>
+        </a:xfrm>
+      </p:grpSpPr>
+      <p:sp>
+        <p:nvSpPr>
+          <p:cNvPr id="2" name="title">
+            <a:extLst>
+              <a:ext uri="{FF2B5EF4-FFF2-40B4-BE49-F238E27FC236}">
+                <a16:creationId xmlns:a16="http://schemas.microsoft.com/office/drawing/2014/main" id="{0C293CF6-1B32-AD4E-AAB0-94AE39EB1C84}"/>
+              </a:ext>
+            </a:extLst>
+          </p:cNvPr>
+          <p:cNvSpPr>
+            <a:spLocks noGrp="1"/>
+          </p:cNvSpPr>
+          <p:nvPr>
+            <p:ph type="ctrTitle"/>
+          </p:nvPr>
+        </p:nvSpPr>
+        <p:spPr>
+          <a:xfrm>
+            <a:off x="1238250" y="1788883"/>
+            <a:ext cx="7429500" cy="2456546"/>
+          </a:xfrm>
+        </p:spPr>
+        <p:txBody>
+          <a:bodyPr>
+            <a:normAutofit/>
+          </a:bodyPr>
+          <a:lstStyle/>
+          <a:p>
+            <a:r>
+              <a:rPr kumimoji="1" lang="en-US" altLang="ko-KR" sz="5400" dirty="0">
+                <a:solidFill>
+                  <a:srgbClr val="7030A0"/>
+                </a:solidFill>
+              </a:rPr>
+              <a:t>Noting!</a:t>
+            </a:r>
+            <a:br>
+              <a:rPr kumimoji="1" lang="en-US" altLang="ko-KR" sz="5400" dirty="0">
+                <a:solidFill>
+                  <a:srgbClr val="7030A0"/>
+                </a:solidFill>
+              </a:rPr>
+            </a:br>
+            <a:r>
+              <a:rPr kumimoji="1" lang="en-US" altLang="ko-KR" sz="5400" dirty="0">
+                <a:solidFill>
+                  <a:srgbClr val="7030A0"/>
+                </a:solidFill>
+              </a:rPr>
+              <a:t> :P</a:t>
+            </a:r>
+            <a:endParaRPr kumimoji="1" lang="ko-KR" altLang="en-US" sz="5400" dirty="0">
+              <a:solidFill>
+                <a:srgbClr val="7030A0"/>
+              </a:solidFill>
+            </a:endParaRPr>
+          </a:p>
+        </p:txBody>
+      </p:sp>
+    </p:spTree>
+    <p:extLst>
+      <p:ext uri="{BB962C8B-B14F-4D97-AF65-F5344CB8AC3E}">
+        <p14:creationId xmlns:p14="http://schemas.microsoft.com/office/powerpoint/2010/main" val="3367873874"/>
+      </p:ext>
+    </p:extLst>
+  </p:cSld>
+  <p:clrMapOvr>
+    <a:masterClrMapping/>
+  </p:clrMapOvr>
+</p:sld>
+</file>
+
 <file path=ppt/theme/theme1.xml><?xml version="1.0" encoding="utf-8"?>
-<a:theme xmlns:a="http://schemas.openxmlformats.org/drawingml/2006/main" name="master slide">
+<a:theme xmlns:a="http://schemas.openxmlformats.org/drawingml/2006/main" name="디자인 사용자 지정">
   <a:themeElements>
-    <a:clrScheme name="천체">
+    <a:clrScheme name="Office">
       <a:dk1>
         <a:sysClr val="windowText" lastClr="000000"/>
       </a:dk1>
@@ -3235,34 +6689,34 @@
         <a:sysClr val="window" lastClr="FFFFFF"/>
       </a:lt1>
       <a:dk2>
-        <a:srgbClr val="104C7E"/>
+        <a:srgbClr val="44546A"/>
       </a:dk2>
       <a:lt2>
-        <a:srgbClr val="EBEBEB"/>
+        <a:srgbClr val="E7E6E6"/>
       </a:lt2>
       <a:accent1>
-        <a:srgbClr val="94CE67"/>
+        <a:srgbClr val="4472C4"/>
       </a:accent1>
       <a:accent2>
-        <a:srgbClr val="49D1CD"/>
+        <a:srgbClr val="ED7D31"/>
       </a:accent2>
       <a:accent3>
-        <a:srgbClr val="61A5D6"/>
+        <a:srgbClr val="A5A5A5"/>
       </a:accent3>
       <a:accent4>
-        <a:srgbClr val="9D8CD3"/>
+        <a:srgbClr val="FFC000"/>
       </a:accent4>
       <a:accent5>
-        <a:srgbClr val="E45C8A"/>
+        <a:srgbClr val="5B9BD5"/>
       </a:accent5>
       <a:accent6>
-        <a:srgbClr val="F98C61"/>
+        <a:srgbClr val="70AD47"/>
       </a:accent6>
       <a:hlink>
-        <a:srgbClr val="AAF172"/>
+        <a:srgbClr val="0563C1"/>
       </a:hlink>
       <a:folHlink>
-        <a:srgbClr val="E7F19A"/>
+        <a:srgbClr val="954F72"/>
       </a:folHlink>
     </a:clrScheme>
     <a:fontScheme name="Office">
@@ -3371,7 +6825,7 @@
         <a:font script="Tfng" typeface="Ebrima"/>
       </a:minorFont>
     </a:fontScheme>
-    <a:fmtScheme name="천체">
+    <a:fmtScheme name="Office">
       <a:fillStyleLst>
         <a:solidFill>
           <a:schemeClr val="phClr"/>
@@ -3380,14 +6834,23 @@
           <a:gsLst>
             <a:gs pos="0">
               <a:schemeClr val="phClr">
-                <a:tint val="70000"/>
                 <a:lumMod val="110000"/>
+                <a:satMod val="105000"/>
+                <a:tint val="67000"/>
+              </a:schemeClr>
+            </a:gs>
+            <a:gs pos="50000">
+              <a:schemeClr val="phClr">
+                <a:lumMod val="105000"/>
+                <a:satMod val="103000"/>
+                <a:tint val="73000"/>
               </a:schemeClr>
             </a:gs>
             <a:gs pos="100000">
               <a:schemeClr val="phClr">
-                <a:tint val="82000"/>
-                <a:alpha val="74000"/>
+                <a:lumMod val="105000"/>
+                <a:satMod val="109000"/>
+                <a:tint val="81000"/>
               </a:schemeClr>
             </a:gs>
           </a:gsLst>
@@ -3397,38 +6860,50 @@
           <a:gsLst>
             <a:gs pos="0">
               <a:schemeClr val="phClr">
-                <a:tint val="98000"/>
+                <a:satMod val="103000"/>
+                <a:lumMod val="102000"/>
+                <a:tint val="94000"/>
+              </a:schemeClr>
+            </a:gs>
+            <a:gs pos="50000">
+              <a:schemeClr val="phClr">
+                <a:satMod val="110000"/>
                 <a:lumMod val="100000"/>
+                <a:shade val="100000"/>
               </a:schemeClr>
             </a:gs>
             <a:gs pos="100000">
               <a:schemeClr val="phClr">
-                <a:shade val="88000"/>
-                <a:lumMod val="88000"/>
+                <a:lumMod val="99000"/>
+                <a:satMod val="120000"/>
+                <a:shade val="78000"/>
               </a:schemeClr>
             </a:gs>
           </a:gsLst>
-          <a:lin ang="5400000" scaled="1"/>
+          <a:lin ang="5400000" scaled="0"/>
         </a:gradFill>
       </a:fillStyleLst>
       <a:lnStyleLst>
-        <a:ln w="9525" cap="rnd" cmpd="sng" algn="ctr">
+        <a:ln w="6350" cap="flat" cmpd="sng" algn="ctr">
           <a:solidFill>
             <a:schemeClr val="phClr"/>
           </a:solidFill>
           <a:prstDash val="solid"/>
+          <a:miter lim="800000"/>
         </a:ln>
-        <a:ln w="19050" cap="rnd" cmpd="sng" algn="ctr">
+        <a:ln w="12700" cap="flat" cmpd="sng" algn="ctr">
           <a:solidFill>
             <a:schemeClr val="phClr"/>
           </a:solidFill>
           <a:prstDash val="solid"/>
+          <a:miter lim="800000"/>
         </a:ln>
-        <a:ln w="25400" cap="rnd" cmpd="sng" algn="ctr">
+        <a:ln w="19050" cap="flat" cmpd="sng" algn="ctr">
           <a:solidFill>
             <a:schemeClr val="phClr"/>
           </a:solidFill>
           <a:prstDash val="solid"/>
+          <a:miter lim="800000"/>
         </a:ln>
       </a:lnStyleLst>
       <a:effectStyleLst>
@@ -3436,64 +6911,55 @@
           <a:effectLst/>
         </a:effectStyle>
         <a:effectStyle>
+          <a:effectLst/>
+        </a:effectStyle>
+        <a:effectStyle>
           <a:effectLst>
-            <a:outerShdw blurRad="50800" dist="38100" dir="5400000" rotWithShape="0">
+            <a:outerShdw blurRad="57150" dist="19050" dir="5400000" algn="ctr" rotWithShape="0">
               <a:srgbClr val="000000">
-                <a:alpha val="35000"/>
+                <a:alpha val="63000"/>
               </a:srgbClr>
             </a:outerShdw>
           </a:effectLst>
-        </a:effectStyle>
-        <a:effectStyle>
-          <a:effectLst>
-            <a:outerShdw blurRad="63500" dist="38100" dir="5400000" rotWithShape="0">
-              <a:srgbClr val="000000">
-                <a:alpha val="65000"/>
-              </a:srgbClr>
-            </a:outerShdw>
-          </a:effectLst>
-          <a:scene3d>
-            <a:camera prst="orthographicFront">
-              <a:rot lat="0" lon="0" rev="0"/>
-            </a:camera>
-            <a:lightRig rig="threePt" dir="tl">
-              <a:rot lat="0" lon="0" rev="1200000"/>
-            </a:lightRig>
-          </a:scene3d>
-          <a:sp3d>
-            <a:bevelT w="38100" h="12700"/>
-          </a:sp3d>
         </a:effectStyle>
       </a:effectStyleLst>
       <a:bgFillStyleLst>
         <a:solidFill>
           <a:schemeClr val="phClr"/>
         </a:solidFill>
+        <a:solidFill>
+          <a:schemeClr val="phClr">
+            <a:tint val="95000"/>
+            <a:satMod val="170000"/>
+          </a:schemeClr>
+        </a:solidFill>
         <a:gradFill rotWithShape="1">
           <a:gsLst>
             <a:gs pos="0">
               <a:schemeClr val="phClr">
-                <a:tint val="90000"/>
-                <a:shade val="96000"/>
-                <a:hueMod val="100000"/>
-                <a:satMod val="180000"/>
-                <a:lumMod val="110000"/>
+                <a:tint val="93000"/>
+                <a:satMod val="150000"/>
+                <a:shade val="98000"/>
+                <a:lumMod val="102000"/>
+              </a:schemeClr>
+            </a:gs>
+            <a:gs pos="50000">
+              <a:schemeClr val="phClr">
+                <a:tint val="98000"/>
+                <a:satMod val="130000"/>
+                <a:shade val="90000"/>
+                <a:lumMod val="103000"/>
               </a:schemeClr>
             </a:gs>
             <a:gs pos="100000">
               <a:schemeClr val="phClr">
-                <a:shade val="96000"/>
-                <a:satMod val="160000"/>
-                <a:lumMod val="100000"/>
+                <a:shade val="63000"/>
+                <a:satMod val="120000"/>
               </a:schemeClr>
             </a:gs>
           </a:gsLst>
-          <a:lin ang="4740000" scaled="1"/>
+          <a:lin ang="5400000" scaled="0"/>
         </a:gradFill>
-        <a:blipFill>
-          <a:blip xmlns:r="http://schemas.openxmlformats.org/officeDocument/2006/relationships" r:embed="rId1"/>
-          <a:stretch/>
-        </a:blipFill>
       </a:bgFillStyleLst>
     </a:fmtScheme>
   </a:themeElements>
@@ -3501,7 +6967,7 @@
   <a:extraClrSchemeLst/>
   <a:extLst>
     <a:ext uri="{05A4C25C-085E-4340-85A3-A5531E510DB2}">
-      <thm15:themeFamily xmlns:thm15="http://schemas.microsoft.com/office/thememl/2012/main" name="Celestial" id="{C4BB2A3D-0E93-4C5F-B0D2-9D3FCE089CC5}" vid="{E44E6A2F-09CD-4BE0-B42D-107FF03CEED6}"/>
+      <thm15:themeFamily xmlns:thm15="http://schemas.microsoft.com/office/thememl/2012/main" name="Office Theme" id="{62F939B6-93AF-4DB8-9C6B-D6C7DFDC589F}" vid="{4A3C46E8-61CC-4603-A589-7422A47A8E4A}"/>
     </a:ext>
   </a:extLst>
 </a:theme>

--- a/example/simple_ppt/master.pptx
+++ b/example/simple_ppt/master.pptx
@@ -202,6 +202,11 @@
               </a:ln>
               <a:effectLst/>
             </c:spPr>
+            <c:extLst>
+              <c:ext xmlns:c16="http://schemas.microsoft.com/office/drawing/2014/chart" uri="{C3380CC4-5D6E-409C-BE32-E72D297353CC}">
+                <c16:uniqueId val="{00000001-CB57-B449-B7D6-2870DF16AC5B}"/>
+              </c:ext>
+            </c:extLst>
           </c:dPt>
           <c:dPt>
             <c:idx val="1"/>
@@ -216,6 +221,11 @@
               </a:ln>
               <a:effectLst/>
             </c:spPr>
+            <c:extLst>
+              <c:ext xmlns:c16="http://schemas.microsoft.com/office/drawing/2014/chart" uri="{C3380CC4-5D6E-409C-BE32-E72D297353CC}">
+                <c16:uniqueId val="{00000003-CB57-B449-B7D6-2870DF16AC5B}"/>
+              </c:ext>
+            </c:extLst>
           </c:dPt>
           <c:dPt>
             <c:idx val="2"/>
@@ -230,6 +240,11 @@
               </a:ln>
               <a:effectLst/>
             </c:spPr>
+            <c:extLst>
+              <c:ext xmlns:c16="http://schemas.microsoft.com/office/drawing/2014/chart" uri="{C3380CC4-5D6E-409C-BE32-E72D297353CC}">
+                <c16:uniqueId val="{00000005-CB57-B449-B7D6-2870DF16AC5B}"/>
+              </c:ext>
+            </c:extLst>
           </c:dPt>
           <c:dPt>
             <c:idx val="3"/>
@@ -244,6 +259,11 @@
               </a:ln>
               <a:effectLst/>
             </c:spPr>
+            <c:extLst>
+              <c:ext xmlns:c16="http://schemas.microsoft.com/office/drawing/2014/chart" uri="{C3380CC4-5D6E-409C-BE32-E72D297353CC}">
+                <c16:uniqueId val="{00000007-CB57-B449-B7D6-2870DF16AC5B}"/>
+              </c:ext>
+            </c:extLst>
           </c:dPt>
           <c:cat>
             <c:strRef>
@@ -566,6 +586,11 @@
               </a:ln>
               <a:effectLst/>
             </c:spPr>
+            <c:extLst>
+              <c:ext xmlns:c16="http://schemas.microsoft.com/office/drawing/2014/chart" uri="{C3380CC4-5D6E-409C-BE32-E72D297353CC}">
+                <c16:uniqueId val="{00000001-0296-5C47-B212-D410CC422B46}"/>
+              </c:ext>
+            </c:extLst>
           </c:dPt>
           <c:dPt>
             <c:idx val="1"/>
@@ -580,6 +605,11 @@
               </a:ln>
               <a:effectLst/>
             </c:spPr>
+            <c:extLst>
+              <c:ext xmlns:c16="http://schemas.microsoft.com/office/drawing/2014/chart" uri="{C3380CC4-5D6E-409C-BE32-E72D297353CC}">
+                <c16:uniqueId val="{00000003-0296-5C47-B212-D410CC422B46}"/>
+              </c:ext>
+            </c:extLst>
           </c:dPt>
           <c:dPt>
             <c:idx val="2"/>
@@ -594,6 +624,11 @@
               </a:ln>
               <a:effectLst/>
             </c:spPr>
+            <c:extLst>
+              <c:ext xmlns:c16="http://schemas.microsoft.com/office/drawing/2014/chart" uri="{C3380CC4-5D6E-409C-BE32-E72D297353CC}">
+                <c16:uniqueId val="{00000005-0296-5C47-B212-D410CC422B46}"/>
+              </c:ext>
+            </c:extLst>
           </c:dPt>
           <c:dPt>
             <c:idx val="3"/>
@@ -608,7 +643,15 @@
               </a:ln>
               <a:effectLst/>
             </c:spPr>
+            <c:extLst>
+              <c:ext xmlns:c16="http://schemas.microsoft.com/office/drawing/2014/chart" uri="{C3380CC4-5D6E-409C-BE32-E72D297353CC}">
+                <c16:uniqueId val="{00000007-0296-5C47-B212-D410CC422B46}"/>
+              </c:ext>
+            </c:extLst>
           </c:dPt>
+          <c:dLbls>
+            <c:delete val="1"/>
+          </c:dLbls>
           <c:cat>
             <c:strRef>
               <c:f>Sheet1!$A$2:$A$5</c:f>
@@ -657,8 +700,9 @@
           </c:extLst>
         </c:ser>
         <c:dLbls>
+          <c:dLblPos val="ctr"/>
           <c:showLegendKey val="0"/>
-          <c:showVal val="0"/>
+          <c:showVal val="1"/>
           <c:showCatName val="0"/>
           <c:showSerName val="0"/>
           <c:showPercent val="0"/>
@@ -674,7 +718,7 @@
         <c:scaling>
           <c:orientation val="minMax"/>
         </c:scaling>
-        <c:delete val="1"/>
+        <c:delete val="0"/>
         <c:axPos val="b"/>
         <c:majorGridlines>
           <c:spPr>
@@ -691,9 +735,42 @@
           </c:spPr>
         </c:majorGridlines>
         <c:numFmt formatCode="General" sourceLinked="1"/>
-        <c:majorTickMark val="none"/>
+        <c:majorTickMark val="out"/>
         <c:minorTickMark val="none"/>
         <c:tickLblPos val="nextTo"/>
+        <c:spPr>
+          <a:noFill/>
+          <a:ln w="9525" cap="flat" cmpd="sng" algn="ctr">
+            <a:solidFill>
+              <a:schemeClr val="dk1">
+                <a:lumMod val="15000"/>
+                <a:lumOff val="85000"/>
+              </a:schemeClr>
+            </a:solidFill>
+            <a:round/>
+          </a:ln>
+          <a:effectLst/>
+        </c:spPr>
+        <c:txPr>
+          <a:bodyPr rot="-60000000" spcFirstLastPara="1" vertOverflow="ellipsis" vert="horz" wrap="square" anchor="ctr" anchorCtr="1"/>
+          <a:lstStyle/>
+          <a:p>
+            <a:pPr>
+              <a:defRPr sz="1197" b="0" i="0" u="none" strike="noStrike" kern="1200" cap="none" spc="0" normalizeH="0" baseline="0">
+                <a:solidFill>
+                  <a:schemeClr val="dk1">
+                    <a:lumMod val="65000"/>
+                    <a:lumOff val="35000"/>
+                  </a:schemeClr>
+                </a:solidFill>
+                <a:latin typeface="+mn-lt"/>
+                <a:ea typeface="+mn-ea"/>
+                <a:cs typeface="+mn-cs"/>
+              </a:defRPr>
+            </a:pPr>
+            <a:endParaRPr lang="ko-KR"/>
+          </a:p>
+        </c:txPr>
         <c:crossAx val="1502661360"/>
         <c:crosses val="autoZero"/>
         <c:auto val="1"/>
@@ -6190,7 +6267,7 @@
           <p:nvPr>
             <p:extLst>
               <p:ext uri="{D42A27DB-BD31-4B8C-83A1-F6EECF244321}">
-                <p14:modId xmlns:p14="http://schemas.microsoft.com/office/powerpoint/2010/main" val="2352523283"/>
+                <p14:modId xmlns:p14="http://schemas.microsoft.com/office/powerpoint/2010/main" val="1856641331"/>
               </p:ext>
             </p:extLst>
           </p:nvPr>
@@ -6468,7 +6545,7 @@
       </p:graphicFrame>
       <p:sp>
         <p:nvSpPr>
-          <p:cNvPr id="8" name="TextBox 7">
+          <p:cNvPr id="8" name="body">
             <a:extLst>
               <a:ext uri="{FF2B5EF4-FFF2-40B4-BE49-F238E27FC236}">
                 <a16:creationId xmlns:a16="http://schemas.microsoft.com/office/drawing/2014/main" id="{C9C368CD-5B01-4243-92A7-10A1935FD27E}"/>
